--- a/Documentation/종합설계_2차_설계서_발표.pptx
+++ b/Documentation/종합설계_2차_설계서_발표.pptx
@@ -1338,136 +1338,6 @@
           <a:bodyPr/>
           <a:lstStyle/>
           <a:p>
-            <a:r>
-              <a:rPr lang="en-US" altLang="ko-KR"/>
-              <a:t>DMR </a:t>
-            </a:r>
-            <a:r>
-              <a:rPr lang="ko-KR" altLang="en-US"/>
-              <a:t>서버를 구성하는 웹 서버와 </a:t>
-            </a:r>
-            <a:r>
-              <a:rPr lang="en-US" altLang="ko-KR"/>
-              <a:t>RTSP </a:t>
-            </a:r>
-            <a:r>
-              <a:rPr lang="ko-KR" altLang="en-US"/>
-              <a:t>릴레이 서버는 </a:t>
-            </a:r>
-            <a:r>
-              <a:rPr lang="ko-KR" altLang="en-US" err="1"/>
-              <a:t>도커</a:t>
-            </a:r>
-            <a:r>
-              <a:rPr lang="ko-KR" altLang="en-US"/>
-              <a:t> 컨테이너 환경에서 개발 및 배포</a:t>
-            </a:r>
-            <a:endParaRPr lang="en-US" altLang="ko-KR"/>
-          </a:p>
-          <a:p>
-            <a:r>
-              <a:rPr lang="ko-KR" altLang="en-US"/>
-              <a:t>이 둘은 하나의 컨테이너로 구성</a:t>
-            </a:r>
-            <a:r>
-              <a:rPr lang="en-US" altLang="ko-KR"/>
-              <a:t>, </a:t>
-            </a:r>
-            <a:r>
-              <a:rPr lang="ko-KR" altLang="en-US"/>
-              <a:t>하나의 애플리케이션으로 실행됨</a:t>
-            </a:r>
-            <a:endParaRPr lang="en-US" altLang="ko-KR"/>
-          </a:p>
-          <a:p>
-            <a:endParaRPr lang="en-US" altLang="ko-KR"/>
-          </a:p>
-          <a:p>
-            <a:r>
-              <a:rPr lang="ko-KR" altLang="en-US"/>
-              <a:t>웹 서버는 파이썬 환경에서 </a:t>
-            </a:r>
-            <a:r>
-              <a:rPr lang="en-US" altLang="ko-KR" err="1"/>
-              <a:t>klein</a:t>
-            </a:r>
-            <a:r>
-              <a:rPr lang="en-US" altLang="ko-KR"/>
-              <a:t> </a:t>
-            </a:r>
-            <a:r>
-              <a:rPr lang="ko-KR" altLang="en-US"/>
-              <a:t>라이브러리를 사용해 개발</a:t>
-            </a:r>
-            <a:endParaRPr lang="en-US" altLang="ko-KR"/>
-          </a:p>
-          <a:p>
-            <a:r>
-              <a:rPr lang="en-US" altLang="ko-KR"/>
-              <a:t>RTSP </a:t>
-            </a:r>
-            <a:r>
-              <a:rPr lang="ko-KR" altLang="en-US"/>
-              <a:t>릴레이 서버는 </a:t>
-            </a:r>
-            <a:r>
-              <a:rPr lang="en-US" altLang="ko-KR" err="1"/>
-              <a:t>Gstreamer</a:t>
-            </a:r>
-            <a:r>
-              <a:rPr lang="ko-KR" altLang="en-US"/>
-              <a:t>의 파이썬</a:t>
-            </a:r>
-            <a:r>
-              <a:rPr lang="en-US" altLang="ko-KR"/>
-              <a:t> </a:t>
-            </a:r>
-            <a:r>
-              <a:rPr lang="ko-KR" altLang="en-US"/>
-              <a:t>바인딩을 사용하며 </a:t>
-            </a:r>
-            <a:r>
-              <a:rPr lang="en-US" altLang="ko-KR" err="1"/>
-              <a:t>gst</a:t>
-            </a:r>
-            <a:r>
-              <a:rPr lang="en-US" altLang="ko-KR"/>
-              <a:t>-</a:t>
-            </a:r>
-            <a:r>
-              <a:rPr lang="en-US" altLang="ko-KR" err="1"/>
-              <a:t>rtsp</a:t>
-            </a:r>
-            <a:r>
-              <a:rPr lang="en-US" altLang="ko-KR"/>
-              <a:t>-server </a:t>
-            </a:r>
-            <a:r>
-              <a:rPr lang="ko-KR" altLang="en-US"/>
-              <a:t>라이브러리를 사용해 구축</a:t>
-            </a:r>
-            <a:r>
-              <a:rPr lang="en-US" altLang="ko-KR"/>
-              <a:t>, </a:t>
-            </a:r>
-            <a:r>
-              <a:rPr lang="ko-KR" altLang="en-US"/>
-              <a:t>지연시간을 줄이기 위해 영상 인코딩</a:t>
-            </a:r>
-            <a:r>
-              <a:rPr lang="en-US" altLang="ko-KR"/>
-              <a:t>/</a:t>
-            </a:r>
-            <a:r>
-              <a:rPr lang="ko-KR" altLang="en-US"/>
-              <a:t>디코딩 시 하드웨어 인코더를 사용하도록 개발</a:t>
-            </a:r>
-            <a:endParaRPr lang="en-US" altLang="ko-KR"/>
-          </a:p>
-          <a:p>
-            <a:endParaRPr lang="en-US" altLang="ko-KR"/>
-          </a:p>
-          <a:p>
             <a:endParaRPr lang="en-US" altLang="ko-KR"/>
           </a:p>
           <a:p>
@@ -1558,149 +1428,6 @@
           <a:bodyPr/>
           <a:lstStyle/>
           <a:p>
-            <a:r>
-              <a:rPr lang="en-US" altLang="ko-KR"/>
-              <a:t>CCTV </a:t>
-            </a:r>
-            <a:r>
-              <a:rPr lang="ko-KR" altLang="en-US"/>
-              <a:t>카메라의 </a:t>
-            </a:r>
-            <a:r>
-              <a:rPr lang="ko-KR" altLang="en-US" smtClean="0"/>
-              <a:t>정보 </a:t>
-            </a:r>
-            <a:r>
-              <a:rPr lang="ko-KR" altLang="en-US"/>
-              <a:t>등의 메타데이터 기록을 위한 </a:t>
-            </a:r>
-            <a:r>
-              <a:rPr lang="en-US" altLang="ko-KR"/>
-              <a:t>DB</a:t>
-            </a:r>
-            <a:r>
-              <a:rPr lang="ko-KR" altLang="en-US"/>
-              <a:t>로 마리아</a:t>
-            </a:r>
-            <a:r>
-              <a:rPr lang="en-US" altLang="ko-KR"/>
-              <a:t>DB</a:t>
-            </a:r>
-            <a:r>
-              <a:rPr lang="ko-KR" altLang="en-US"/>
-              <a:t> </a:t>
-            </a:r>
-            <a:r>
-              <a:rPr lang="ko-KR" altLang="en-US" smtClean="0"/>
-              <a:t>사용</a:t>
-            </a:r>
-            <a:endParaRPr lang="en-US" altLang="ko-KR" smtClean="0"/>
-          </a:p>
-          <a:p>
-            <a:r>
-              <a:rPr lang="en-US" altLang="ko-KR" smtClean="0"/>
-              <a:t>ex) </a:t>
-            </a:r>
-            <a:r>
-              <a:rPr lang="ko-KR" altLang="en-US" smtClean="0"/>
-              <a:t>카메라의 위치</a:t>
-            </a:r>
-            <a:r>
-              <a:rPr lang="en-US" altLang="ko-KR" smtClean="0"/>
-              <a:t>, </a:t>
-            </a:r>
-            <a:r>
-              <a:rPr lang="ko-KR" altLang="en-US" smtClean="0"/>
-              <a:t>카메라</a:t>
-            </a:r>
-            <a:r>
-              <a:rPr lang="ko-KR" altLang="en-US" baseline="0" smtClean="0"/>
-              <a:t> 번호</a:t>
-            </a:r>
-            <a:r>
-              <a:rPr lang="en-US" altLang="ko-KR" baseline="0" smtClean="0"/>
-              <a:t>, ...</a:t>
-            </a:r>
-            <a:endParaRPr lang="en-US" altLang="ko-KR"/>
-          </a:p>
-          <a:p>
-            <a:r>
-              <a:rPr lang="en-US" altLang="ko-KR"/>
-              <a:t>DMR </a:t>
-            </a:r>
-            <a:r>
-              <a:rPr lang="ko-KR" altLang="en-US"/>
-              <a:t>서버로 부터 </a:t>
-            </a:r>
-            <a:r>
-              <a:rPr lang="en-US" altLang="ko-KR"/>
-              <a:t>RTSP </a:t>
-            </a:r>
-            <a:r>
-              <a:rPr lang="ko-KR" altLang="en-US"/>
-              <a:t>영상 수신을 위해 </a:t>
-            </a:r>
-            <a:r>
-              <a:rPr lang="en-US" altLang="ko-KR" err="1"/>
-              <a:t>LibVLC</a:t>
-            </a:r>
-            <a:r>
-              <a:rPr lang="en-US" altLang="ko-KR"/>
-              <a:t> </a:t>
-            </a:r>
-            <a:r>
-              <a:rPr lang="ko-KR" altLang="en-US"/>
-              <a:t>라이브러리를 사용해 앱 </a:t>
-            </a:r>
-            <a:r>
-              <a:rPr lang="ko-KR" altLang="en-US" smtClean="0"/>
-              <a:t>개발</a:t>
-            </a:r>
-            <a:endParaRPr lang="en-US" altLang="ko-KR" smtClean="0"/>
-          </a:p>
-          <a:p>
-            <a:r>
-              <a:rPr lang="en-US" altLang="ko-KR" smtClean="0"/>
-              <a:t>(</a:t>
-            </a:r>
-            <a:r>
-              <a:rPr lang="ko-KR" altLang="en-US" smtClean="0"/>
-              <a:t>서버에서는 </a:t>
-            </a:r>
-            <a:r>
-              <a:rPr lang="en-US" altLang="ko-KR" smtClean="0"/>
-              <a:t>Gstreamer</a:t>
-            </a:r>
-            <a:r>
-              <a:rPr lang="ko-KR" altLang="en-US" smtClean="0"/>
-              <a:t>를 사용하는데 안드로이드는 </a:t>
-            </a:r>
-            <a:r>
-              <a:rPr lang="en-US" altLang="ko-KR" smtClean="0"/>
-              <a:t>LibVLC</a:t>
-            </a:r>
-            <a:r>
-              <a:rPr lang="ko-KR" altLang="en-US" smtClean="0"/>
-              <a:t>를 사용하는 이유</a:t>
-            </a:r>
-            <a:r>
-              <a:rPr lang="en-US" altLang="ko-KR" smtClean="0"/>
-              <a:t>:</a:t>
-            </a:r>
-          </a:p>
-          <a:p>
-            <a:r>
-              <a:rPr lang="en-US" altLang="ko-KR" smtClean="0"/>
-              <a:t> Gstreamer</a:t>
-            </a:r>
-            <a:r>
-              <a:rPr lang="ko-KR" altLang="en-US" smtClean="0"/>
-              <a:t>의 안드로이드 지원이 미흡하기 때문</a:t>
-            </a:r>
-            <a:r>
-              <a:rPr lang="en-US" altLang="ko-KR" smtClean="0"/>
-              <a:t>)</a:t>
-            </a:r>
             <a:endParaRPr lang="ko-KR" altLang="en-US"/>
           </a:p>
         </p:txBody>
@@ -9836,7 +9563,11 @@
             </a:r>
             <a:r>
               <a:rPr lang="ko-KR" altLang="en-US" sz="2400" smtClean="0"/>
-              <a:t>클래스 다이어그램</a:t>
+              <a:t>클래스 다이어그램 </a:t>
+            </a:r>
+            <a:r>
+              <a:rPr lang="en-US" altLang="ko-KR" sz="2400" smtClean="0"/>
+              <a:t>(DMR)</a:t>
             </a:r>
             <a:endParaRPr lang="en-US" altLang="ko-KR" sz="2000"/>
           </a:p>
@@ -9851,6 +9582,70 @@
           </a:p>
         </p:txBody>
       </p:sp>
+      <p:pic>
+        <p:nvPicPr>
+          <p:cNvPr id="6147" name="Picture 3"/>
+          <p:cNvPicPr>
+            <a:picLocks noChangeAspect="1" noChangeArrowheads="1"/>
+          </p:cNvPicPr>
+          <p:nvPr/>
+        </p:nvPicPr>
+        <p:blipFill>
+          <a:blip r:embed="rId3">
+            <a:extLst>
+              <a:ext uri="{28A0092B-C50C-407E-A947-70E740481C1C}">
+                <a14:useLocalDpi xmlns:a14="http://schemas.microsoft.com/office/drawing/2010/main" val="0"/>
+              </a:ext>
+            </a:extLst>
+          </a:blip>
+          <a:srcRect/>
+          <a:stretch>
+            <a:fillRect/>
+          </a:stretch>
+        </p:blipFill>
+        <p:spPr bwMode="auto">
+          <a:xfrm>
+            <a:off x="2907202" y="1985964"/>
+            <a:ext cx="6377596" cy="4084528"/>
+          </a:xfrm>
+          <a:prstGeom prst="rect">
+            <a:avLst/>
+          </a:prstGeom>
+          <a:noFill/>
+          <a:ln>
+            <a:noFill/>
+          </a:ln>
+          <a:effectLst/>
+          <a:extLst>
+            <a:ext uri="{909E8E84-426E-40DD-AFC4-6F175D3DCCD1}">
+              <a14:hiddenFill xmlns:a14="http://schemas.microsoft.com/office/drawing/2010/main">
+                <a:solidFill>
+                  <a:schemeClr val="accent1"/>
+                </a:solidFill>
+              </a14:hiddenFill>
+            </a:ext>
+            <a:ext uri="{91240B29-F687-4F45-9708-019B960494DF}">
+              <a14:hiddenLine xmlns:a14="http://schemas.microsoft.com/office/drawing/2010/main" w="9525">
+                <a:solidFill>
+                  <a:schemeClr val="tx1"/>
+                </a:solidFill>
+                <a:miter lim="800000"/>
+                <a:headEnd/>
+                <a:tailEnd/>
+              </a14:hiddenLine>
+            </a:ext>
+            <a:ext uri="{AF507438-7753-43E0-B8FC-AC1667EBCBE1}">
+              <a14:hiddenEffects xmlns:a14="http://schemas.microsoft.com/office/drawing/2010/main">
+                <a:effectLst>
+                  <a:outerShdw dist="35921" dir="2700000" algn="ctr" rotWithShape="0">
+                    <a:schemeClr val="bg2"/>
+                  </a:outerShdw>
+                </a:effectLst>
+              </a14:hiddenEffects>
+            </a:ext>
+          </a:extLst>
+        </p:spPr>
+      </p:pic>
     </p:spTree>
     <p:extLst>
       <p:ext uri="{BB962C8B-B14F-4D97-AF65-F5344CB8AC3E}">
@@ -14767,13 +14562,13 @@
         </p:nvSpPr>
         <p:spPr>
           <a:xfrm>
-            <a:off x="673768" y="1325563"/>
-            <a:ext cx="10515600" cy="5349875"/>
+            <a:off x="673768" y="1325564"/>
+            <a:ext cx="10515600" cy="5118632"/>
           </a:xfrm>
         </p:spPr>
         <p:txBody>
           <a:bodyPr>
-            <a:normAutofit/>
+            <a:normAutofit lnSpcReduction="10000"/>
           </a:bodyPr>
           <a:lstStyle/>
           <a:p>
@@ -14835,14 +14630,6 @@
             <a:endParaRPr lang="en-US" altLang="ko-KR" sz="1600"/>
           </a:p>
           <a:p>
-            <a:pPr>
-              <a:lnSpc>
-                <a:spcPct val="110000"/>
-              </a:lnSpc>
-            </a:pPr>
-            <a:endParaRPr lang="en-US" altLang="ko-KR" sz="500"/>
-          </a:p>
-          <a:p>
             <a:pPr marL="0" indent="0">
               <a:lnSpc>
                 <a:spcPct val="110000"/>
@@ -14850,10 +14637,6 @@
               <a:buNone/>
             </a:pPr>
             <a:r>
-              <a:rPr lang="en-US" altLang="ko-KR" sz="1400"/>
-              <a:t>- </a:t>
-            </a:r>
-            <a:r>
               <a:rPr lang="en-US" altLang="ko-KR" sz="1400" b="1" smtClean="0"/>
               <a:t>Web Server</a:t>
             </a:r>
@@ -14904,14 +14687,6 @@
             <a:endParaRPr lang="en-US" altLang="ko-KR" sz="1400"/>
           </a:p>
           <a:p>
-            <a:pPr>
-              <a:lnSpc>
-                <a:spcPct val="110000"/>
-              </a:lnSpc>
-            </a:pPr>
-            <a:endParaRPr lang="en-US" altLang="ko-KR" sz="500"/>
-          </a:p>
-          <a:p>
             <a:pPr marL="0" indent="0">
               <a:lnSpc>
                 <a:spcPct val="110000"/>
@@ -14919,8 +14694,12 @@
               <a:buNone/>
             </a:pPr>
             <a:r>
+              <a:rPr lang="en-US" altLang="ko-KR" sz="1400" b="1" smtClean="0"/>
+              <a:t>RTSP </a:t>
+            </a:r>
+            <a:r>
               <a:rPr lang="en-US" altLang="ko-KR" sz="1400" b="1"/>
-              <a:t>- RTSP Relay </a:t>
+              <a:t>Relay </a:t>
             </a:r>
             <a:r>
               <a:rPr lang="en-US" altLang="ko-KR" sz="1400" b="1" smtClean="0"/>
@@ -15043,6 +14822,51 @@
               <a:t>)</a:t>
             </a:r>
             <a:endParaRPr lang="en-US" altLang="ko-KR" sz="1400"/>
+          </a:p>
+          <a:p>
+            <a:pPr marL="0" indent="0">
+              <a:lnSpc>
+                <a:spcPct val="110000"/>
+              </a:lnSpc>
+              <a:buNone/>
+            </a:pPr>
+            <a:r>
+              <a:rPr lang="en-US" altLang="ko-KR" sz="1400" b="1" smtClean="0"/>
+              <a:t>TCP Relay Server</a:t>
+            </a:r>
+            <a:endParaRPr lang="en-US" altLang="ko-KR" sz="1400"/>
+          </a:p>
+          <a:p>
+            <a:pPr>
+              <a:lnSpc>
+                <a:spcPct val="110000"/>
+              </a:lnSpc>
+            </a:pPr>
+            <a:r>
+              <a:rPr lang="en-US" altLang="ko-KR" sz="1400" smtClean="0"/>
+              <a:t>Object Detection Data </a:t>
+            </a:r>
+            <a:r>
+              <a:rPr lang="ko-KR" altLang="en-US" sz="1400" smtClean="0"/>
+              <a:t>수신 및 음성 데이터 통신을 클라이언트에 전달해주는 서버</a:t>
+            </a:r>
+            <a:endParaRPr lang="en-US" altLang="ko-KR" sz="1400" smtClean="0"/>
+          </a:p>
+          <a:p>
+            <a:pPr>
+              <a:lnSpc>
+                <a:spcPct val="110000"/>
+              </a:lnSpc>
+            </a:pPr>
+            <a:r>
+              <a:rPr lang="en-US" altLang="ko-KR" sz="1400" smtClean="0"/>
+              <a:t>TCP Socket API</a:t>
+            </a:r>
+            <a:r>
+              <a:rPr lang="ko-KR" altLang="en-US" sz="1400" smtClean="0"/>
+              <a:t>를 그대로 사용하며 자체 프로토콜을 이용하여 통신</a:t>
+            </a:r>
+            <a:endParaRPr lang="en-US" altLang="ko-KR" sz="1400" smtClean="0"/>
           </a:p>
         </p:txBody>
       </p:sp>
@@ -20454,7 +20278,7 @@
         </p:spPr>
         <p:txBody>
           <a:bodyPr>
-            <a:normAutofit lnSpcReduction="10000"/>
+            <a:normAutofit/>
           </a:bodyPr>
           <a:lstStyle/>
           <a:p>
@@ -20465,10 +20289,10 @@
               <a:buNone/>
             </a:pPr>
             <a:r>
-              <a:rPr lang="en-US" altLang="ko-KR" sz="2000" err="1"/>
+              <a:rPr lang="en-US" altLang="ko-KR" sz="1800" err="1"/>
               <a:t>Gstreamer</a:t>
             </a:r>
-            <a:endParaRPr lang="en-US" altLang="ko-KR" sz="2000"/>
+            <a:endParaRPr lang="en-US" altLang="ko-KR" sz="1800"/>
           </a:p>
           <a:p>
             <a:pPr>
@@ -20477,12 +20301,12 @@
               </a:lnSpc>
             </a:pPr>
             <a:r>
-              <a:rPr lang="en-US" altLang="ko-KR" sz="2000">
+              <a:rPr lang="en-US" altLang="ko-KR" sz="1800">
                 <a:hlinkClick r:id="rId3"/>
               </a:rPr>
               <a:t>https://gstreamer.freedesktop.org/</a:t>
             </a:r>
-            <a:endParaRPr lang="en-US" altLang="ko-KR" sz="2000"/>
+            <a:endParaRPr lang="en-US" altLang="ko-KR" sz="1800"/>
           </a:p>
           <a:p>
             <a:pPr>
@@ -20491,12 +20315,18 @@
               </a:lnSpc>
             </a:pPr>
             <a:r>
-              <a:rPr lang="en-US" altLang="ko-KR" sz="2000">
+              <a:rPr lang="en-US" altLang="ko-KR" sz="1800">
                 <a:hlinkClick r:id="rId4"/>
               </a:rPr>
-              <a:t>https://github.com/GStreamer/gst-rtsp-server</a:t>
-            </a:r>
-            <a:endParaRPr lang="en-US" altLang="ko-KR" sz="2000"/>
+              <a:t>https://</a:t>
+            </a:r>
+            <a:r>
+              <a:rPr lang="en-US" altLang="ko-KR" sz="1800" smtClean="0">
+                <a:hlinkClick r:id="rId4"/>
+              </a:rPr>
+              <a:t>github.com/GStreamer/gst-rtsp-server</a:t>
+            </a:r>
+            <a:endParaRPr lang="en-US" altLang="ko-KR" sz="1800" smtClean="0"/>
           </a:p>
           <a:p>
             <a:pPr>
@@ -20504,7 +20334,13 @@
                 <a:spcPct val="110000"/>
               </a:lnSpc>
             </a:pPr>
-            <a:endParaRPr lang="en-US" altLang="ko-KR" sz="1300"/>
+            <a:r>
+              <a:rPr lang="en-US" altLang="ko-KR" sz="1800">
+                <a:hlinkClick r:id="rId5"/>
+              </a:rPr>
+              <a:t>https://gstreamer.freedesktop.org/documentation/installing/for-android-development.html?gi-language=c</a:t>
+            </a:r>
+            <a:endParaRPr lang="en-US" altLang="ko-KR" sz="1800"/>
           </a:p>
           <a:p>
             <a:pPr marL="0" indent="0">
@@ -20514,7 +20350,7 @@
               <a:buNone/>
             </a:pPr>
             <a:r>
-              <a:rPr lang="en-US" altLang="ko-KR" sz="2000"/>
+              <a:rPr lang="en-US" altLang="ko-KR" sz="1800"/>
               <a:t>Klein</a:t>
             </a:r>
           </a:p>
@@ -20525,12 +20361,18 @@
               </a:lnSpc>
             </a:pPr>
             <a:r>
-              <a:rPr lang="en-US" altLang="ko-KR" sz="2000">
-                <a:hlinkClick r:id="rId5"/>
+              <a:rPr lang="en-US" altLang="ko-KR" sz="1800">
+                <a:hlinkClick r:id="rId6"/>
               </a:rPr>
-              <a:t>https://klein.readthedocs.io/</a:t>
-            </a:r>
-            <a:endParaRPr lang="en-US" altLang="ko-KR" sz="2000"/>
+              <a:t>https://klein.readthedocs.io</a:t>
+            </a:r>
+            <a:r>
+              <a:rPr lang="en-US" altLang="ko-KR" sz="1800" smtClean="0">
+                <a:hlinkClick r:id="rId6"/>
+              </a:rPr>
+              <a:t>/</a:t>
+            </a:r>
+            <a:endParaRPr lang="en-US" altLang="ko-KR" sz="1800" smtClean="0"/>
           </a:p>
           <a:p>
             <a:pPr marL="0" indent="0">
@@ -20539,7 +20381,24 @@
               </a:lnSpc>
               <a:buNone/>
             </a:pPr>
-            <a:endParaRPr lang="en-US" altLang="ko-KR" sz="1300"/>
+            <a:r>
+              <a:rPr lang="en-US" altLang="ko-KR" sz="1800" smtClean="0"/>
+              <a:t>Debian on Termux</a:t>
+            </a:r>
+          </a:p>
+          <a:p>
+            <a:pPr>
+              <a:lnSpc>
+                <a:spcPct val="110000"/>
+              </a:lnSpc>
+            </a:pPr>
+            <a:r>
+              <a:rPr lang="en-US" altLang="ko-KR" sz="1800">
+                <a:hlinkClick r:id="rId7"/>
+              </a:rPr>
+              <a:t>https://github.com/sp4rkie/debian-on-termux</a:t>
+            </a:r>
+            <a:endParaRPr lang="en-US" altLang="ko-KR" sz="1800"/>
           </a:p>
           <a:p>
             <a:pPr marL="0" indent="0">
@@ -20549,10 +20408,9 @@
               <a:buNone/>
             </a:pPr>
             <a:r>
-              <a:rPr lang="en-US" altLang="ko-KR" sz="2000" err="1"/>
-              <a:t>LibVLC</a:t>
-            </a:r>
-            <a:endParaRPr lang="en-US" altLang="ko-KR" sz="2000"/>
+              <a:rPr lang="en-US" altLang="ko-KR" sz="1800" smtClean="0"/>
+              <a:t>Rhombus Systems</a:t>
+            </a:r>
           </a:p>
           <a:p>
             <a:pPr>
@@ -20561,70 +20419,12 @@
               </a:lnSpc>
             </a:pPr>
             <a:r>
-              <a:rPr lang="en-US" altLang="ko-KR" sz="2000">
-                <a:hlinkClick r:id="rId6"/>
+              <a:rPr lang="en-US" altLang="ko-KR" sz="1800">
+                <a:hlinkClick r:id="rId8"/>
               </a:rPr>
-              <a:t>https://www.videoland.org/vlc/libvlc</a:t>
-            </a:r>
-            <a:endParaRPr lang="en-US" altLang="ko-KR" sz="2000"/>
-          </a:p>
-          <a:p>
-            <a:pPr marL="0" indent="0">
-              <a:lnSpc>
-                <a:spcPct val="110000"/>
-              </a:lnSpc>
-              <a:buNone/>
-            </a:pPr>
-            <a:endParaRPr lang="en-US" altLang="ko-KR" sz="1300"/>
-          </a:p>
-          <a:p>
-            <a:pPr marL="0" indent="0">
-              <a:lnSpc>
-                <a:spcPct val="110000"/>
-              </a:lnSpc>
-              <a:buNone/>
-            </a:pPr>
-            <a:r>
-              <a:rPr lang="en-US" altLang="ko-KR" sz="2000" smtClean="0"/>
-              <a:t>Docker</a:t>
-            </a:r>
-            <a:endParaRPr lang="en-US" altLang="ko-KR" sz="2000"/>
-          </a:p>
-          <a:p>
-            <a:pPr>
-              <a:lnSpc>
-                <a:spcPct val="110000"/>
-              </a:lnSpc>
-            </a:pPr>
-            <a:r>
-              <a:rPr lang="en-US" altLang="ko-KR" sz="2000">
-                <a:hlinkClick r:id="rId7"/>
-              </a:rPr>
-              <a:t>https://hub.docker.com/_/</a:t>
-            </a:r>
-            <a:r>
-              <a:rPr lang="en-US" altLang="ko-KR" sz="2000" smtClean="0">
-                <a:hlinkClick r:id="rId7"/>
-              </a:rPr>
-              <a:t>python</a:t>
-            </a:r>
-            <a:r>
-              <a:rPr lang="en-US" altLang="ko-KR" sz="2000" smtClean="0"/>
-              <a:t> </a:t>
-            </a:r>
-            <a:r>
-              <a:rPr lang="en-US" altLang="ko-KR" sz="1400" smtClean="0"/>
-              <a:t>(</a:t>
-            </a:r>
-            <a:r>
-              <a:rPr lang="ko-KR" altLang="en-US" sz="1400" smtClean="0"/>
-              <a:t>파이썬 이미지 사용 방법에 대한 설명</a:t>
-            </a:r>
-            <a:r>
-              <a:rPr lang="en-US" altLang="ko-KR" sz="1400" smtClean="0"/>
-              <a:t>)</a:t>
-            </a:r>
-            <a:endParaRPr lang="en-US" altLang="ko-KR" sz="2000"/>
+              <a:t>https://www.rhombussystems.com/blog/guide-to-ultra-low-latency-ip-cameras-for-live-video-streaming/</a:t>
+            </a:r>
+            <a:endParaRPr lang="en-US" altLang="ko-KR" sz="1800"/>
           </a:p>
         </p:txBody>
       </p:sp>
@@ -20980,8 +20780,8 @@
         </p:nvSpPr>
         <p:spPr>
           <a:xfrm>
-            <a:off x="673769" y="1325563"/>
-            <a:ext cx="4993606" cy="4647479"/>
+            <a:off x="673768" y="1325563"/>
+            <a:ext cx="9813257" cy="4647479"/>
           </a:xfrm>
         </p:spPr>
         <p:txBody>

--- a/Documentation/종합설계_2차_설계서_발표.pptx
+++ b/Documentation/종합설계_2차_설계서_발표.pptx
@@ -5,7 +5,7 @@
     <p:sldMasterId id="2147483648" r:id="rId1"/>
   </p:sldMasterIdLst>
   <p:notesMasterIdLst>
-    <p:notesMasterId r:id="rId25"/>
+    <p:notesMasterId r:id="rId26"/>
   </p:notesMasterIdLst>
   <p:sldIdLst>
     <p:sldId id="256" r:id="rId2"/>
@@ -28,9 +28,10 @@
     <p:sldId id="299" r:id="rId19"/>
     <p:sldId id="284" r:id="rId20"/>
     <p:sldId id="287" r:id="rId21"/>
-    <p:sldId id="283" r:id="rId22"/>
-    <p:sldId id="281" r:id="rId23"/>
-    <p:sldId id="282" r:id="rId24"/>
+    <p:sldId id="300" r:id="rId22"/>
+    <p:sldId id="283" r:id="rId23"/>
+    <p:sldId id="281" r:id="rId24"/>
+    <p:sldId id="282" r:id="rId25"/>
   </p:sldIdLst>
   <p:sldSz cx="12192000" cy="6858000"/>
   <p:notesSz cx="6858000" cy="9144000"/>
@@ -1523,7 +1524,7 @@
             <a:spLocks noGrp="1"/>
           </p:cNvSpPr>
           <p:nvPr>
-            <p:ph type="sldNum" sz="quarter" idx="10"/>
+            <p:ph type="sldNum" sz="quarter" idx="5"/>
           </p:nvPr>
         </p:nvSpPr>
         <p:spPr/>
@@ -1542,7 +1543,7 @@
     </p:spTree>
     <p:extLst>
       <p:ext uri="{BB962C8B-B14F-4D97-AF65-F5344CB8AC3E}">
-        <p14:creationId xmlns:p14="http://schemas.microsoft.com/office/powerpoint/2010/main" val="3056946927"/>
+        <p14:creationId xmlns:p14="http://schemas.microsoft.com/office/powerpoint/2010/main" val="1565542180"/>
       </p:ext>
     </p:extLst>
   </p:cSld>
@@ -1691,7 +1692,7 @@
             <a:spLocks noGrp="1"/>
           </p:cNvSpPr>
           <p:nvPr>
-            <p:ph type="sldNum" sz="quarter" idx="5"/>
+            <p:ph type="sldNum" sz="quarter" idx="10"/>
           </p:nvPr>
         </p:nvSpPr>
         <p:spPr/>
@@ -1710,7 +1711,7 @@
     </p:spTree>
     <p:extLst>
       <p:ext uri="{BB962C8B-B14F-4D97-AF65-F5344CB8AC3E}">
-        <p14:creationId xmlns:p14="http://schemas.microsoft.com/office/powerpoint/2010/main" val="410630198"/>
+        <p14:creationId xmlns:p14="http://schemas.microsoft.com/office/powerpoint/2010/main" val="3056946927"/>
       </p:ext>
     </p:extLst>
   </p:cSld>
@@ -1764,10 +1765,7 @@
           <a:bodyPr/>
           <a:lstStyle/>
           <a:p>
-            <a:r>
-              <a:rPr lang="ko-KR" altLang="en-US"/>
-              <a:t>필요기술</a:t>
-            </a:r>
+            <a:endParaRPr lang="ko-KR" altLang="en-US"/>
           </a:p>
         </p:txBody>
       </p:sp>
@@ -1789,6 +1787,93 @@
             <a:fld id="{8F06083E-1B59-4004-869F-C26F15EA7F09}" type="slidenum">
               <a:rPr lang="ko-KR" altLang="en-US" smtClean="0"/>
               <a:t>23</a:t>
+            </a:fld>
+            <a:endParaRPr lang="ko-KR" altLang="en-US"/>
+          </a:p>
+        </p:txBody>
+      </p:sp>
+    </p:spTree>
+    <p:extLst>
+      <p:ext uri="{BB962C8B-B14F-4D97-AF65-F5344CB8AC3E}">
+        <p14:creationId xmlns:p14="http://schemas.microsoft.com/office/powerpoint/2010/main" val="410630198"/>
+      </p:ext>
+    </p:extLst>
+  </p:cSld>
+  <p:clrMapOvr>
+    <a:masterClrMapping/>
+  </p:clrMapOvr>
+</p:notes>
+</file>
+
+<file path=ppt/notesSlides/notesSlide22.xml><?xml version="1.0" encoding="utf-8"?>
+<p:notes xmlns:a="http://schemas.openxmlformats.org/drawingml/2006/main" xmlns:r="http://schemas.openxmlformats.org/officeDocument/2006/relationships" xmlns:p="http://schemas.openxmlformats.org/presentationml/2006/main">
+  <p:cSld>
+    <p:spTree>
+      <p:nvGrpSpPr>
+        <p:cNvPr id="1" name=""/>
+        <p:cNvGrpSpPr/>
+        <p:nvPr/>
+      </p:nvGrpSpPr>
+      <p:grpSpPr>
+        <a:xfrm>
+          <a:off x="0" y="0"/>
+          <a:ext cx="0" cy="0"/>
+          <a:chOff x="0" y="0"/>
+          <a:chExt cx="0" cy="0"/>
+        </a:xfrm>
+      </p:grpSpPr>
+      <p:sp>
+        <p:nvSpPr>
+          <p:cNvPr id="2" name="슬라이드 이미지 개체 틀 1"/>
+          <p:cNvSpPr>
+            <a:spLocks noGrp="1" noRot="1" noChangeAspect="1"/>
+          </p:cNvSpPr>
+          <p:nvPr>
+            <p:ph type="sldImg"/>
+          </p:nvPr>
+        </p:nvSpPr>
+        <p:spPr/>
+      </p:sp>
+      <p:sp>
+        <p:nvSpPr>
+          <p:cNvPr id="3" name="슬라이드 노트 개체 틀 2"/>
+          <p:cNvSpPr>
+            <a:spLocks noGrp="1"/>
+          </p:cNvSpPr>
+          <p:nvPr>
+            <p:ph type="body" idx="1"/>
+          </p:nvPr>
+        </p:nvSpPr>
+        <p:spPr/>
+        <p:txBody>
+          <a:bodyPr/>
+          <a:lstStyle/>
+          <a:p>
+            <a:r>
+              <a:rPr lang="ko-KR" altLang="en-US"/>
+              <a:t>필요기술</a:t>
+            </a:r>
+          </a:p>
+        </p:txBody>
+      </p:sp>
+      <p:sp>
+        <p:nvSpPr>
+          <p:cNvPr id="4" name="슬라이드 번호 개체 틀 3"/>
+          <p:cNvSpPr>
+            <a:spLocks noGrp="1"/>
+          </p:cNvSpPr>
+          <p:nvPr>
+            <p:ph type="sldNum" sz="quarter" idx="5"/>
+          </p:nvPr>
+        </p:nvSpPr>
+        <p:spPr/>
+        <p:txBody>
+          <a:bodyPr/>
+          <a:lstStyle/>
+          <a:p>
+            <a:fld id="{8F06083E-1B59-4004-869F-C26F15EA7F09}" type="slidenum">
+              <a:rPr lang="ko-KR" altLang="en-US" smtClean="0"/>
+              <a:t>24</a:t>
             </a:fld>
             <a:endParaRPr lang="ko-KR" altLang="en-US"/>
           </a:p>
@@ -16247,72 +16332,310 @@
       </p:sp>
       <p:sp>
         <p:nvSpPr>
-          <p:cNvPr id="10" name="제목 1">
-            <a:extLst>
-              <a:ext uri="{FF2B5EF4-FFF2-40B4-BE49-F238E27FC236}">
-                <a16:creationId xmlns="" xmlns:a16="http://schemas.microsoft.com/office/drawing/2014/main" id="{2AF7E7CD-510A-451F-AE4F-1FE80D472476}"/>
-              </a:ext>
-            </a:extLst>
-          </p:cNvPr>
-          <p:cNvSpPr txBox="1">
-            <a:spLocks/>
+          <p:cNvPr id="3" name="내용 개체 틀 2">
+            <a:extLst>
+              <a:ext uri="{FF2B5EF4-FFF2-40B4-BE49-F238E27FC236}">
+                <a16:creationId xmlns="" xmlns:a16="http://schemas.microsoft.com/office/drawing/2014/main" id="{5AF6218F-A297-44A8-8E23-B277CC8998E7}"/>
+              </a:ext>
+            </a:extLst>
+          </p:cNvPr>
+          <p:cNvSpPr>
+            <a:spLocks noGrp="1"/>
           </p:cNvSpPr>
-          <p:nvPr/>
+          <p:nvPr>
+            <p:ph idx="1"/>
+          </p:nvPr>
         </p:nvSpPr>
         <p:spPr>
           <a:xfrm>
-            <a:off x="1180302" y="-133666"/>
+            <a:off x="673768" y="1325563"/>
+            <a:ext cx="10860506" cy="4647479"/>
+          </a:xfrm>
+        </p:spPr>
+        <p:txBody>
+          <a:bodyPr>
+            <a:normAutofit/>
+          </a:bodyPr>
+          <a:lstStyle/>
+          <a:p>
+            <a:pPr>
+              <a:lnSpc>
+                <a:spcPct val="110000"/>
+              </a:lnSpc>
+            </a:pPr>
+            <a:r>
+              <a:rPr lang="ko-KR" altLang="en-US" sz="2000" smtClean="0"/>
+              <a:t>데모는 안드로이드 기기 하나에서 </a:t>
+            </a:r>
+            <a:r>
+              <a:rPr lang="en-US" altLang="ko-KR" sz="2000" smtClean="0"/>
+              <a:t>DMR Server</a:t>
+            </a:r>
+            <a:r>
+              <a:rPr lang="ko-KR" altLang="en-US" sz="2000" smtClean="0"/>
+              <a:t>와 </a:t>
+            </a:r>
+            <a:r>
+              <a:rPr lang="en-US" altLang="ko-KR" sz="2000" smtClean="0"/>
+              <a:t>CCTV Manager App</a:t>
+            </a:r>
+            <a:r>
+              <a:rPr lang="ko-KR" altLang="en-US" sz="2000" smtClean="0"/>
+              <a:t>을 같이 실행시켜 진행한다</a:t>
+            </a:r>
+            <a:r>
+              <a:rPr lang="en-US" altLang="ko-KR" sz="2000" smtClean="0"/>
+              <a:t>.</a:t>
+            </a:r>
+          </a:p>
+          <a:p>
+            <a:pPr>
+              <a:lnSpc>
+                <a:spcPct val="110000"/>
+              </a:lnSpc>
+            </a:pPr>
+            <a:endParaRPr lang="en-US" altLang="ko-KR" sz="2000" smtClean="0"/>
+          </a:p>
+          <a:p>
+            <a:pPr marL="0" indent="0">
+              <a:lnSpc>
+                <a:spcPct val="110000"/>
+              </a:lnSpc>
+              <a:buNone/>
+            </a:pPr>
+            <a:r>
+              <a:rPr lang="en-US" altLang="ko-KR" sz="2400" smtClean="0"/>
+              <a:t>7.1 DMR Server deploy</a:t>
+            </a:r>
+          </a:p>
+          <a:p>
+            <a:pPr>
+              <a:lnSpc>
+                <a:spcPct val="110000"/>
+              </a:lnSpc>
+            </a:pPr>
+            <a:r>
+              <a:rPr lang="en-US" altLang="ko-KR" sz="2000" smtClean="0"/>
+              <a:t>DMR Server</a:t>
+            </a:r>
+            <a:r>
+              <a:rPr lang="ko-KR" altLang="en-US" sz="2000" smtClean="0"/>
+              <a:t>는 </a:t>
+            </a:r>
+            <a:r>
+              <a:rPr lang="en-US" altLang="ko-KR" sz="2000" smtClean="0"/>
+              <a:t>Terminal Emulating Application</a:t>
+            </a:r>
+            <a:r>
+              <a:rPr lang="ko-KR" altLang="en-US" sz="2000" smtClean="0"/>
+              <a:t>인 </a:t>
+            </a:r>
+            <a:r>
+              <a:rPr lang="en-US" altLang="ko-KR" sz="2000" smtClean="0"/>
+              <a:t>Termux</a:t>
+            </a:r>
+            <a:r>
+              <a:rPr lang="ko-KR" altLang="en-US" sz="2000" smtClean="0"/>
+              <a:t>에서 실행된다</a:t>
+            </a:r>
+            <a:r>
+              <a:rPr lang="en-US" altLang="ko-KR" sz="2000" smtClean="0"/>
+              <a:t>.</a:t>
+            </a:r>
+          </a:p>
+          <a:p>
+            <a:pPr>
+              <a:lnSpc>
+                <a:spcPct val="110000"/>
+              </a:lnSpc>
+            </a:pPr>
+            <a:r>
+              <a:rPr lang="en-US" altLang="ko-KR" sz="2000" smtClean="0"/>
+              <a:t>Termux</a:t>
+            </a:r>
+            <a:r>
+              <a:rPr lang="ko-KR" altLang="en-US" sz="2000" smtClean="0"/>
+              <a:t>에서 </a:t>
+            </a:r>
+            <a:r>
+              <a:rPr lang="en-US" altLang="ko-KR" sz="2000" smtClean="0"/>
+              <a:t>ssh</a:t>
+            </a:r>
+            <a:r>
+              <a:rPr lang="ko-KR" altLang="en-US" sz="2000" smtClean="0"/>
+              <a:t>서버를 열고</a:t>
+            </a:r>
+            <a:r>
+              <a:rPr lang="en-US" altLang="ko-KR" sz="2000" smtClean="0"/>
+              <a:t>, git </a:t>
+            </a:r>
+            <a:r>
+              <a:rPr lang="ko-KR" altLang="en-US" sz="2000" smtClean="0"/>
+              <a:t>저장소를 설정한 후에 개발 </a:t>
+            </a:r>
+            <a:r>
+              <a:rPr lang="en-US" altLang="ko-KR" sz="2000" smtClean="0"/>
+              <a:t>PC</a:t>
+            </a:r>
+            <a:r>
+              <a:rPr lang="ko-KR" altLang="en-US" sz="2000" smtClean="0"/>
+              <a:t>에서 정해진 브랜치를 통해 </a:t>
+            </a:r>
+            <a:r>
+              <a:rPr lang="en-US" altLang="ko-KR" sz="2000" smtClean="0"/>
+              <a:t>push</a:t>
+            </a:r>
+            <a:r>
+              <a:rPr lang="ko-KR" altLang="en-US" sz="2000" smtClean="0"/>
+              <a:t>하면 </a:t>
+            </a:r>
+            <a:r>
+              <a:rPr lang="en-US" altLang="ko-KR" sz="2000" smtClean="0"/>
+              <a:t>git hook</a:t>
+            </a:r>
+            <a:r>
+              <a:rPr lang="ko-KR" altLang="en-US" sz="2000" smtClean="0"/>
+              <a:t>기능을 통해 자동으로 서버 배포가 되도록 한다</a:t>
+            </a:r>
+            <a:r>
+              <a:rPr lang="en-US" altLang="ko-KR" sz="2000" smtClean="0"/>
+              <a:t>.</a:t>
+            </a:r>
+          </a:p>
+          <a:p>
+            <a:pPr>
+              <a:lnSpc>
+                <a:spcPct val="110000"/>
+              </a:lnSpc>
+            </a:pPr>
+            <a:r>
+              <a:rPr lang="ko-KR" altLang="en-US" sz="2000" smtClean="0"/>
+              <a:t>데모 실행을 위해 정해진 </a:t>
+            </a:r>
+            <a:r>
+              <a:rPr lang="en-US" altLang="ko-KR" sz="2000" smtClean="0"/>
+              <a:t>CCTV</a:t>
+            </a:r>
+            <a:r>
+              <a:rPr lang="ko-KR" altLang="en-US" sz="2000" smtClean="0"/>
+              <a:t>정보를 서버에 등록한다</a:t>
+            </a:r>
+            <a:r>
+              <a:rPr lang="en-US" altLang="ko-KR" sz="2000" smtClean="0"/>
+              <a:t>.</a:t>
+            </a:r>
+          </a:p>
+          <a:p>
+            <a:pPr marL="0" indent="0">
+              <a:lnSpc>
+                <a:spcPct val="110000"/>
+              </a:lnSpc>
+              <a:buNone/>
+            </a:pPr>
+            <a:r>
+              <a:rPr lang="en-US" altLang="ko-KR" sz="2400" smtClean="0"/>
+              <a:t>7.2 CCTV Manager App</a:t>
+            </a:r>
+            <a:endParaRPr lang="en-US" altLang="ko-KR" sz="2400"/>
+          </a:p>
+          <a:p>
+            <a:pPr>
+              <a:lnSpc>
+                <a:spcPct val="110000"/>
+              </a:lnSpc>
+            </a:pPr>
+            <a:r>
+              <a:rPr lang="ko-KR" altLang="en-US" sz="2000" smtClean="0"/>
+              <a:t>안드로이드 </a:t>
+            </a:r>
+            <a:r>
+              <a:rPr lang="en-US" altLang="ko-KR" sz="2000" smtClean="0"/>
+              <a:t>SDK</a:t>
+            </a:r>
+            <a:r>
+              <a:rPr lang="ko-KR" altLang="en-US" sz="2000" smtClean="0"/>
+              <a:t>의 </a:t>
+            </a:r>
+            <a:r>
+              <a:rPr lang="en-US" altLang="ko-KR" sz="2000" smtClean="0"/>
+              <a:t>ADB </a:t>
+            </a:r>
+            <a:r>
+              <a:rPr lang="ko-KR" altLang="en-US" sz="2000" smtClean="0"/>
+              <a:t>프로그램을 이용하여 데모 기기에 애플리케이션을 설치한다</a:t>
+            </a:r>
+            <a:r>
+              <a:rPr lang="en-US" altLang="ko-KR" sz="2000" smtClean="0"/>
+              <a:t>.</a:t>
+            </a:r>
+            <a:endParaRPr lang="en-US" altLang="ko-KR" sz="2000"/>
+          </a:p>
+          <a:p>
+            <a:pPr marL="0" indent="0">
+              <a:lnSpc>
+                <a:spcPct val="110000"/>
+              </a:lnSpc>
+              <a:buNone/>
+            </a:pPr>
+            <a:endParaRPr lang="en-US" altLang="ko-KR" sz="2000"/>
+          </a:p>
+          <a:p>
+            <a:pPr marL="0" indent="0">
+              <a:lnSpc>
+                <a:spcPct val="110000"/>
+              </a:lnSpc>
+              <a:buNone/>
+            </a:pPr>
+            <a:endParaRPr lang="en-US" altLang="ko-KR" sz="2000" smtClean="0"/>
+          </a:p>
+        </p:txBody>
+      </p:sp>
+      <p:sp>
+        <p:nvSpPr>
+          <p:cNvPr id="13" name="제목 1">
+            <a:extLst>
+              <a:ext uri="{FF2B5EF4-FFF2-40B4-BE49-F238E27FC236}">
+                <a16:creationId xmlns="" xmlns:a16="http://schemas.microsoft.com/office/drawing/2014/main" id="{AF6A6752-D472-44BC-A4C4-6A01FAB34FB7}"/>
+              </a:ext>
+            </a:extLst>
+          </p:cNvPr>
+          <p:cNvSpPr>
+            <a:spLocks noGrp="1"/>
+          </p:cNvSpPr>
+          <p:nvPr>
+            <p:ph type="title"/>
+          </p:nvPr>
+        </p:nvSpPr>
+        <p:spPr>
+          <a:xfrm>
+            <a:off x="818912" y="-149124"/>
             <a:ext cx="10515600" cy="1325563"/>
           </a:xfrm>
-          <a:prstGeom prst="rect">
-            <a:avLst/>
-          </a:prstGeom>
         </p:spPr>
         <p:txBody>
-          <a:bodyPr vert="horz" lIns="91440" tIns="45720" rIns="91440" bIns="45720" rtlCol="0" anchor="ctr">
+          <a:bodyPr>
             <a:normAutofit/>
           </a:bodyPr>
-          <a:lstStyle>
-            <a:lvl1pPr algn="l" defTabSz="914400" rtl="0" eaLnBrk="1" latinLnBrk="1" hangingPunct="1">
-              <a:lnSpc>
-                <a:spcPct val="90000"/>
-              </a:lnSpc>
-              <a:spcBef>
-                <a:spcPct val="0"/>
-              </a:spcBef>
-              <a:buNone/>
-              <a:defRPr sz="4400" kern="1200">
-                <a:solidFill>
-                  <a:schemeClr val="tx1"/>
-                </a:solidFill>
-                <a:latin typeface="+mj-lt"/>
-                <a:ea typeface="+mj-ea"/>
-                <a:cs typeface="+mj-cs"/>
-              </a:defRPr>
-            </a:lvl1pPr>
-          </a:lstStyle>
-          <a:p>
-            <a:r>
-              <a:rPr lang="en-US" altLang="ko-KR" sz="2400" b="1"/>
-              <a:t>8</a:t>
-            </a:r>
+          <a:lstStyle/>
+          <a:p>
             <a:r>
               <a:rPr lang="en-US" altLang="ko-KR" sz="2400" b="1" smtClean="0"/>
-              <a:t>. </a:t>
-            </a:r>
-            <a:r>
-              <a:rPr lang="ko-KR" altLang="en-US" sz="2400" b="1"/>
-              <a:t>업무 분담</a:t>
-            </a:r>
-          </a:p>
-        </p:txBody>
-      </p:sp>
-      <p:sp>
-        <p:nvSpPr>
-          <p:cNvPr id="3" name="슬라이드 번호 개체 틀 2">
-            <a:extLst>
-              <a:ext uri="{FF2B5EF4-FFF2-40B4-BE49-F238E27FC236}">
-                <a16:creationId xmlns="" xmlns:a16="http://schemas.microsoft.com/office/drawing/2014/main" id="{31D1AC2C-13D7-45D9-8BB1-D0A839443EA4}"/>
+              <a:t>7. </a:t>
+            </a:r>
+            <a:r>
+              <a:rPr lang="ko-KR" altLang="en-US" sz="2400" b="1" smtClean="0"/>
+              <a:t>데모 환경 설계</a:t>
+            </a:r>
+            <a:endParaRPr lang="ko-KR" altLang="en-US" sz="2400" b="1"/>
+          </a:p>
+        </p:txBody>
+      </p:sp>
+      <p:sp>
+        <p:nvSpPr>
+          <p:cNvPr id="9" name="슬라이드 번호 개체 틀 8">
+            <a:extLst>
+              <a:ext uri="{FF2B5EF4-FFF2-40B4-BE49-F238E27FC236}">
+                <a16:creationId xmlns="" xmlns:a16="http://schemas.microsoft.com/office/drawing/2014/main" id="{DBCEF005-167B-4FCF-90D3-1E6CB7F1C53D}"/>
               </a:ext>
             </a:extLst>
           </p:cNvPr>
@@ -16330,197 +16653,16 @@
           <a:p>
             <a:r>
               <a:rPr lang="en-US" altLang="ko-KR"/>
-              <a:t>14</a:t>
+              <a:t>3</a:t>
             </a:r>
             <a:endParaRPr lang="ko-KR" altLang="en-US"/>
-          </a:p>
-        </p:txBody>
-      </p:sp>
-      <p:sp>
-        <p:nvSpPr>
-          <p:cNvPr id="18" name="내용 개체 틀 2">
-            <a:extLst>
-              <a:ext uri="{FF2B5EF4-FFF2-40B4-BE49-F238E27FC236}">
-                <a16:creationId xmlns="" xmlns:a16="http://schemas.microsoft.com/office/drawing/2014/main" id="{DF53EF1B-11DD-4EEA-9162-1F173A22BBCF}"/>
-              </a:ext>
-            </a:extLst>
-          </p:cNvPr>
-          <p:cNvSpPr>
-            <a:spLocks noGrp="1"/>
-          </p:cNvSpPr>
-          <p:nvPr>
-            <p:ph idx="1"/>
-          </p:nvPr>
-        </p:nvSpPr>
-        <p:spPr>
-          <a:xfrm>
-            <a:off x="673768" y="1325563"/>
-            <a:ext cx="10515600" cy="5013691"/>
-          </a:xfrm>
-        </p:spPr>
-        <p:txBody>
-          <a:bodyPr>
-            <a:normAutofit/>
-          </a:bodyPr>
-          <a:lstStyle/>
-          <a:p>
-            <a:pPr marL="0" indent="0">
-              <a:lnSpc>
-                <a:spcPct val="100000"/>
-              </a:lnSpc>
-              <a:buNone/>
-            </a:pPr>
-            <a:r>
-              <a:rPr lang="ko-KR" altLang="en-US" sz="2400" b="1"/>
-              <a:t>강태수</a:t>
-            </a:r>
-            <a:endParaRPr lang="en-US" altLang="ko-KR" sz="2400" b="1"/>
-          </a:p>
-          <a:p>
-            <a:pPr>
-              <a:lnSpc>
-                <a:spcPct val="100000"/>
-              </a:lnSpc>
-            </a:pPr>
-            <a:r>
-              <a:rPr lang="en-US" altLang="ko-KR" sz="1800" err="1"/>
-              <a:t>Gstreamer</a:t>
-            </a:r>
-            <a:r>
-              <a:rPr lang="en-US" altLang="ko-KR" sz="1800"/>
-              <a:t>, </a:t>
-            </a:r>
-            <a:r>
-              <a:rPr lang="en-US" altLang="ko-KR" sz="1800" smtClean="0"/>
-              <a:t>gst-rtsp-server</a:t>
-            </a:r>
-            <a:endParaRPr lang="en-US" altLang="ko-KR" sz="1800"/>
-          </a:p>
-          <a:p>
-            <a:pPr>
-              <a:lnSpc>
-                <a:spcPct val="100000"/>
-              </a:lnSpc>
-            </a:pPr>
-            <a:r>
-              <a:rPr lang="en-US" altLang="ko-KR" sz="1800" smtClean="0"/>
-              <a:t>RTSP </a:t>
-            </a:r>
-            <a:r>
-              <a:rPr lang="en-US" altLang="ko-KR" sz="1800" smtClean="0"/>
-              <a:t>Relay Server</a:t>
-            </a:r>
-            <a:r>
-              <a:rPr lang="ko-KR" altLang="en-US" sz="1800" smtClean="0"/>
-              <a:t> </a:t>
-            </a:r>
-            <a:r>
-              <a:rPr lang="ko-KR" altLang="en-US" sz="1800"/>
-              <a:t>구현</a:t>
-            </a:r>
-            <a:endParaRPr lang="en-US" altLang="ko-KR" sz="1800"/>
-          </a:p>
-          <a:p>
-            <a:pPr marL="0" indent="0">
-              <a:lnSpc>
-                <a:spcPct val="100000"/>
-              </a:lnSpc>
-              <a:buNone/>
-            </a:pPr>
-            <a:endParaRPr lang="en-US" altLang="ko-KR" sz="1050"/>
-          </a:p>
-          <a:p>
-            <a:pPr marL="0" indent="0">
-              <a:lnSpc>
-                <a:spcPct val="100000"/>
-              </a:lnSpc>
-              <a:buNone/>
-            </a:pPr>
-            <a:r>
-              <a:rPr lang="ko-KR" altLang="en-US" sz="2400" b="1"/>
-              <a:t>김세현</a:t>
-            </a:r>
-            <a:endParaRPr lang="en-US" altLang="ko-KR" sz="2400" b="1"/>
-          </a:p>
-          <a:p>
-            <a:pPr>
-              <a:lnSpc>
-                <a:spcPct val="100000"/>
-              </a:lnSpc>
-            </a:pPr>
-            <a:r>
-              <a:rPr lang="en-US" altLang="ko-KR" sz="1800" smtClean="0"/>
-              <a:t>Web Server</a:t>
-            </a:r>
-            <a:r>
-              <a:rPr lang="ko-KR" altLang="en-US" sz="1800" smtClean="0"/>
-              <a:t> 구현</a:t>
-            </a:r>
-            <a:endParaRPr lang="en-US" altLang="ko-KR" sz="1800" smtClean="0"/>
-          </a:p>
-          <a:p>
-            <a:pPr>
-              <a:lnSpc>
-                <a:spcPct val="100000"/>
-              </a:lnSpc>
-            </a:pPr>
-            <a:r>
-              <a:rPr lang="en-US" altLang="ko-KR" sz="1800" smtClean="0"/>
-              <a:t>CCTV Manager App UI/Frontend</a:t>
-            </a:r>
-          </a:p>
-          <a:p>
-            <a:pPr marL="0" indent="0">
-              <a:lnSpc>
-                <a:spcPct val="100000"/>
-              </a:lnSpc>
-              <a:buNone/>
-            </a:pPr>
-            <a:endParaRPr lang="en-US" altLang="ko-KR" sz="1100"/>
-          </a:p>
-          <a:p>
-            <a:pPr marL="0" indent="0">
-              <a:lnSpc>
-                <a:spcPct val="100000"/>
-              </a:lnSpc>
-              <a:buNone/>
-            </a:pPr>
-            <a:r>
-              <a:rPr lang="ko-KR" altLang="en-US" sz="2400" b="1" smtClean="0"/>
-              <a:t>구병찬</a:t>
-            </a:r>
-            <a:endParaRPr lang="en-US" altLang="ko-KR" sz="2400" b="1"/>
-          </a:p>
-          <a:p>
-            <a:pPr>
-              <a:lnSpc>
-                <a:spcPct val="100000"/>
-              </a:lnSpc>
-            </a:pPr>
-            <a:r>
-              <a:rPr lang="en-US" altLang="ko-KR" sz="1800" smtClean="0"/>
-              <a:t>CCTV Manager App UI Design</a:t>
-            </a:r>
-            <a:endParaRPr lang="en-US" altLang="ko-KR" sz="1600"/>
-          </a:p>
-          <a:p>
-            <a:pPr>
-              <a:lnSpc>
-                <a:spcPct val="100000"/>
-              </a:lnSpc>
-            </a:pPr>
-            <a:r>
-              <a:rPr lang="ko-KR" altLang="en-US" sz="1600" smtClean="0"/>
-              <a:t>시스템 문서화</a:t>
-            </a:r>
-            <a:endParaRPr lang="en-US" altLang="ko-KR" sz="1800" smtClean="0"/>
           </a:p>
         </p:txBody>
       </p:sp>
     </p:spTree>
     <p:extLst>
       <p:ext uri="{BB962C8B-B14F-4D97-AF65-F5344CB8AC3E}">
-        <p14:creationId xmlns:p14="http://schemas.microsoft.com/office/powerpoint/2010/main" val="1473834881"/>
+        <p14:creationId xmlns:p14="http://schemas.microsoft.com/office/powerpoint/2010/main" val="2828465516"/>
       </p:ext>
     </p:extLst>
   </p:cSld>
@@ -16791,6 +16933,548 @@
         </p:nvSpPr>
         <p:spPr>
           <a:xfrm>
+            <a:off x="1180302" y="-133666"/>
+            <a:ext cx="10515600" cy="1325563"/>
+          </a:xfrm>
+          <a:prstGeom prst="rect">
+            <a:avLst/>
+          </a:prstGeom>
+        </p:spPr>
+        <p:txBody>
+          <a:bodyPr vert="horz" lIns="91440" tIns="45720" rIns="91440" bIns="45720" rtlCol="0" anchor="ctr">
+            <a:normAutofit/>
+          </a:bodyPr>
+          <a:lstStyle>
+            <a:lvl1pPr algn="l" defTabSz="914400" rtl="0" eaLnBrk="1" latinLnBrk="1" hangingPunct="1">
+              <a:lnSpc>
+                <a:spcPct val="90000"/>
+              </a:lnSpc>
+              <a:spcBef>
+                <a:spcPct val="0"/>
+              </a:spcBef>
+              <a:buNone/>
+              <a:defRPr sz="4400" kern="1200">
+                <a:solidFill>
+                  <a:schemeClr val="tx1"/>
+                </a:solidFill>
+                <a:latin typeface="+mj-lt"/>
+                <a:ea typeface="+mj-ea"/>
+                <a:cs typeface="+mj-cs"/>
+              </a:defRPr>
+            </a:lvl1pPr>
+          </a:lstStyle>
+          <a:p>
+            <a:r>
+              <a:rPr lang="en-US" altLang="ko-KR" sz="2400" b="1"/>
+              <a:t>8</a:t>
+            </a:r>
+            <a:r>
+              <a:rPr lang="en-US" altLang="ko-KR" sz="2400" b="1" smtClean="0"/>
+              <a:t>. </a:t>
+            </a:r>
+            <a:r>
+              <a:rPr lang="ko-KR" altLang="en-US" sz="2400" b="1"/>
+              <a:t>업무 분담</a:t>
+            </a:r>
+          </a:p>
+        </p:txBody>
+      </p:sp>
+      <p:sp>
+        <p:nvSpPr>
+          <p:cNvPr id="3" name="슬라이드 번호 개체 틀 2">
+            <a:extLst>
+              <a:ext uri="{FF2B5EF4-FFF2-40B4-BE49-F238E27FC236}">
+                <a16:creationId xmlns="" xmlns:a16="http://schemas.microsoft.com/office/drawing/2014/main" id="{31D1AC2C-13D7-45D9-8BB1-D0A839443EA4}"/>
+              </a:ext>
+            </a:extLst>
+          </p:cNvPr>
+          <p:cNvSpPr>
+            <a:spLocks noGrp="1"/>
+          </p:cNvSpPr>
+          <p:nvPr>
+            <p:ph type="sldNum" sz="quarter" idx="12"/>
+          </p:nvPr>
+        </p:nvSpPr>
+        <p:spPr/>
+        <p:txBody>
+          <a:bodyPr/>
+          <a:lstStyle/>
+          <a:p>
+            <a:r>
+              <a:rPr lang="en-US" altLang="ko-KR"/>
+              <a:t>14</a:t>
+            </a:r>
+            <a:endParaRPr lang="ko-KR" altLang="en-US"/>
+          </a:p>
+        </p:txBody>
+      </p:sp>
+      <p:sp>
+        <p:nvSpPr>
+          <p:cNvPr id="18" name="내용 개체 틀 2">
+            <a:extLst>
+              <a:ext uri="{FF2B5EF4-FFF2-40B4-BE49-F238E27FC236}">
+                <a16:creationId xmlns="" xmlns:a16="http://schemas.microsoft.com/office/drawing/2014/main" id="{DF53EF1B-11DD-4EEA-9162-1F173A22BBCF}"/>
+              </a:ext>
+            </a:extLst>
+          </p:cNvPr>
+          <p:cNvSpPr>
+            <a:spLocks noGrp="1"/>
+          </p:cNvSpPr>
+          <p:nvPr>
+            <p:ph idx="1"/>
+          </p:nvPr>
+        </p:nvSpPr>
+        <p:spPr>
+          <a:xfrm>
+            <a:off x="673768" y="1325563"/>
+            <a:ext cx="10515600" cy="5013691"/>
+          </a:xfrm>
+        </p:spPr>
+        <p:txBody>
+          <a:bodyPr>
+            <a:normAutofit/>
+          </a:bodyPr>
+          <a:lstStyle/>
+          <a:p>
+            <a:pPr marL="0" indent="0">
+              <a:lnSpc>
+                <a:spcPct val="100000"/>
+              </a:lnSpc>
+              <a:buNone/>
+            </a:pPr>
+            <a:r>
+              <a:rPr lang="ko-KR" altLang="en-US" sz="2400" b="1"/>
+              <a:t>강태수</a:t>
+            </a:r>
+            <a:endParaRPr lang="en-US" altLang="ko-KR" sz="2400" b="1"/>
+          </a:p>
+          <a:p>
+            <a:pPr>
+              <a:lnSpc>
+                <a:spcPct val="100000"/>
+              </a:lnSpc>
+            </a:pPr>
+            <a:r>
+              <a:rPr lang="en-US" altLang="ko-KR" sz="1800" err="1"/>
+              <a:t>Gstreamer</a:t>
+            </a:r>
+            <a:r>
+              <a:rPr lang="en-US" altLang="ko-KR" sz="1800"/>
+              <a:t>, </a:t>
+            </a:r>
+            <a:r>
+              <a:rPr lang="en-US" altLang="ko-KR" sz="1800" smtClean="0"/>
+              <a:t>gst-rtsp-server</a:t>
+            </a:r>
+            <a:endParaRPr lang="en-US" altLang="ko-KR" sz="1800"/>
+          </a:p>
+          <a:p>
+            <a:pPr>
+              <a:lnSpc>
+                <a:spcPct val="100000"/>
+              </a:lnSpc>
+            </a:pPr>
+            <a:r>
+              <a:rPr lang="en-US" altLang="ko-KR" sz="1800" smtClean="0"/>
+              <a:t>RTSP </a:t>
+            </a:r>
+            <a:r>
+              <a:rPr lang="en-US" altLang="ko-KR" sz="1800" smtClean="0"/>
+              <a:t>Relay Server, TCP Relay Server</a:t>
+            </a:r>
+            <a:r>
+              <a:rPr lang="ko-KR" altLang="en-US" sz="1800" smtClean="0"/>
+              <a:t> 구현</a:t>
+            </a:r>
+            <a:endParaRPr lang="en-US" altLang="ko-KR" sz="1800" smtClean="0"/>
+          </a:p>
+          <a:p>
+            <a:pPr>
+              <a:lnSpc>
+                <a:spcPct val="100000"/>
+              </a:lnSpc>
+            </a:pPr>
+            <a:r>
+              <a:rPr lang="en-US" altLang="ko-KR" sz="1800" smtClean="0"/>
+              <a:t>CCTV Manager App Gstreamer part </a:t>
+            </a:r>
+            <a:r>
+              <a:rPr lang="ko-KR" altLang="en-US" sz="1800" smtClean="0"/>
+              <a:t>구현</a:t>
+            </a:r>
+            <a:endParaRPr lang="en-US" altLang="ko-KR" sz="1800"/>
+          </a:p>
+          <a:p>
+            <a:pPr marL="0" indent="0">
+              <a:lnSpc>
+                <a:spcPct val="100000"/>
+              </a:lnSpc>
+              <a:buNone/>
+            </a:pPr>
+            <a:endParaRPr lang="en-US" altLang="ko-KR" sz="1050"/>
+          </a:p>
+          <a:p>
+            <a:pPr marL="0" indent="0">
+              <a:lnSpc>
+                <a:spcPct val="100000"/>
+              </a:lnSpc>
+              <a:buNone/>
+            </a:pPr>
+            <a:r>
+              <a:rPr lang="ko-KR" altLang="en-US" sz="2400" b="1"/>
+              <a:t>김세현</a:t>
+            </a:r>
+            <a:endParaRPr lang="en-US" altLang="ko-KR" sz="2400" b="1"/>
+          </a:p>
+          <a:p>
+            <a:pPr>
+              <a:lnSpc>
+                <a:spcPct val="100000"/>
+              </a:lnSpc>
+            </a:pPr>
+            <a:r>
+              <a:rPr lang="en-US" altLang="ko-KR" sz="1800" smtClean="0"/>
+              <a:t>Web Server</a:t>
+            </a:r>
+            <a:r>
+              <a:rPr lang="ko-KR" altLang="en-US" sz="1800" smtClean="0"/>
+              <a:t> 구현</a:t>
+            </a:r>
+            <a:endParaRPr lang="en-US" altLang="ko-KR" sz="1800" smtClean="0"/>
+          </a:p>
+          <a:p>
+            <a:pPr>
+              <a:lnSpc>
+                <a:spcPct val="100000"/>
+              </a:lnSpc>
+            </a:pPr>
+            <a:r>
+              <a:rPr lang="en-US" altLang="ko-KR" sz="1800" smtClean="0"/>
+              <a:t>CCTV Manager App UI/Frontend</a:t>
+            </a:r>
+          </a:p>
+          <a:p>
+            <a:pPr marL="0" indent="0">
+              <a:lnSpc>
+                <a:spcPct val="100000"/>
+              </a:lnSpc>
+              <a:buNone/>
+            </a:pPr>
+            <a:endParaRPr lang="en-US" altLang="ko-KR" sz="1100"/>
+          </a:p>
+          <a:p>
+            <a:pPr marL="0" indent="0">
+              <a:lnSpc>
+                <a:spcPct val="100000"/>
+              </a:lnSpc>
+              <a:buNone/>
+            </a:pPr>
+            <a:r>
+              <a:rPr lang="ko-KR" altLang="en-US" sz="2400" b="1" smtClean="0"/>
+              <a:t>구병찬</a:t>
+            </a:r>
+            <a:endParaRPr lang="en-US" altLang="ko-KR" sz="2400" b="1"/>
+          </a:p>
+          <a:p>
+            <a:pPr>
+              <a:lnSpc>
+                <a:spcPct val="100000"/>
+              </a:lnSpc>
+            </a:pPr>
+            <a:r>
+              <a:rPr lang="en-US" altLang="ko-KR" sz="1800" smtClean="0"/>
+              <a:t>CCTV Manager App UI Design</a:t>
+            </a:r>
+            <a:endParaRPr lang="en-US" altLang="ko-KR" sz="1600"/>
+          </a:p>
+          <a:p>
+            <a:pPr>
+              <a:lnSpc>
+                <a:spcPct val="100000"/>
+              </a:lnSpc>
+            </a:pPr>
+            <a:r>
+              <a:rPr lang="ko-KR" altLang="en-US" sz="1600" smtClean="0"/>
+              <a:t>시스템 문서화</a:t>
+            </a:r>
+            <a:endParaRPr lang="en-US" altLang="ko-KR" sz="1800" smtClean="0"/>
+          </a:p>
+        </p:txBody>
+      </p:sp>
+    </p:spTree>
+    <p:extLst>
+      <p:ext uri="{BB962C8B-B14F-4D97-AF65-F5344CB8AC3E}">
+        <p14:creationId xmlns:p14="http://schemas.microsoft.com/office/powerpoint/2010/main" val="1473834881"/>
+      </p:ext>
+    </p:extLst>
+  </p:cSld>
+  <p:clrMapOvr>
+    <a:masterClrMapping/>
+  </p:clrMapOvr>
+  <p:timing>
+    <p:tnLst>
+      <p:par>
+        <p:cTn id="1" dur="indefinite" restart="never" nodeType="tmRoot"/>
+      </p:par>
+    </p:tnLst>
+  </p:timing>
+</p:sld>
+</file>
+
+<file path=ppt/slides/slide23.xml><?xml version="1.0" encoding="utf-8"?>
+<p:sld xmlns:a="http://schemas.openxmlformats.org/drawingml/2006/main" xmlns:r="http://schemas.openxmlformats.org/officeDocument/2006/relationships" xmlns:p="http://schemas.openxmlformats.org/presentationml/2006/main">
+  <p:cSld>
+    <p:spTree>
+      <p:nvGrpSpPr>
+        <p:cNvPr id="1" name=""/>
+        <p:cNvGrpSpPr/>
+        <p:nvPr/>
+      </p:nvGrpSpPr>
+      <p:grpSpPr>
+        <a:xfrm>
+          <a:off x="0" y="0"/>
+          <a:ext cx="0" cy="0"/>
+          <a:chOff x="0" y="0"/>
+          <a:chExt cx="0" cy="0"/>
+        </a:xfrm>
+      </p:grpSpPr>
+      <p:sp>
+        <p:nvSpPr>
+          <p:cNvPr id="14" name="직사각형 13">
+            <a:extLst>
+              <a:ext uri="{FF2B5EF4-FFF2-40B4-BE49-F238E27FC236}">
+                <a16:creationId xmlns="" xmlns:a16="http://schemas.microsoft.com/office/drawing/2014/main" id="{AE63793F-FA1A-4167-B2AD-02BBF5F21C73}"/>
+              </a:ext>
+            </a:extLst>
+          </p:cNvPr>
+          <p:cNvSpPr/>
+          <p:nvPr/>
+        </p:nvSpPr>
+        <p:spPr>
+          <a:xfrm>
+            <a:off x="0" y="0"/>
+            <a:ext cx="12192000" cy="6858000"/>
+          </a:xfrm>
+          <a:prstGeom prst="rect">
+            <a:avLst/>
+          </a:prstGeom>
+          <a:solidFill>
+            <a:srgbClr val="C8CACA"/>
+          </a:solidFill>
+          <a:ln>
+            <a:noFill/>
+          </a:ln>
+        </p:spPr>
+        <p:style>
+          <a:lnRef idx="2">
+            <a:schemeClr val="accent1">
+              <a:shade val="50000"/>
+            </a:schemeClr>
+          </a:lnRef>
+          <a:fillRef idx="1">
+            <a:schemeClr val="accent1"/>
+          </a:fillRef>
+          <a:effectRef idx="0">
+            <a:schemeClr val="accent1"/>
+          </a:effectRef>
+          <a:fontRef idx="minor">
+            <a:schemeClr val="lt1"/>
+          </a:fontRef>
+        </p:style>
+        <p:txBody>
+          <a:bodyPr rtlCol="0" anchor="ctr"/>
+          <a:lstStyle/>
+          <a:p>
+            <a:pPr algn="ctr"/>
+            <a:endParaRPr lang="ko-KR" altLang="en-US"/>
+          </a:p>
+        </p:txBody>
+      </p:sp>
+      <p:sp>
+        <p:nvSpPr>
+          <p:cNvPr id="17" name="직사각형 16">
+            <a:extLst>
+              <a:ext uri="{FF2B5EF4-FFF2-40B4-BE49-F238E27FC236}">
+                <a16:creationId xmlns="" xmlns:a16="http://schemas.microsoft.com/office/drawing/2014/main" id="{066DE11C-AC07-40FE-A70B-C517D5EAB114}"/>
+              </a:ext>
+            </a:extLst>
+          </p:cNvPr>
+          <p:cNvSpPr/>
+          <p:nvPr/>
+        </p:nvSpPr>
+        <p:spPr>
+          <a:xfrm>
+            <a:off x="241106" y="71551"/>
+            <a:ext cx="3721293" cy="823865"/>
+          </a:xfrm>
+          <a:prstGeom prst="rect">
+            <a:avLst/>
+          </a:prstGeom>
+          <a:solidFill>
+            <a:srgbClr val="E7E6E6"/>
+          </a:solidFill>
+          <a:ln>
+            <a:noFill/>
+          </a:ln>
+        </p:spPr>
+        <p:style>
+          <a:lnRef idx="2">
+            <a:schemeClr val="accent1">
+              <a:shade val="50000"/>
+            </a:schemeClr>
+          </a:lnRef>
+          <a:fillRef idx="1">
+            <a:schemeClr val="accent1"/>
+          </a:fillRef>
+          <a:effectRef idx="0">
+            <a:schemeClr val="accent1"/>
+          </a:effectRef>
+          <a:fontRef idx="minor">
+            <a:schemeClr val="lt1"/>
+          </a:fontRef>
+        </p:style>
+        <p:txBody>
+          <a:bodyPr rtlCol="0" anchor="ctr"/>
+          <a:lstStyle/>
+          <a:p>
+            <a:pPr algn="ctr"/>
+            <a:endParaRPr lang="ko-KR" altLang="en-US"/>
+          </a:p>
+        </p:txBody>
+      </p:sp>
+      <p:sp>
+        <p:nvSpPr>
+          <p:cNvPr id="16" name="직사각형 15">
+            <a:extLst>
+              <a:ext uri="{FF2B5EF4-FFF2-40B4-BE49-F238E27FC236}">
+                <a16:creationId xmlns="" xmlns:a16="http://schemas.microsoft.com/office/drawing/2014/main" id="{A54456E0-1C77-483C-B12A-FF1F3FF06343}"/>
+              </a:ext>
+            </a:extLst>
+          </p:cNvPr>
+          <p:cNvSpPr/>
+          <p:nvPr/>
+        </p:nvSpPr>
+        <p:spPr>
+          <a:xfrm>
+            <a:off x="498072" y="1142603"/>
+            <a:ext cx="11195855" cy="5301592"/>
+          </a:xfrm>
+          <a:prstGeom prst="rect">
+            <a:avLst/>
+          </a:prstGeom>
+          <a:solidFill>
+            <a:schemeClr val="bg1"/>
+          </a:solidFill>
+          <a:ln>
+            <a:noFill/>
+          </a:ln>
+          <a:effectLst>
+            <a:glow rad="76200">
+              <a:schemeClr val="bg2">
+                <a:lumMod val="50000"/>
+                <a:alpha val="60000"/>
+              </a:schemeClr>
+            </a:glow>
+          </a:effectLst>
+        </p:spPr>
+        <p:style>
+          <a:lnRef idx="2">
+            <a:schemeClr val="accent1">
+              <a:shade val="50000"/>
+            </a:schemeClr>
+          </a:lnRef>
+          <a:fillRef idx="1">
+            <a:schemeClr val="accent1"/>
+          </a:fillRef>
+          <a:effectRef idx="0">
+            <a:schemeClr val="accent1"/>
+          </a:effectRef>
+          <a:fontRef idx="minor">
+            <a:schemeClr val="lt1"/>
+          </a:fontRef>
+        </p:style>
+        <p:txBody>
+          <a:bodyPr rtlCol="0" anchor="ctr"/>
+          <a:lstStyle/>
+          <a:p>
+            <a:pPr algn="ctr"/>
+            <a:endParaRPr lang="ko-KR" altLang="en-US"/>
+          </a:p>
+        </p:txBody>
+      </p:sp>
+      <p:sp>
+        <p:nvSpPr>
+          <p:cNvPr id="19" name="직사각형 18">
+            <a:extLst>
+              <a:ext uri="{FF2B5EF4-FFF2-40B4-BE49-F238E27FC236}">
+                <a16:creationId xmlns="" xmlns:a16="http://schemas.microsoft.com/office/drawing/2014/main" id="{41BCC7B7-39A9-4A43-8C73-FE2CA3F652CF}"/>
+              </a:ext>
+            </a:extLst>
+          </p:cNvPr>
+          <p:cNvSpPr/>
+          <p:nvPr/>
+        </p:nvSpPr>
+        <p:spPr>
+          <a:xfrm>
+            <a:off x="340319" y="153927"/>
+            <a:ext cx="3480555" cy="651854"/>
+          </a:xfrm>
+          <a:prstGeom prst="rect">
+            <a:avLst/>
+          </a:prstGeom>
+          <a:solidFill>
+            <a:schemeClr val="bg1"/>
+          </a:solidFill>
+          <a:ln>
+            <a:noFill/>
+          </a:ln>
+          <a:effectLst/>
+        </p:spPr>
+        <p:style>
+          <a:lnRef idx="2">
+            <a:schemeClr val="accent1">
+              <a:shade val="50000"/>
+            </a:schemeClr>
+          </a:lnRef>
+          <a:fillRef idx="1">
+            <a:schemeClr val="accent1"/>
+          </a:fillRef>
+          <a:effectRef idx="0">
+            <a:schemeClr val="accent1"/>
+          </a:effectRef>
+          <a:fontRef idx="minor">
+            <a:schemeClr val="lt1"/>
+          </a:fontRef>
+        </p:style>
+        <p:txBody>
+          <a:bodyPr rtlCol="0" anchor="ctr"/>
+          <a:lstStyle/>
+          <a:p>
+            <a:pPr algn="ctr"/>
+            <a:r>
+              <a:rPr lang="ko-KR" altLang="en-US" err="1"/>
+              <a:t>ㅠ</a:t>
+            </a:r>
+            <a:endParaRPr lang="ko-KR" altLang="en-US"/>
+          </a:p>
+        </p:txBody>
+      </p:sp>
+      <p:sp>
+        <p:nvSpPr>
+          <p:cNvPr id="10" name="제목 1">
+            <a:extLst>
+              <a:ext uri="{FF2B5EF4-FFF2-40B4-BE49-F238E27FC236}">
+                <a16:creationId xmlns="" xmlns:a16="http://schemas.microsoft.com/office/drawing/2014/main" id="{2AF7E7CD-510A-451F-AE4F-1FE80D472476}"/>
+              </a:ext>
+            </a:extLst>
+          </p:cNvPr>
+          <p:cNvSpPr txBox="1">
+            <a:spLocks/>
+          </p:cNvSpPr>
+          <p:nvPr/>
+        </p:nvSpPr>
+        <p:spPr>
+          <a:xfrm>
             <a:off x="450948" y="-149124"/>
             <a:ext cx="10515600" cy="1325563"/>
           </a:xfrm>
@@ -19958,7 +20642,7 @@
 </p:sld>
 </file>
 
-<file path=ppt/slides/slide23.xml><?xml version="1.0" encoding="utf-8"?>
+<file path=ppt/slides/slide24.xml><?xml version="1.0" encoding="utf-8"?>
 <p:sld xmlns:a="http://schemas.openxmlformats.org/drawingml/2006/main" xmlns:r="http://schemas.openxmlformats.org/officeDocument/2006/relationships" xmlns:p="http://schemas.openxmlformats.org/presentationml/2006/main">
   <p:cSld>
     <p:spTree>

--- a/Documentation/종합설계_2차_설계서_발표.pptx
+++ b/Documentation/종합설계_2차_설계서_발표.pptx
@@ -14,7 +14,7 @@
     <p:sldId id="292" r:id="rId5"/>
     <p:sldId id="293" r:id="rId6"/>
     <p:sldId id="294" r:id="rId7"/>
-    <p:sldId id="275" r:id="rId8"/>
+    <p:sldId id="311" r:id="rId8"/>
     <p:sldId id="295" r:id="rId9"/>
     <p:sldId id="276" r:id="rId10"/>
     <p:sldId id="288" r:id="rId11"/>
@@ -142,7 +142,7 @@
   </p:defaultTextStyle>
   <p:extLst>
     <p:ext uri="{EFAFB233-063F-42B5-8137-9DF3F51BA10A}">
-      <p15:sldGuideLst xmlns="" xmlns:p15="http://schemas.microsoft.com/office/powerpoint/2012/main">
+      <p15:sldGuideLst xmlns:p15="http://schemas.microsoft.com/office/powerpoint/2012/main" xmlns="">
         <p15:guide id="1" orient="horz" pos="2160">
           <p15:clr>
             <a:srgbClr val="A4A3A4"/>
@@ -241,7 +241,7 @@
           <a:p>
             <a:fld id="{F0CC9F0E-E2BD-4354-A024-56D799009FE2}" type="datetimeFigureOut">
               <a:rPr lang="ko-KR" altLang="en-US" smtClean="0"/>
-              <a:t>2022-03-06</a:t>
+              <a:t>2022-03-10</a:t>
             </a:fld>
             <a:endParaRPr lang="ko-KR" altLang="en-US"/>
           </a:p>
@@ -2046,11 +2046,7 @@
             </a:r>
             <a:r>
               <a:rPr lang="ko-KR" altLang="en-US" smtClean="0"/>
-              <a:t>로 </a:t>
-            </a:r>
-            <a:r>
-              <a:rPr lang="ko-KR" altLang="en-US" smtClean="0"/>
-              <a:t>안드로이드 앱 </a:t>
+              <a:t>로 안드로이드 앱 </a:t>
             </a:r>
             <a:r>
               <a:rPr lang="ko-KR" altLang="en-US"/>
@@ -2180,11 +2176,7 @@
             </a:r>
             <a:r>
               <a:rPr lang="ko-KR" altLang="en-US" smtClean="0"/>
-              <a:t>로 </a:t>
-            </a:r>
-            <a:r>
-              <a:rPr lang="ko-KR" altLang="en-US" smtClean="0"/>
-              <a:t>안드로이드 앱 </a:t>
+              <a:t>로 안드로이드 앱 </a:t>
             </a:r>
             <a:r>
               <a:rPr lang="ko-KR" altLang="en-US"/>
@@ -3425,7 +3417,7 @@
           <p:cNvPr id="2" name="제목 1">
             <a:extLst>
               <a:ext uri="{FF2B5EF4-FFF2-40B4-BE49-F238E27FC236}">
-                <a16:creationId xmlns="" xmlns:a16="http://schemas.microsoft.com/office/drawing/2014/main" id="{81537FC8-C97D-4631-97F2-13B2B87C5678}"/>
+                <a16:creationId xmlns:a16="http://schemas.microsoft.com/office/drawing/2014/main" xmlns="" id="{81537FC8-C97D-4631-97F2-13B2B87C5678}"/>
               </a:ext>
             </a:extLst>
           </p:cNvPr>
@@ -3462,7 +3454,7 @@
           <p:cNvPr id="3" name="부제목 2">
             <a:extLst>
               <a:ext uri="{FF2B5EF4-FFF2-40B4-BE49-F238E27FC236}">
-                <a16:creationId xmlns="" xmlns:a16="http://schemas.microsoft.com/office/drawing/2014/main" id="{DAB0AD90-08CB-43B4-A862-BFC7D6712953}"/>
+                <a16:creationId xmlns:a16="http://schemas.microsoft.com/office/drawing/2014/main" xmlns="" id="{DAB0AD90-08CB-43B4-A862-BFC7D6712953}"/>
               </a:ext>
             </a:extLst>
           </p:cNvPr>
@@ -3532,7 +3524,7 @@
           <p:cNvPr id="4" name="날짜 개체 틀 3">
             <a:extLst>
               <a:ext uri="{FF2B5EF4-FFF2-40B4-BE49-F238E27FC236}">
-                <a16:creationId xmlns="" xmlns:a16="http://schemas.microsoft.com/office/drawing/2014/main" id="{F109C21E-A705-4AAA-BEF6-5B442887793C}"/>
+                <a16:creationId xmlns:a16="http://schemas.microsoft.com/office/drawing/2014/main" xmlns="" id="{F109C21E-A705-4AAA-BEF6-5B442887793C}"/>
               </a:ext>
             </a:extLst>
           </p:cNvPr>
@@ -3550,7 +3542,7 @@
           <a:p>
             <a:fld id="{6589A4D5-2A81-4D5F-9123-7EEB9B1BA366}" type="datetime1">
               <a:rPr lang="ko-KR" altLang="en-US" smtClean="0"/>
-              <a:t>2022-03-06</a:t>
+              <a:t>2022-03-10</a:t>
             </a:fld>
             <a:endParaRPr lang="ko-KR" altLang="en-US"/>
           </a:p>
@@ -3561,7 +3553,7 @@
           <p:cNvPr id="5" name="바닥글 개체 틀 4">
             <a:extLst>
               <a:ext uri="{FF2B5EF4-FFF2-40B4-BE49-F238E27FC236}">
-                <a16:creationId xmlns="" xmlns:a16="http://schemas.microsoft.com/office/drawing/2014/main" id="{65A3C163-D854-4171-87C8-9AB975640DA3}"/>
+                <a16:creationId xmlns:a16="http://schemas.microsoft.com/office/drawing/2014/main" xmlns="" id="{65A3C163-D854-4171-87C8-9AB975640DA3}"/>
               </a:ext>
             </a:extLst>
           </p:cNvPr>
@@ -3586,7 +3578,7 @@
           <p:cNvPr id="6" name="슬라이드 번호 개체 틀 5">
             <a:extLst>
               <a:ext uri="{FF2B5EF4-FFF2-40B4-BE49-F238E27FC236}">
-                <a16:creationId xmlns="" xmlns:a16="http://schemas.microsoft.com/office/drawing/2014/main" id="{8ACB68D0-82BE-4D55-A25C-C7C0FA7196B6}"/>
+                <a16:creationId xmlns:a16="http://schemas.microsoft.com/office/drawing/2014/main" xmlns="" id="{8ACB68D0-82BE-4D55-A25C-C7C0FA7196B6}"/>
               </a:ext>
             </a:extLst>
           </p:cNvPr>
@@ -3645,7 +3637,7 @@
           <p:cNvPr id="2" name="제목 1">
             <a:extLst>
               <a:ext uri="{FF2B5EF4-FFF2-40B4-BE49-F238E27FC236}">
-                <a16:creationId xmlns="" xmlns:a16="http://schemas.microsoft.com/office/drawing/2014/main" id="{9A05A735-7C5A-420E-89BE-C0A9F9258EB3}"/>
+                <a16:creationId xmlns:a16="http://schemas.microsoft.com/office/drawing/2014/main" xmlns="" id="{9A05A735-7C5A-420E-89BE-C0A9F9258EB3}"/>
               </a:ext>
             </a:extLst>
           </p:cNvPr>
@@ -3673,7 +3665,7 @@
           <p:cNvPr id="3" name="세로 텍스트 개체 틀 2">
             <a:extLst>
               <a:ext uri="{FF2B5EF4-FFF2-40B4-BE49-F238E27FC236}">
-                <a16:creationId xmlns="" xmlns:a16="http://schemas.microsoft.com/office/drawing/2014/main" id="{6333F6D6-81DC-4A47-B259-E2148578A981}"/>
+                <a16:creationId xmlns:a16="http://schemas.microsoft.com/office/drawing/2014/main" xmlns="" id="{6333F6D6-81DC-4A47-B259-E2148578A981}"/>
               </a:ext>
             </a:extLst>
           </p:cNvPr>
@@ -3730,7 +3722,7 @@
           <p:cNvPr id="4" name="날짜 개체 틀 3">
             <a:extLst>
               <a:ext uri="{FF2B5EF4-FFF2-40B4-BE49-F238E27FC236}">
-                <a16:creationId xmlns="" xmlns:a16="http://schemas.microsoft.com/office/drawing/2014/main" id="{E6CAB4BD-5503-445F-ACF4-536380DAF7FE}"/>
+                <a16:creationId xmlns:a16="http://schemas.microsoft.com/office/drawing/2014/main" xmlns="" id="{E6CAB4BD-5503-445F-ACF4-536380DAF7FE}"/>
               </a:ext>
             </a:extLst>
           </p:cNvPr>
@@ -3748,7 +3740,7 @@
           <a:p>
             <a:fld id="{8BA6557E-AABF-420B-AFEA-27122A611D4F}" type="datetime1">
               <a:rPr lang="ko-KR" altLang="en-US" smtClean="0"/>
-              <a:t>2022-03-06</a:t>
+              <a:t>2022-03-10</a:t>
             </a:fld>
             <a:endParaRPr lang="ko-KR" altLang="en-US"/>
           </a:p>
@@ -3759,7 +3751,7 @@
           <p:cNvPr id="5" name="바닥글 개체 틀 4">
             <a:extLst>
               <a:ext uri="{FF2B5EF4-FFF2-40B4-BE49-F238E27FC236}">
-                <a16:creationId xmlns="" xmlns:a16="http://schemas.microsoft.com/office/drawing/2014/main" id="{8F9C4467-2132-495E-9BB8-8CE18A186AB4}"/>
+                <a16:creationId xmlns:a16="http://schemas.microsoft.com/office/drawing/2014/main" xmlns="" id="{8F9C4467-2132-495E-9BB8-8CE18A186AB4}"/>
               </a:ext>
             </a:extLst>
           </p:cNvPr>
@@ -3784,7 +3776,7 @@
           <p:cNvPr id="6" name="슬라이드 번호 개체 틀 5">
             <a:extLst>
               <a:ext uri="{FF2B5EF4-FFF2-40B4-BE49-F238E27FC236}">
-                <a16:creationId xmlns="" xmlns:a16="http://schemas.microsoft.com/office/drawing/2014/main" id="{C009F39F-55F8-49EA-94CB-5ACEE1E9D494}"/>
+                <a16:creationId xmlns:a16="http://schemas.microsoft.com/office/drawing/2014/main" xmlns="" id="{C009F39F-55F8-49EA-94CB-5ACEE1E9D494}"/>
               </a:ext>
             </a:extLst>
           </p:cNvPr>
@@ -3843,7 +3835,7 @@
           <p:cNvPr id="2" name="세로 제목 1">
             <a:extLst>
               <a:ext uri="{FF2B5EF4-FFF2-40B4-BE49-F238E27FC236}">
-                <a16:creationId xmlns="" xmlns:a16="http://schemas.microsoft.com/office/drawing/2014/main" id="{E980D6C7-DFFF-42F9-B6A2-72B43CC5EFA4}"/>
+                <a16:creationId xmlns:a16="http://schemas.microsoft.com/office/drawing/2014/main" xmlns="" id="{E980D6C7-DFFF-42F9-B6A2-72B43CC5EFA4}"/>
               </a:ext>
             </a:extLst>
           </p:cNvPr>
@@ -3876,7 +3868,7 @@
           <p:cNvPr id="3" name="세로 텍스트 개체 틀 2">
             <a:extLst>
               <a:ext uri="{FF2B5EF4-FFF2-40B4-BE49-F238E27FC236}">
-                <a16:creationId xmlns="" xmlns:a16="http://schemas.microsoft.com/office/drawing/2014/main" id="{738DE077-F576-447D-8D7D-FFFD89B42724}"/>
+                <a16:creationId xmlns:a16="http://schemas.microsoft.com/office/drawing/2014/main" xmlns="" id="{738DE077-F576-447D-8D7D-FFFD89B42724}"/>
               </a:ext>
             </a:extLst>
           </p:cNvPr>
@@ -3938,7 +3930,7 @@
           <p:cNvPr id="4" name="날짜 개체 틀 3">
             <a:extLst>
               <a:ext uri="{FF2B5EF4-FFF2-40B4-BE49-F238E27FC236}">
-                <a16:creationId xmlns="" xmlns:a16="http://schemas.microsoft.com/office/drawing/2014/main" id="{45BCD6A5-119C-4BD0-B69F-91E0DB643695}"/>
+                <a16:creationId xmlns:a16="http://schemas.microsoft.com/office/drawing/2014/main" xmlns="" id="{45BCD6A5-119C-4BD0-B69F-91E0DB643695}"/>
               </a:ext>
             </a:extLst>
           </p:cNvPr>
@@ -3956,7 +3948,7 @@
           <a:p>
             <a:fld id="{C6078FF4-E2F1-419C-A57D-453556D96F5E}" type="datetime1">
               <a:rPr lang="ko-KR" altLang="en-US" smtClean="0"/>
-              <a:t>2022-03-06</a:t>
+              <a:t>2022-03-10</a:t>
             </a:fld>
             <a:endParaRPr lang="ko-KR" altLang="en-US"/>
           </a:p>
@@ -3967,7 +3959,7 @@
           <p:cNvPr id="5" name="바닥글 개체 틀 4">
             <a:extLst>
               <a:ext uri="{FF2B5EF4-FFF2-40B4-BE49-F238E27FC236}">
-                <a16:creationId xmlns="" xmlns:a16="http://schemas.microsoft.com/office/drawing/2014/main" id="{208B0F58-44A5-45F5-8982-92C96AC171E6}"/>
+                <a16:creationId xmlns:a16="http://schemas.microsoft.com/office/drawing/2014/main" xmlns="" id="{208B0F58-44A5-45F5-8982-92C96AC171E6}"/>
               </a:ext>
             </a:extLst>
           </p:cNvPr>
@@ -3992,7 +3984,7 @@
           <p:cNvPr id="6" name="슬라이드 번호 개체 틀 5">
             <a:extLst>
               <a:ext uri="{FF2B5EF4-FFF2-40B4-BE49-F238E27FC236}">
-                <a16:creationId xmlns="" xmlns:a16="http://schemas.microsoft.com/office/drawing/2014/main" id="{E2E73806-06B8-4588-8229-81756DAD00F9}"/>
+                <a16:creationId xmlns:a16="http://schemas.microsoft.com/office/drawing/2014/main" xmlns="" id="{E2E73806-06B8-4588-8229-81756DAD00F9}"/>
               </a:ext>
             </a:extLst>
           </p:cNvPr>
@@ -4051,7 +4043,7 @@
           <p:cNvPr id="2" name="제목 1">
             <a:extLst>
               <a:ext uri="{FF2B5EF4-FFF2-40B4-BE49-F238E27FC236}">
-                <a16:creationId xmlns="" xmlns:a16="http://schemas.microsoft.com/office/drawing/2014/main" id="{6E6AD723-C608-449C-B793-98B9C52BF140}"/>
+                <a16:creationId xmlns:a16="http://schemas.microsoft.com/office/drawing/2014/main" xmlns="" id="{6E6AD723-C608-449C-B793-98B9C52BF140}"/>
               </a:ext>
             </a:extLst>
           </p:cNvPr>
@@ -4079,7 +4071,7 @@
           <p:cNvPr id="3" name="내용 개체 틀 2">
             <a:extLst>
               <a:ext uri="{FF2B5EF4-FFF2-40B4-BE49-F238E27FC236}">
-                <a16:creationId xmlns="" xmlns:a16="http://schemas.microsoft.com/office/drawing/2014/main" id="{061E24CE-6A58-4202-A876-A60FCA6F2C44}"/>
+                <a16:creationId xmlns:a16="http://schemas.microsoft.com/office/drawing/2014/main" xmlns="" id="{061E24CE-6A58-4202-A876-A60FCA6F2C44}"/>
               </a:ext>
             </a:extLst>
           </p:cNvPr>
@@ -4136,7 +4128,7 @@
           <p:cNvPr id="4" name="날짜 개체 틀 3">
             <a:extLst>
               <a:ext uri="{FF2B5EF4-FFF2-40B4-BE49-F238E27FC236}">
-                <a16:creationId xmlns="" xmlns:a16="http://schemas.microsoft.com/office/drawing/2014/main" id="{7729F365-69BC-49F7-89BC-2E9B434721F4}"/>
+                <a16:creationId xmlns:a16="http://schemas.microsoft.com/office/drawing/2014/main" xmlns="" id="{7729F365-69BC-49F7-89BC-2E9B434721F4}"/>
               </a:ext>
             </a:extLst>
           </p:cNvPr>
@@ -4154,7 +4146,7 @@
           <a:p>
             <a:fld id="{F9F34DE1-0275-4AB1-9AA0-2DB103B2D2EE}" type="datetime1">
               <a:rPr lang="ko-KR" altLang="en-US" smtClean="0"/>
-              <a:t>2022-03-06</a:t>
+              <a:t>2022-03-10</a:t>
             </a:fld>
             <a:endParaRPr lang="ko-KR" altLang="en-US"/>
           </a:p>
@@ -4165,7 +4157,7 @@
           <p:cNvPr id="5" name="바닥글 개체 틀 4">
             <a:extLst>
               <a:ext uri="{FF2B5EF4-FFF2-40B4-BE49-F238E27FC236}">
-                <a16:creationId xmlns="" xmlns:a16="http://schemas.microsoft.com/office/drawing/2014/main" id="{AE749A67-22F1-4AE4-AAD3-911B5A56CDF9}"/>
+                <a16:creationId xmlns:a16="http://schemas.microsoft.com/office/drawing/2014/main" xmlns="" id="{AE749A67-22F1-4AE4-AAD3-911B5A56CDF9}"/>
               </a:ext>
             </a:extLst>
           </p:cNvPr>
@@ -4190,7 +4182,7 @@
           <p:cNvPr id="6" name="슬라이드 번호 개체 틀 5">
             <a:extLst>
               <a:ext uri="{FF2B5EF4-FFF2-40B4-BE49-F238E27FC236}">
-                <a16:creationId xmlns="" xmlns:a16="http://schemas.microsoft.com/office/drawing/2014/main" id="{4BBA0477-65AE-4296-BBA7-1DD679FB6D29}"/>
+                <a16:creationId xmlns:a16="http://schemas.microsoft.com/office/drawing/2014/main" xmlns="" id="{4BBA0477-65AE-4296-BBA7-1DD679FB6D29}"/>
               </a:ext>
             </a:extLst>
           </p:cNvPr>
@@ -4270,7 +4262,7 @@
           <p:cNvPr id="2" name="제목 1">
             <a:extLst>
               <a:ext uri="{FF2B5EF4-FFF2-40B4-BE49-F238E27FC236}">
-                <a16:creationId xmlns="" xmlns:a16="http://schemas.microsoft.com/office/drawing/2014/main" id="{B0661C82-E18F-470E-9459-3032FCB81266}"/>
+                <a16:creationId xmlns:a16="http://schemas.microsoft.com/office/drawing/2014/main" xmlns="" id="{B0661C82-E18F-470E-9459-3032FCB81266}"/>
               </a:ext>
             </a:extLst>
           </p:cNvPr>
@@ -4307,7 +4299,7 @@
           <p:cNvPr id="3" name="텍스트 개체 틀 2">
             <a:extLst>
               <a:ext uri="{FF2B5EF4-FFF2-40B4-BE49-F238E27FC236}">
-                <a16:creationId xmlns="" xmlns:a16="http://schemas.microsoft.com/office/drawing/2014/main" id="{3576CC1A-3DE3-49EE-8B81-B68D9A792231}"/>
+                <a16:creationId xmlns:a16="http://schemas.microsoft.com/office/drawing/2014/main" xmlns="" id="{3576CC1A-3DE3-49EE-8B81-B68D9A792231}"/>
               </a:ext>
             </a:extLst>
           </p:cNvPr>
@@ -4432,7 +4424,7 @@
           <p:cNvPr id="4" name="날짜 개체 틀 3">
             <a:extLst>
               <a:ext uri="{FF2B5EF4-FFF2-40B4-BE49-F238E27FC236}">
-                <a16:creationId xmlns="" xmlns:a16="http://schemas.microsoft.com/office/drawing/2014/main" id="{4C0220A7-7891-413D-BD1C-66BE3FE28FA5}"/>
+                <a16:creationId xmlns:a16="http://schemas.microsoft.com/office/drawing/2014/main" xmlns="" id="{4C0220A7-7891-413D-BD1C-66BE3FE28FA5}"/>
               </a:ext>
             </a:extLst>
           </p:cNvPr>
@@ -4450,7 +4442,7 @@
           <a:p>
             <a:fld id="{121D9A42-FADC-4CDA-BB27-A61EA2B0E24E}" type="datetime1">
               <a:rPr lang="ko-KR" altLang="en-US" smtClean="0"/>
-              <a:t>2022-03-06</a:t>
+              <a:t>2022-03-10</a:t>
             </a:fld>
             <a:endParaRPr lang="ko-KR" altLang="en-US"/>
           </a:p>
@@ -4461,7 +4453,7 @@
           <p:cNvPr id="5" name="바닥글 개체 틀 4">
             <a:extLst>
               <a:ext uri="{FF2B5EF4-FFF2-40B4-BE49-F238E27FC236}">
-                <a16:creationId xmlns="" xmlns:a16="http://schemas.microsoft.com/office/drawing/2014/main" id="{59AB1BFE-1409-4BB5-8788-880D68CBFB7F}"/>
+                <a16:creationId xmlns:a16="http://schemas.microsoft.com/office/drawing/2014/main" xmlns="" id="{59AB1BFE-1409-4BB5-8788-880D68CBFB7F}"/>
               </a:ext>
             </a:extLst>
           </p:cNvPr>
@@ -4486,7 +4478,7 @@
           <p:cNvPr id="6" name="슬라이드 번호 개체 틀 5">
             <a:extLst>
               <a:ext uri="{FF2B5EF4-FFF2-40B4-BE49-F238E27FC236}">
-                <a16:creationId xmlns="" xmlns:a16="http://schemas.microsoft.com/office/drawing/2014/main" id="{CBAA12C0-EC13-405C-8D0F-8DE68B3A1990}"/>
+                <a16:creationId xmlns:a16="http://schemas.microsoft.com/office/drawing/2014/main" xmlns="" id="{CBAA12C0-EC13-405C-8D0F-8DE68B3A1990}"/>
               </a:ext>
             </a:extLst>
           </p:cNvPr>
@@ -4545,7 +4537,7 @@
           <p:cNvPr id="2" name="제목 1">
             <a:extLst>
               <a:ext uri="{FF2B5EF4-FFF2-40B4-BE49-F238E27FC236}">
-                <a16:creationId xmlns="" xmlns:a16="http://schemas.microsoft.com/office/drawing/2014/main" id="{5EA427A4-AB36-40B9-9733-CE55A609641C}"/>
+                <a16:creationId xmlns:a16="http://schemas.microsoft.com/office/drawing/2014/main" xmlns="" id="{5EA427A4-AB36-40B9-9733-CE55A609641C}"/>
               </a:ext>
             </a:extLst>
           </p:cNvPr>
@@ -4573,7 +4565,7 @@
           <p:cNvPr id="3" name="내용 개체 틀 2">
             <a:extLst>
               <a:ext uri="{FF2B5EF4-FFF2-40B4-BE49-F238E27FC236}">
-                <a16:creationId xmlns="" xmlns:a16="http://schemas.microsoft.com/office/drawing/2014/main" id="{46A7C550-3E93-4ED3-90C4-E94E0B663514}"/>
+                <a16:creationId xmlns:a16="http://schemas.microsoft.com/office/drawing/2014/main" xmlns="" id="{46A7C550-3E93-4ED3-90C4-E94E0B663514}"/>
               </a:ext>
             </a:extLst>
           </p:cNvPr>
@@ -4635,7 +4627,7 @@
           <p:cNvPr id="4" name="내용 개체 틀 3">
             <a:extLst>
               <a:ext uri="{FF2B5EF4-FFF2-40B4-BE49-F238E27FC236}">
-                <a16:creationId xmlns="" xmlns:a16="http://schemas.microsoft.com/office/drawing/2014/main" id="{059CE505-D157-4F81-B1E3-F0742A689162}"/>
+                <a16:creationId xmlns:a16="http://schemas.microsoft.com/office/drawing/2014/main" xmlns="" id="{059CE505-D157-4F81-B1E3-F0742A689162}"/>
               </a:ext>
             </a:extLst>
           </p:cNvPr>
@@ -4697,7 +4689,7 @@
           <p:cNvPr id="5" name="날짜 개체 틀 4">
             <a:extLst>
               <a:ext uri="{FF2B5EF4-FFF2-40B4-BE49-F238E27FC236}">
-                <a16:creationId xmlns="" xmlns:a16="http://schemas.microsoft.com/office/drawing/2014/main" id="{93A87695-54F0-41D9-AAEC-DB66A9197F27}"/>
+                <a16:creationId xmlns:a16="http://schemas.microsoft.com/office/drawing/2014/main" xmlns="" id="{93A87695-54F0-41D9-AAEC-DB66A9197F27}"/>
               </a:ext>
             </a:extLst>
           </p:cNvPr>
@@ -4715,7 +4707,7 @@
           <a:p>
             <a:fld id="{E73023E1-AE90-4299-8866-EA7FA136E663}" type="datetime1">
               <a:rPr lang="ko-KR" altLang="en-US" smtClean="0"/>
-              <a:t>2022-03-06</a:t>
+              <a:t>2022-03-10</a:t>
             </a:fld>
             <a:endParaRPr lang="ko-KR" altLang="en-US"/>
           </a:p>
@@ -4726,7 +4718,7 @@
           <p:cNvPr id="6" name="바닥글 개체 틀 5">
             <a:extLst>
               <a:ext uri="{FF2B5EF4-FFF2-40B4-BE49-F238E27FC236}">
-                <a16:creationId xmlns="" xmlns:a16="http://schemas.microsoft.com/office/drawing/2014/main" id="{9156E0C3-668A-4E53-A5F8-61B43E31CBC8}"/>
+                <a16:creationId xmlns:a16="http://schemas.microsoft.com/office/drawing/2014/main" xmlns="" id="{9156E0C3-668A-4E53-A5F8-61B43E31CBC8}"/>
               </a:ext>
             </a:extLst>
           </p:cNvPr>
@@ -4751,7 +4743,7 @@
           <p:cNvPr id="7" name="슬라이드 번호 개체 틀 6">
             <a:extLst>
               <a:ext uri="{FF2B5EF4-FFF2-40B4-BE49-F238E27FC236}">
-                <a16:creationId xmlns="" xmlns:a16="http://schemas.microsoft.com/office/drawing/2014/main" id="{86ED0669-4827-4144-BA30-D387D491FFCD}"/>
+                <a16:creationId xmlns:a16="http://schemas.microsoft.com/office/drawing/2014/main" xmlns="" id="{86ED0669-4827-4144-BA30-D387D491FFCD}"/>
               </a:ext>
             </a:extLst>
           </p:cNvPr>
@@ -4810,7 +4802,7 @@
           <p:cNvPr id="2" name="제목 1">
             <a:extLst>
               <a:ext uri="{FF2B5EF4-FFF2-40B4-BE49-F238E27FC236}">
-                <a16:creationId xmlns="" xmlns:a16="http://schemas.microsoft.com/office/drawing/2014/main" id="{9284B01D-E2F4-4284-B7CC-B9FD29FE1F67}"/>
+                <a16:creationId xmlns:a16="http://schemas.microsoft.com/office/drawing/2014/main" xmlns="" id="{9284B01D-E2F4-4284-B7CC-B9FD29FE1F67}"/>
               </a:ext>
             </a:extLst>
           </p:cNvPr>
@@ -4843,7 +4835,7 @@
           <p:cNvPr id="3" name="텍스트 개체 틀 2">
             <a:extLst>
               <a:ext uri="{FF2B5EF4-FFF2-40B4-BE49-F238E27FC236}">
-                <a16:creationId xmlns="" xmlns:a16="http://schemas.microsoft.com/office/drawing/2014/main" id="{73CEB623-C759-4742-B02A-EADF254459CD}"/>
+                <a16:creationId xmlns:a16="http://schemas.microsoft.com/office/drawing/2014/main" xmlns="" id="{73CEB623-C759-4742-B02A-EADF254459CD}"/>
               </a:ext>
             </a:extLst>
           </p:cNvPr>
@@ -4914,7 +4906,7 @@
           <p:cNvPr id="4" name="내용 개체 틀 3">
             <a:extLst>
               <a:ext uri="{FF2B5EF4-FFF2-40B4-BE49-F238E27FC236}">
-                <a16:creationId xmlns="" xmlns:a16="http://schemas.microsoft.com/office/drawing/2014/main" id="{A19BE4EA-DE88-4028-B469-E4E97BDE3256}"/>
+                <a16:creationId xmlns:a16="http://schemas.microsoft.com/office/drawing/2014/main" xmlns="" id="{A19BE4EA-DE88-4028-B469-E4E97BDE3256}"/>
               </a:ext>
             </a:extLst>
           </p:cNvPr>
@@ -4976,7 +4968,7 @@
           <p:cNvPr id="5" name="텍스트 개체 틀 4">
             <a:extLst>
               <a:ext uri="{FF2B5EF4-FFF2-40B4-BE49-F238E27FC236}">
-                <a16:creationId xmlns="" xmlns:a16="http://schemas.microsoft.com/office/drawing/2014/main" id="{36730418-3361-41C1-AF65-BBF80D8E3050}"/>
+                <a16:creationId xmlns:a16="http://schemas.microsoft.com/office/drawing/2014/main" xmlns="" id="{36730418-3361-41C1-AF65-BBF80D8E3050}"/>
               </a:ext>
             </a:extLst>
           </p:cNvPr>
@@ -5047,7 +5039,7 @@
           <p:cNvPr id="6" name="내용 개체 틀 5">
             <a:extLst>
               <a:ext uri="{FF2B5EF4-FFF2-40B4-BE49-F238E27FC236}">
-                <a16:creationId xmlns="" xmlns:a16="http://schemas.microsoft.com/office/drawing/2014/main" id="{E8C336A2-C9CC-4B0F-9B56-1941208B030E}"/>
+                <a16:creationId xmlns:a16="http://schemas.microsoft.com/office/drawing/2014/main" xmlns="" id="{E8C336A2-C9CC-4B0F-9B56-1941208B030E}"/>
               </a:ext>
             </a:extLst>
           </p:cNvPr>
@@ -5109,7 +5101,7 @@
           <p:cNvPr id="7" name="날짜 개체 틀 6">
             <a:extLst>
               <a:ext uri="{FF2B5EF4-FFF2-40B4-BE49-F238E27FC236}">
-                <a16:creationId xmlns="" xmlns:a16="http://schemas.microsoft.com/office/drawing/2014/main" id="{35D0C366-55A0-42D5-A6BB-3CC0A2907627}"/>
+                <a16:creationId xmlns:a16="http://schemas.microsoft.com/office/drawing/2014/main" xmlns="" id="{35D0C366-55A0-42D5-A6BB-3CC0A2907627}"/>
               </a:ext>
             </a:extLst>
           </p:cNvPr>
@@ -5127,7 +5119,7 @@
           <a:p>
             <a:fld id="{6FBB8E55-D728-4C71-B4B7-17CFF9B03B5B}" type="datetime1">
               <a:rPr lang="ko-KR" altLang="en-US" smtClean="0"/>
-              <a:t>2022-03-06</a:t>
+              <a:t>2022-03-10</a:t>
             </a:fld>
             <a:endParaRPr lang="ko-KR" altLang="en-US"/>
           </a:p>
@@ -5138,7 +5130,7 @@
           <p:cNvPr id="8" name="바닥글 개체 틀 7">
             <a:extLst>
               <a:ext uri="{FF2B5EF4-FFF2-40B4-BE49-F238E27FC236}">
-                <a16:creationId xmlns="" xmlns:a16="http://schemas.microsoft.com/office/drawing/2014/main" id="{FF374461-9CE4-4C1E-992F-0AE0AF9DA1C4}"/>
+                <a16:creationId xmlns:a16="http://schemas.microsoft.com/office/drawing/2014/main" xmlns="" id="{FF374461-9CE4-4C1E-992F-0AE0AF9DA1C4}"/>
               </a:ext>
             </a:extLst>
           </p:cNvPr>
@@ -5163,7 +5155,7 @@
           <p:cNvPr id="9" name="슬라이드 번호 개체 틀 8">
             <a:extLst>
               <a:ext uri="{FF2B5EF4-FFF2-40B4-BE49-F238E27FC236}">
-                <a16:creationId xmlns="" xmlns:a16="http://schemas.microsoft.com/office/drawing/2014/main" id="{607932E7-50FB-4EF3-B631-D16809DE3799}"/>
+                <a16:creationId xmlns:a16="http://schemas.microsoft.com/office/drawing/2014/main" xmlns="" id="{607932E7-50FB-4EF3-B631-D16809DE3799}"/>
               </a:ext>
             </a:extLst>
           </p:cNvPr>
@@ -5222,7 +5214,7 @@
           <p:cNvPr id="2" name="제목 1">
             <a:extLst>
               <a:ext uri="{FF2B5EF4-FFF2-40B4-BE49-F238E27FC236}">
-                <a16:creationId xmlns="" xmlns:a16="http://schemas.microsoft.com/office/drawing/2014/main" id="{5109F00F-96E2-4EDF-BE5B-7DF129039C85}"/>
+                <a16:creationId xmlns:a16="http://schemas.microsoft.com/office/drawing/2014/main" xmlns="" id="{5109F00F-96E2-4EDF-BE5B-7DF129039C85}"/>
               </a:ext>
             </a:extLst>
           </p:cNvPr>
@@ -5250,7 +5242,7 @@
           <p:cNvPr id="3" name="날짜 개체 틀 2">
             <a:extLst>
               <a:ext uri="{FF2B5EF4-FFF2-40B4-BE49-F238E27FC236}">
-                <a16:creationId xmlns="" xmlns:a16="http://schemas.microsoft.com/office/drawing/2014/main" id="{23576285-3262-4224-9308-0738BDCCBC38}"/>
+                <a16:creationId xmlns:a16="http://schemas.microsoft.com/office/drawing/2014/main" xmlns="" id="{23576285-3262-4224-9308-0738BDCCBC38}"/>
               </a:ext>
             </a:extLst>
           </p:cNvPr>
@@ -5268,7 +5260,7 @@
           <a:p>
             <a:fld id="{070DDE64-4C91-46E9-A3F5-EFD75BF61C2C}" type="datetime1">
               <a:rPr lang="ko-KR" altLang="en-US" smtClean="0"/>
-              <a:t>2022-03-06</a:t>
+              <a:t>2022-03-10</a:t>
             </a:fld>
             <a:endParaRPr lang="ko-KR" altLang="en-US"/>
           </a:p>
@@ -5279,7 +5271,7 @@
           <p:cNvPr id="4" name="바닥글 개체 틀 3">
             <a:extLst>
               <a:ext uri="{FF2B5EF4-FFF2-40B4-BE49-F238E27FC236}">
-                <a16:creationId xmlns="" xmlns:a16="http://schemas.microsoft.com/office/drawing/2014/main" id="{393E557E-C60D-4DFE-8B85-1C8089351972}"/>
+                <a16:creationId xmlns:a16="http://schemas.microsoft.com/office/drawing/2014/main" xmlns="" id="{393E557E-C60D-4DFE-8B85-1C8089351972}"/>
               </a:ext>
             </a:extLst>
           </p:cNvPr>
@@ -5304,7 +5296,7 @@
           <p:cNvPr id="5" name="슬라이드 번호 개체 틀 4">
             <a:extLst>
               <a:ext uri="{FF2B5EF4-FFF2-40B4-BE49-F238E27FC236}">
-                <a16:creationId xmlns="" xmlns:a16="http://schemas.microsoft.com/office/drawing/2014/main" id="{45326F02-7D7C-42B1-BE51-83CE2BECE3E7}"/>
+                <a16:creationId xmlns:a16="http://schemas.microsoft.com/office/drawing/2014/main" xmlns="" id="{45326F02-7D7C-42B1-BE51-83CE2BECE3E7}"/>
               </a:ext>
             </a:extLst>
           </p:cNvPr>
@@ -5363,7 +5355,7 @@
           <p:cNvPr id="2" name="날짜 개체 틀 1">
             <a:extLst>
               <a:ext uri="{FF2B5EF4-FFF2-40B4-BE49-F238E27FC236}">
-                <a16:creationId xmlns="" xmlns:a16="http://schemas.microsoft.com/office/drawing/2014/main" id="{CFC7839A-1FFE-46EE-9A06-B149AE8E2F07}"/>
+                <a16:creationId xmlns:a16="http://schemas.microsoft.com/office/drawing/2014/main" xmlns="" id="{CFC7839A-1FFE-46EE-9A06-B149AE8E2F07}"/>
               </a:ext>
             </a:extLst>
           </p:cNvPr>
@@ -5381,7 +5373,7 @@
           <a:p>
             <a:fld id="{46286F16-DA28-4629-8EE8-763872543111}" type="datetime1">
               <a:rPr lang="ko-KR" altLang="en-US" smtClean="0"/>
-              <a:t>2022-03-06</a:t>
+              <a:t>2022-03-10</a:t>
             </a:fld>
             <a:endParaRPr lang="ko-KR" altLang="en-US"/>
           </a:p>
@@ -5392,7 +5384,7 @@
           <p:cNvPr id="3" name="바닥글 개체 틀 2">
             <a:extLst>
               <a:ext uri="{FF2B5EF4-FFF2-40B4-BE49-F238E27FC236}">
-                <a16:creationId xmlns="" xmlns:a16="http://schemas.microsoft.com/office/drawing/2014/main" id="{3FDC9E2E-F373-4909-8E0C-E44E08FAF35E}"/>
+                <a16:creationId xmlns:a16="http://schemas.microsoft.com/office/drawing/2014/main" xmlns="" id="{3FDC9E2E-F373-4909-8E0C-E44E08FAF35E}"/>
               </a:ext>
             </a:extLst>
           </p:cNvPr>
@@ -5417,7 +5409,7 @@
           <p:cNvPr id="4" name="슬라이드 번호 개체 틀 3">
             <a:extLst>
               <a:ext uri="{FF2B5EF4-FFF2-40B4-BE49-F238E27FC236}">
-                <a16:creationId xmlns="" xmlns:a16="http://schemas.microsoft.com/office/drawing/2014/main" id="{3817A921-20CF-4355-823E-64EC0B26ECB5}"/>
+                <a16:creationId xmlns:a16="http://schemas.microsoft.com/office/drawing/2014/main" xmlns="" id="{3817A921-20CF-4355-823E-64EC0B26ECB5}"/>
               </a:ext>
             </a:extLst>
           </p:cNvPr>
@@ -5476,7 +5468,7 @@
           <p:cNvPr id="2" name="제목 1">
             <a:extLst>
               <a:ext uri="{FF2B5EF4-FFF2-40B4-BE49-F238E27FC236}">
-                <a16:creationId xmlns="" xmlns:a16="http://schemas.microsoft.com/office/drawing/2014/main" id="{662892C1-4144-411F-B9AF-EAF91DEE32B6}"/>
+                <a16:creationId xmlns:a16="http://schemas.microsoft.com/office/drawing/2014/main" xmlns="" id="{662892C1-4144-411F-B9AF-EAF91DEE32B6}"/>
               </a:ext>
             </a:extLst>
           </p:cNvPr>
@@ -5513,7 +5505,7 @@
           <p:cNvPr id="3" name="내용 개체 틀 2">
             <a:extLst>
               <a:ext uri="{FF2B5EF4-FFF2-40B4-BE49-F238E27FC236}">
-                <a16:creationId xmlns="" xmlns:a16="http://schemas.microsoft.com/office/drawing/2014/main" id="{6D131FF6-9109-4E81-99EB-41178230D75D}"/>
+                <a16:creationId xmlns:a16="http://schemas.microsoft.com/office/drawing/2014/main" xmlns="" id="{6D131FF6-9109-4E81-99EB-41178230D75D}"/>
               </a:ext>
             </a:extLst>
           </p:cNvPr>
@@ -5603,7 +5595,7 @@
           <p:cNvPr id="4" name="텍스트 개체 틀 3">
             <a:extLst>
               <a:ext uri="{FF2B5EF4-FFF2-40B4-BE49-F238E27FC236}">
-                <a16:creationId xmlns="" xmlns:a16="http://schemas.microsoft.com/office/drawing/2014/main" id="{725A24CD-CBC9-405C-B03E-13CBECEDC490}"/>
+                <a16:creationId xmlns:a16="http://schemas.microsoft.com/office/drawing/2014/main" xmlns="" id="{725A24CD-CBC9-405C-B03E-13CBECEDC490}"/>
               </a:ext>
             </a:extLst>
           </p:cNvPr>
@@ -5674,7 +5666,7 @@
           <p:cNvPr id="5" name="날짜 개체 틀 4">
             <a:extLst>
               <a:ext uri="{FF2B5EF4-FFF2-40B4-BE49-F238E27FC236}">
-                <a16:creationId xmlns="" xmlns:a16="http://schemas.microsoft.com/office/drawing/2014/main" id="{EFF9226B-5D03-44B8-AD7B-8BE2EF391998}"/>
+                <a16:creationId xmlns:a16="http://schemas.microsoft.com/office/drawing/2014/main" xmlns="" id="{EFF9226B-5D03-44B8-AD7B-8BE2EF391998}"/>
               </a:ext>
             </a:extLst>
           </p:cNvPr>
@@ -5692,7 +5684,7 @@
           <a:p>
             <a:fld id="{1054CEA0-1441-45CE-B7F8-B54874D474DC}" type="datetime1">
               <a:rPr lang="ko-KR" altLang="en-US" smtClean="0"/>
-              <a:t>2022-03-06</a:t>
+              <a:t>2022-03-10</a:t>
             </a:fld>
             <a:endParaRPr lang="ko-KR" altLang="en-US"/>
           </a:p>
@@ -5703,7 +5695,7 @@
           <p:cNvPr id="6" name="바닥글 개체 틀 5">
             <a:extLst>
               <a:ext uri="{FF2B5EF4-FFF2-40B4-BE49-F238E27FC236}">
-                <a16:creationId xmlns="" xmlns:a16="http://schemas.microsoft.com/office/drawing/2014/main" id="{06053488-C89B-4C12-85CF-413B1BF51D2C}"/>
+                <a16:creationId xmlns:a16="http://schemas.microsoft.com/office/drawing/2014/main" xmlns="" id="{06053488-C89B-4C12-85CF-413B1BF51D2C}"/>
               </a:ext>
             </a:extLst>
           </p:cNvPr>
@@ -5728,7 +5720,7 @@
           <p:cNvPr id="7" name="슬라이드 번호 개체 틀 6">
             <a:extLst>
               <a:ext uri="{FF2B5EF4-FFF2-40B4-BE49-F238E27FC236}">
-                <a16:creationId xmlns="" xmlns:a16="http://schemas.microsoft.com/office/drawing/2014/main" id="{9D016BC8-14F3-4FF0-819C-5474F3771C93}"/>
+                <a16:creationId xmlns:a16="http://schemas.microsoft.com/office/drawing/2014/main" xmlns="" id="{9D016BC8-14F3-4FF0-819C-5474F3771C93}"/>
               </a:ext>
             </a:extLst>
           </p:cNvPr>
@@ -5787,7 +5779,7 @@
           <p:cNvPr id="2" name="제목 1">
             <a:extLst>
               <a:ext uri="{FF2B5EF4-FFF2-40B4-BE49-F238E27FC236}">
-                <a16:creationId xmlns="" xmlns:a16="http://schemas.microsoft.com/office/drawing/2014/main" id="{8B03F6D9-9BF1-4703-8E0A-BA2BEDB9649D}"/>
+                <a16:creationId xmlns:a16="http://schemas.microsoft.com/office/drawing/2014/main" xmlns="" id="{8B03F6D9-9BF1-4703-8E0A-BA2BEDB9649D}"/>
               </a:ext>
             </a:extLst>
           </p:cNvPr>
@@ -5824,7 +5816,7 @@
           <p:cNvPr id="3" name="그림 개체 틀 2">
             <a:extLst>
               <a:ext uri="{FF2B5EF4-FFF2-40B4-BE49-F238E27FC236}">
-                <a16:creationId xmlns="" xmlns:a16="http://schemas.microsoft.com/office/drawing/2014/main" id="{151D6179-D78B-4E59-9C12-2454E90779C8}"/>
+                <a16:creationId xmlns:a16="http://schemas.microsoft.com/office/drawing/2014/main" xmlns="" id="{151D6179-D78B-4E59-9C12-2454E90779C8}"/>
               </a:ext>
             </a:extLst>
           </p:cNvPr>
@@ -5891,7 +5883,7 @@
           <p:cNvPr id="4" name="텍스트 개체 틀 3">
             <a:extLst>
               <a:ext uri="{FF2B5EF4-FFF2-40B4-BE49-F238E27FC236}">
-                <a16:creationId xmlns="" xmlns:a16="http://schemas.microsoft.com/office/drawing/2014/main" id="{944199E0-E622-4E5A-8D00-34978C72C003}"/>
+                <a16:creationId xmlns:a16="http://schemas.microsoft.com/office/drawing/2014/main" xmlns="" id="{944199E0-E622-4E5A-8D00-34978C72C003}"/>
               </a:ext>
             </a:extLst>
           </p:cNvPr>
@@ -5962,7 +5954,7 @@
           <p:cNvPr id="5" name="날짜 개체 틀 4">
             <a:extLst>
               <a:ext uri="{FF2B5EF4-FFF2-40B4-BE49-F238E27FC236}">
-                <a16:creationId xmlns="" xmlns:a16="http://schemas.microsoft.com/office/drawing/2014/main" id="{573C8C08-ED5B-4D7A-90FD-AE1B31CF39BE}"/>
+                <a16:creationId xmlns:a16="http://schemas.microsoft.com/office/drawing/2014/main" xmlns="" id="{573C8C08-ED5B-4D7A-90FD-AE1B31CF39BE}"/>
               </a:ext>
             </a:extLst>
           </p:cNvPr>
@@ -5980,7 +5972,7 @@
           <a:p>
             <a:fld id="{D7E05651-CDB1-477B-B6D0-708748E25A6F}" type="datetime1">
               <a:rPr lang="ko-KR" altLang="en-US" smtClean="0"/>
-              <a:t>2022-03-06</a:t>
+              <a:t>2022-03-10</a:t>
             </a:fld>
             <a:endParaRPr lang="ko-KR" altLang="en-US"/>
           </a:p>
@@ -5991,7 +5983,7 @@
           <p:cNvPr id="6" name="바닥글 개체 틀 5">
             <a:extLst>
               <a:ext uri="{FF2B5EF4-FFF2-40B4-BE49-F238E27FC236}">
-                <a16:creationId xmlns="" xmlns:a16="http://schemas.microsoft.com/office/drawing/2014/main" id="{5CB62E7E-549A-4CE8-B57C-218C16D284CE}"/>
+                <a16:creationId xmlns:a16="http://schemas.microsoft.com/office/drawing/2014/main" xmlns="" id="{5CB62E7E-549A-4CE8-B57C-218C16D284CE}"/>
               </a:ext>
             </a:extLst>
           </p:cNvPr>
@@ -6016,7 +6008,7 @@
           <p:cNvPr id="7" name="슬라이드 번호 개체 틀 6">
             <a:extLst>
               <a:ext uri="{FF2B5EF4-FFF2-40B4-BE49-F238E27FC236}">
-                <a16:creationId xmlns="" xmlns:a16="http://schemas.microsoft.com/office/drawing/2014/main" id="{676DA333-9054-4637-B1DA-0138E39FC766}"/>
+                <a16:creationId xmlns:a16="http://schemas.microsoft.com/office/drawing/2014/main" xmlns="" id="{676DA333-9054-4637-B1DA-0138E39FC766}"/>
               </a:ext>
             </a:extLst>
           </p:cNvPr>
@@ -6080,7 +6072,7 @@
           <p:cNvPr id="2" name="제목 개체 틀 1">
             <a:extLst>
               <a:ext uri="{FF2B5EF4-FFF2-40B4-BE49-F238E27FC236}">
-                <a16:creationId xmlns="" xmlns:a16="http://schemas.microsoft.com/office/drawing/2014/main" id="{79F009C3-C549-4D91-B3B6-8362D0C138B9}"/>
+                <a16:creationId xmlns:a16="http://schemas.microsoft.com/office/drawing/2014/main" xmlns="" id="{79F009C3-C549-4D91-B3B6-8362D0C138B9}"/>
               </a:ext>
             </a:extLst>
           </p:cNvPr>
@@ -6118,7 +6110,7 @@
           <p:cNvPr id="3" name="텍스트 개체 틀 2">
             <a:extLst>
               <a:ext uri="{FF2B5EF4-FFF2-40B4-BE49-F238E27FC236}">
-                <a16:creationId xmlns="" xmlns:a16="http://schemas.microsoft.com/office/drawing/2014/main" id="{D8EC1DF6-7E6C-4B66-BD93-93DD2DC7D93D}"/>
+                <a16:creationId xmlns:a16="http://schemas.microsoft.com/office/drawing/2014/main" xmlns="" id="{D8EC1DF6-7E6C-4B66-BD93-93DD2DC7D93D}"/>
               </a:ext>
             </a:extLst>
           </p:cNvPr>
@@ -6185,7 +6177,7 @@
           <p:cNvPr id="4" name="날짜 개체 틀 3">
             <a:extLst>
               <a:ext uri="{FF2B5EF4-FFF2-40B4-BE49-F238E27FC236}">
-                <a16:creationId xmlns="" xmlns:a16="http://schemas.microsoft.com/office/drawing/2014/main" id="{5FD7328E-BB88-4442-BBCF-14D8CC01AB18}"/>
+                <a16:creationId xmlns:a16="http://schemas.microsoft.com/office/drawing/2014/main" xmlns="" id="{5FD7328E-BB88-4442-BBCF-14D8CC01AB18}"/>
               </a:ext>
             </a:extLst>
           </p:cNvPr>
@@ -6221,7 +6213,7 @@
           <a:p>
             <a:fld id="{CEBD55B5-B5DD-47E9-A731-D6392997EA9A}" type="datetime1">
               <a:rPr lang="ko-KR" altLang="en-US" smtClean="0"/>
-              <a:t>2022-03-06</a:t>
+              <a:t>2022-03-10</a:t>
             </a:fld>
             <a:endParaRPr lang="ko-KR" altLang="en-US"/>
           </a:p>
@@ -6232,7 +6224,7 @@
           <p:cNvPr id="5" name="바닥글 개체 틀 4">
             <a:extLst>
               <a:ext uri="{FF2B5EF4-FFF2-40B4-BE49-F238E27FC236}">
-                <a16:creationId xmlns="" xmlns:a16="http://schemas.microsoft.com/office/drawing/2014/main" id="{7665492A-5BBF-4C72-8E3D-7EAE45A54ABC}"/>
+                <a16:creationId xmlns:a16="http://schemas.microsoft.com/office/drawing/2014/main" xmlns="" id="{7665492A-5BBF-4C72-8E3D-7EAE45A54ABC}"/>
               </a:ext>
             </a:extLst>
           </p:cNvPr>
@@ -6275,7 +6267,7 @@
           <p:cNvPr id="6" name="슬라이드 번호 개체 틀 5">
             <a:extLst>
               <a:ext uri="{FF2B5EF4-FFF2-40B4-BE49-F238E27FC236}">
-                <a16:creationId xmlns="" xmlns:a16="http://schemas.microsoft.com/office/drawing/2014/main" id="{B2925DB1-66F3-4635-BB49-96334717B003}"/>
+                <a16:creationId xmlns:a16="http://schemas.microsoft.com/office/drawing/2014/main" xmlns="" id="{B2925DB1-66F3-4635-BB49-96334717B003}"/>
               </a:ext>
             </a:extLst>
           </p:cNvPr>
@@ -6652,10 +6644,10 @@
           <p:cNvPr id="8" name="Rectangle 7">
             <a:extLst>
               <a:ext uri="{FF2B5EF4-FFF2-40B4-BE49-F238E27FC236}">
-                <a16:creationId xmlns="" xmlns:a16="http://schemas.microsoft.com/office/drawing/2014/main" id="{D8386171-E87D-46AB-8718-4CE2A88748BD}"/>
+                <a16:creationId xmlns:a16="http://schemas.microsoft.com/office/drawing/2014/main" xmlns="" id="{D8386171-E87D-46AB-8718-4CE2A88748BD}"/>
               </a:ext>
               <a:ext uri="{C183D7F6-B498-43B3-948B-1728B52AA6E4}">
-                <adec:decorative xmlns="" xmlns:adec="http://schemas.microsoft.com/office/drawing/2017/decorative" val="1"/>
+                <adec:decorative xmlns:adec="http://schemas.microsoft.com/office/drawing/2017/decorative" xmlns="" val="1"/>
               </a:ext>
             </a:extLst>
           </p:cNvPr>
@@ -6665,7 +6657,7 @@
           <p:nvPr>
             <p:extLst>
               <p:ext uri="{386F3935-93C4-4BCD-93E2-E3B085C9AB24}">
-                <p16:designElem xmlns="" xmlns:p16="http://schemas.microsoft.com/office/powerpoint/2015/main" val="1"/>
+                <p16:designElem xmlns:p16="http://schemas.microsoft.com/office/powerpoint/2015/main" xmlns="" val="1"/>
               </p:ext>
             </p:extLst>
           </p:nvPr>
@@ -6715,10 +6707,10 @@
           <p:cNvPr id="10" name="Rounded Rectangle 26">
             <a:extLst>
               <a:ext uri="{FF2B5EF4-FFF2-40B4-BE49-F238E27FC236}">
-                <a16:creationId xmlns="" xmlns:a16="http://schemas.microsoft.com/office/drawing/2014/main" id="{207CB456-8849-413C-8210-B663779A32E0}"/>
+                <a16:creationId xmlns:a16="http://schemas.microsoft.com/office/drawing/2014/main" xmlns="" id="{207CB456-8849-413C-8210-B663779A32E0}"/>
               </a:ext>
               <a:ext uri="{C183D7F6-B498-43B3-948B-1728B52AA6E4}">
-                <adec:decorative xmlns="" xmlns:adec="http://schemas.microsoft.com/office/drawing/2017/decorative" val="1"/>
+                <adec:decorative xmlns:adec="http://schemas.microsoft.com/office/drawing/2017/decorative" xmlns="" val="1"/>
               </a:ext>
             </a:extLst>
           </p:cNvPr>
@@ -6728,7 +6720,7 @@
           <p:nvPr>
             <p:extLst>
               <p:ext uri="{386F3935-93C4-4BCD-93E2-E3B085C9AB24}">
-                <p16:designElem xmlns="" xmlns:p16="http://schemas.microsoft.com/office/powerpoint/2015/main" val="1"/>
+                <p16:designElem xmlns:p16="http://schemas.microsoft.com/office/powerpoint/2015/main" xmlns="" val="1"/>
               </p:ext>
             </p:extLst>
           </p:nvPr>
@@ -6789,10 +6781,10 @@
           <p:cNvPr id="12" name="Rectangle 11">
             <a:extLst>
               <a:ext uri="{FF2B5EF4-FFF2-40B4-BE49-F238E27FC236}">
-                <a16:creationId xmlns="" xmlns:a16="http://schemas.microsoft.com/office/drawing/2014/main" id="{E513936D-D1EB-4E42-A97F-942BA1F3DFA7}"/>
+                <a16:creationId xmlns:a16="http://schemas.microsoft.com/office/drawing/2014/main" xmlns="" id="{E513936D-D1EB-4E42-A97F-942BA1F3DFA7}"/>
               </a:ext>
               <a:ext uri="{C183D7F6-B498-43B3-948B-1728B52AA6E4}">
-                <adec:decorative xmlns="" xmlns:adec="http://schemas.microsoft.com/office/drawing/2017/decorative" val="1"/>
+                <adec:decorative xmlns:adec="http://schemas.microsoft.com/office/drawing/2017/decorative" xmlns="" val="1"/>
               </a:ext>
             </a:extLst>
           </p:cNvPr>
@@ -6802,7 +6794,7 @@
           <p:nvPr>
             <p:extLst>
               <p:ext uri="{386F3935-93C4-4BCD-93E2-E3B085C9AB24}">
-                <p16:designElem xmlns="" xmlns:p16="http://schemas.microsoft.com/office/powerpoint/2015/main" val="1"/>
+                <p16:designElem xmlns:p16="http://schemas.microsoft.com/office/powerpoint/2015/main" xmlns="" val="1"/>
               </p:ext>
             </p:extLst>
           </p:nvPr>
@@ -6852,7 +6844,7 @@
           <p:cNvPr id="11" name="직사각형 10">
             <a:extLst>
               <a:ext uri="{FF2B5EF4-FFF2-40B4-BE49-F238E27FC236}">
-                <a16:creationId xmlns="" xmlns:a16="http://schemas.microsoft.com/office/drawing/2014/main" id="{F0506921-631D-42CD-80B4-6F214A887F93}"/>
+                <a16:creationId xmlns:a16="http://schemas.microsoft.com/office/drawing/2014/main" xmlns="" id="{F0506921-631D-42CD-80B4-6F214A887F93}"/>
               </a:ext>
             </a:extLst>
           </p:cNvPr>
@@ -6912,7 +6904,7 @@
           <p:cNvPr id="2" name="제목 1">
             <a:extLst>
               <a:ext uri="{FF2B5EF4-FFF2-40B4-BE49-F238E27FC236}">
-                <a16:creationId xmlns="" xmlns:a16="http://schemas.microsoft.com/office/drawing/2014/main" id="{8B6C675B-5A2F-4552-A079-4377488942E8}"/>
+                <a16:creationId xmlns:a16="http://schemas.microsoft.com/office/drawing/2014/main" xmlns="" id="{8B6C675B-5A2F-4552-A079-4377488942E8}"/>
               </a:ext>
             </a:extLst>
           </p:cNvPr>
@@ -6968,7 +6960,7 @@
           <p:cNvPr id="3" name="부제목 2">
             <a:extLst>
               <a:ext uri="{FF2B5EF4-FFF2-40B4-BE49-F238E27FC236}">
-                <a16:creationId xmlns="" xmlns:a16="http://schemas.microsoft.com/office/drawing/2014/main" id="{747ECB8F-4EF7-4F73-A930-51FC8A539CA7}"/>
+                <a16:creationId xmlns:a16="http://schemas.microsoft.com/office/drawing/2014/main" xmlns="" id="{747ECB8F-4EF7-4F73-A930-51FC8A539CA7}"/>
               </a:ext>
             </a:extLst>
           </p:cNvPr>
@@ -7009,10 +7001,10 @@
           <p:cNvPr id="14" name="Straight Connector 13">
             <a:extLst>
               <a:ext uri="{FF2B5EF4-FFF2-40B4-BE49-F238E27FC236}">
-                <a16:creationId xmlns="" xmlns:a16="http://schemas.microsoft.com/office/drawing/2014/main" id="{AFA75EE9-0DE4-4982-A870-290AD61EAAD7}"/>
+                <a16:creationId xmlns:a16="http://schemas.microsoft.com/office/drawing/2014/main" xmlns="" id="{AFA75EE9-0DE4-4982-A870-290AD61EAAD7}"/>
               </a:ext>
               <a:ext uri="{C183D7F6-B498-43B3-948B-1728B52AA6E4}">
-                <adec:decorative xmlns="" xmlns:adec="http://schemas.microsoft.com/office/drawing/2017/decorative" val="1"/>
+                <adec:decorative xmlns:adec="http://schemas.microsoft.com/office/drawing/2017/decorative" xmlns="" val="1"/>
               </a:ext>
             </a:extLst>
           </p:cNvPr>
@@ -7022,7 +7014,7 @@
           <p:nvPr>
             <p:extLst>
               <p:ext uri="{386F3935-93C4-4BCD-93E2-E3B085C9AB24}">
-                <p16:designElem xmlns="" xmlns:p16="http://schemas.microsoft.com/office/powerpoint/2015/main" val="1"/>
+                <p16:designElem xmlns:p16="http://schemas.microsoft.com/office/powerpoint/2015/main" xmlns="" val="1"/>
               </p:ext>
             </p:extLst>
           </p:nvPr>
@@ -7064,7 +7056,7 @@
           <p:cNvPr id="13" name="직사각형 12">
             <a:extLst>
               <a:ext uri="{FF2B5EF4-FFF2-40B4-BE49-F238E27FC236}">
-                <a16:creationId xmlns="" xmlns:a16="http://schemas.microsoft.com/office/drawing/2014/main" id="{1968350A-5F5C-4509-8A05-9C59534ADFD9}"/>
+                <a16:creationId xmlns:a16="http://schemas.microsoft.com/office/drawing/2014/main" xmlns="" id="{1968350A-5F5C-4509-8A05-9C59534ADFD9}"/>
               </a:ext>
             </a:extLst>
           </p:cNvPr>
@@ -7124,7 +7116,7 @@
           <p:cNvPr id="9" name="TextBox 8">
             <a:extLst>
               <a:ext uri="{FF2B5EF4-FFF2-40B4-BE49-F238E27FC236}">
-                <a16:creationId xmlns="" xmlns:a16="http://schemas.microsoft.com/office/drawing/2014/main" id="{0DC54B4B-F2C4-418D-94E3-A1949D75854B}"/>
+                <a16:creationId xmlns:a16="http://schemas.microsoft.com/office/drawing/2014/main" xmlns="" id="{0DC54B4B-F2C4-418D-94E3-A1949D75854B}"/>
               </a:ext>
             </a:extLst>
           </p:cNvPr>
@@ -7226,7 +7218,7 @@
           <p:cNvPr id="14" name="직사각형 13">
             <a:extLst>
               <a:ext uri="{FF2B5EF4-FFF2-40B4-BE49-F238E27FC236}">
-                <a16:creationId xmlns="" xmlns:a16="http://schemas.microsoft.com/office/drawing/2014/main" id="{AE63793F-FA1A-4167-B2AD-02BBF5F21C73}"/>
+                <a16:creationId xmlns:a16="http://schemas.microsoft.com/office/drawing/2014/main" xmlns="" id="{AE63793F-FA1A-4167-B2AD-02BBF5F21C73}"/>
               </a:ext>
             </a:extLst>
           </p:cNvPr>
@@ -7278,7 +7270,7 @@
           <p:cNvPr id="17" name="직사각형 16">
             <a:extLst>
               <a:ext uri="{FF2B5EF4-FFF2-40B4-BE49-F238E27FC236}">
-                <a16:creationId xmlns="" xmlns:a16="http://schemas.microsoft.com/office/drawing/2014/main" id="{066DE11C-AC07-40FE-A70B-C517D5EAB114}"/>
+                <a16:creationId xmlns:a16="http://schemas.microsoft.com/office/drawing/2014/main" xmlns="" id="{066DE11C-AC07-40FE-A70B-C517D5EAB114}"/>
               </a:ext>
             </a:extLst>
           </p:cNvPr>
@@ -7330,7 +7322,7 @@
           <p:cNvPr id="16" name="직사각형 15">
             <a:extLst>
               <a:ext uri="{FF2B5EF4-FFF2-40B4-BE49-F238E27FC236}">
-                <a16:creationId xmlns="" xmlns:a16="http://schemas.microsoft.com/office/drawing/2014/main" id="{A54456E0-1C77-483C-B12A-FF1F3FF06343}"/>
+                <a16:creationId xmlns:a16="http://schemas.microsoft.com/office/drawing/2014/main" xmlns="" id="{A54456E0-1C77-483C-B12A-FF1F3FF06343}"/>
               </a:ext>
             </a:extLst>
           </p:cNvPr>
@@ -7390,7 +7382,7 @@
           <p:cNvPr id="19" name="직사각형 18">
             <a:extLst>
               <a:ext uri="{FF2B5EF4-FFF2-40B4-BE49-F238E27FC236}">
-                <a16:creationId xmlns="" xmlns:a16="http://schemas.microsoft.com/office/drawing/2014/main" id="{41BCC7B7-39A9-4A43-8C73-FE2CA3F652CF}"/>
+                <a16:creationId xmlns:a16="http://schemas.microsoft.com/office/drawing/2014/main" xmlns="" id="{41BCC7B7-39A9-4A43-8C73-FE2CA3F652CF}"/>
               </a:ext>
             </a:extLst>
           </p:cNvPr>
@@ -7447,7 +7439,7 @@
           <p:cNvPr id="10" name="제목 1">
             <a:extLst>
               <a:ext uri="{FF2B5EF4-FFF2-40B4-BE49-F238E27FC236}">
-                <a16:creationId xmlns="" xmlns:a16="http://schemas.microsoft.com/office/drawing/2014/main" id="{AE48F724-E042-4450-8C2F-2B3B6C17BFB0}"/>
+                <a16:creationId xmlns:a16="http://schemas.microsoft.com/office/drawing/2014/main" xmlns="" id="{AE48F724-E042-4450-8C2F-2B3B6C17BFB0}"/>
               </a:ext>
             </a:extLst>
           </p:cNvPr>
@@ -7505,7 +7497,7 @@
           <p:cNvPr id="7" name="슬라이드 번호 개체 틀 6">
             <a:extLst>
               <a:ext uri="{FF2B5EF4-FFF2-40B4-BE49-F238E27FC236}">
-                <a16:creationId xmlns="" xmlns:a16="http://schemas.microsoft.com/office/drawing/2014/main" id="{C3DFA9A2-74C6-401B-A767-C83F88C56DA5}"/>
+                <a16:creationId xmlns:a16="http://schemas.microsoft.com/office/drawing/2014/main" xmlns="" id="{C3DFA9A2-74C6-401B-A767-C83F88C56DA5}"/>
               </a:ext>
             </a:extLst>
           </p:cNvPr>
@@ -7534,7 +7526,7 @@
           <p:cNvPr id="15" name="내용 개체 틀 2">
             <a:extLst>
               <a:ext uri="{FF2B5EF4-FFF2-40B4-BE49-F238E27FC236}">
-                <a16:creationId xmlns="" xmlns:a16="http://schemas.microsoft.com/office/drawing/2014/main" id="{B5A012C8-9008-4B2C-8B8B-F1BF59FD0B54}"/>
+                <a16:creationId xmlns:a16="http://schemas.microsoft.com/office/drawing/2014/main" xmlns="" id="{B5A012C8-9008-4B2C-8B8B-F1BF59FD0B54}"/>
               </a:ext>
             </a:extLst>
           </p:cNvPr>
@@ -7843,7 +7835,7 @@
           <p:cNvPr id="18" name="그림 17" descr="텍스트, 실내, 테이블, 벽이(가) 표시된 사진&#10;&#10;자동 생성된 설명">
             <a:extLst>
               <a:ext uri="{FF2B5EF4-FFF2-40B4-BE49-F238E27FC236}">
-                <a16:creationId xmlns="" xmlns:a16="http://schemas.microsoft.com/office/drawing/2014/main" id="{634418E1-B016-46DA-AC6E-621322119A15}"/>
+                <a16:creationId xmlns:a16="http://schemas.microsoft.com/office/drawing/2014/main" xmlns="" id="{634418E1-B016-46DA-AC6E-621322119A15}"/>
               </a:ext>
             </a:extLst>
           </p:cNvPr>
@@ -7884,7 +7876,7 @@
           <p:cNvPr id="23" name="그림 22" descr="텍스트, iPod, 하얀색, 다른이(가) 표시된 사진&#10;&#10;자동 생성된 설명">
             <a:extLst>
               <a:ext uri="{FF2B5EF4-FFF2-40B4-BE49-F238E27FC236}">
-                <a16:creationId xmlns="" xmlns:a16="http://schemas.microsoft.com/office/drawing/2014/main" id="{D51C7B66-8086-41B4-8DC4-D3A8D5B5543E}"/>
+                <a16:creationId xmlns:a16="http://schemas.microsoft.com/office/drawing/2014/main" xmlns="" id="{D51C7B66-8086-41B4-8DC4-D3A8D5B5543E}"/>
               </a:ext>
             </a:extLst>
           </p:cNvPr>
@@ -7961,7 +7953,7 @@
           <p:cNvPr id="14" name="직사각형 13">
             <a:extLst>
               <a:ext uri="{FF2B5EF4-FFF2-40B4-BE49-F238E27FC236}">
-                <a16:creationId xmlns="" xmlns:a16="http://schemas.microsoft.com/office/drawing/2014/main" id="{AE63793F-FA1A-4167-B2AD-02BBF5F21C73}"/>
+                <a16:creationId xmlns:a16="http://schemas.microsoft.com/office/drawing/2014/main" xmlns="" id="{AE63793F-FA1A-4167-B2AD-02BBF5F21C73}"/>
               </a:ext>
             </a:extLst>
           </p:cNvPr>
@@ -8013,7 +8005,7 @@
           <p:cNvPr id="17" name="직사각형 16">
             <a:extLst>
               <a:ext uri="{FF2B5EF4-FFF2-40B4-BE49-F238E27FC236}">
-                <a16:creationId xmlns="" xmlns:a16="http://schemas.microsoft.com/office/drawing/2014/main" id="{066DE11C-AC07-40FE-A70B-C517D5EAB114}"/>
+                <a16:creationId xmlns:a16="http://schemas.microsoft.com/office/drawing/2014/main" xmlns="" id="{066DE11C-AC07-40FE-A70B-C517D5EAB114}"/>
               </a:ext>
             </a:extLst>
           </p:cNvPr>
@@ -8065,7 +8057,7 @@
           <p:cNvPr id="16" name="직사각형 15">
             <a:extLst>
               <a:ext uri="{FF2B5EF4-FFF2-40B4-BE49-F238E27FC236}">
-                <a16:creationId xmlns="" xmlns:a16="http://schemas.microsoft.com/office/drawing/2014/main" id="{A54456E0-1C77-483C-B12A-FF1F3FF06343}"/>
+                <a16:creationId xmlns:a16="http://schemas.microsoft.com/office/drawing/2014/main" xmlns="" id="{A54456E0-1C77-483C-B12A-FF1F3FF06343}"/>
               </a:ext>
             </a:extLst>
           </p:cNvPr>
@@ -8125,7 +8117,7 @@
           <p:cNvPr id="19" name="직사각형 18">
             <a:extLst>
               <a:ext uri="{FF2B5EF4-FFF2-40B4-BE49-F238E27FC236}">
-                <a16:creationId xmlns="" xmlns:a16="http://schemas.microsoft.com/office/drawing/2014/main" id="{41BCC7B7-39A9-4A43-8C73-FE2CA3F652CF}"/>
+                <a16:creationId xmlns:a16="http://schemas.microsoft.com/office/drawing/2014/main" xmlns="" id="{41BCC7B7-39A9-4A43-8C73-FE2CA3F652CF}"/>
               </a:ext>
             </a:extLst>
           </p:cNvPr>
@@ -8182,7 +8174,7 @@
           <p:cNvPr id="10" name="제목 1">
             <a:extLst>
               <a:ext uri="{FF2B5EF4-FFF2-40B4-BE49-F238E27FC236}">
-                <a16:creationId xmlns="" xmlns:a16="http://schemas.microsoft.com/office/drawing/2014/main" id="{AE48F724-E042-4450-8C2F-2B3B6C17BFB0}"/>
+                <a16:creationId xmlns:a16="http://schemas.microsoft.com/office/drawing/2014/main" xmlns="" id="{AE48F724-E042-4450-8C2F-2B3B6C17BFB0}"/>
               </a:ext>
             </a:extLst>
           </p:cNvPr>
@@ -8240,7 +8232,7 @@
           <p:cNvPr id="7" name="슬라이드 번호 개체 틀 6">
             <a:extLst>
               <a:ext uri="{FF2B5EF4-FFF2-40B4-BE49-F238E27FC236}">
-                <a16:creationId xmlns="" xmlns:a16="http://schemas.microsoft.com/office/drawing/2014/main" id="{C3DFA9A2-74C6-401B-A767-C83F88C56DA5}"/>
+                <a16:creationId xmlns:a16="http://schemas.microsoft.com/office/drawing/2014/main" xmlns="" id="{C3DFA9A2-74C6-401B-A767-C83F88C56DA5}"/>
               </a:ext>
             </a:extLst>
           </p:cNvPr>
@@ -8269,7 +8261,7 @@
           <p:cNvPr id="15" name="내용 개체 틀 2">
             <a:extLst>
               <a:ext uri="{FF2B5EF4-FFF2-40B4-BE49-F238E27FC236}">
-                <a16:creationId xmlns="" xmlns:a16="http://schemas.microsoft.com/office/drawing/2014/main" id="{B5A012C8-9008-4B2C-8B8B-F1BF59FD0B54}"/>
+                <a16:creationId xmlns:a16="http://schemas.microsoft.com/office/drawing/2014/main" xmlns="" id="{B5A012C8-9008-4B2C-8B8B-F1BF59FD0B54}"/>
               </a:ext>
             </a:extLst>
           </p:cNvPr>
@@ -8612,7 +8604,7 @@
           <p:cNvPr id="14" name="직사각형 13">
             <a:extLst>
               <a:ext uri="{FF2B5EF4-FFF2-40B4-BE49-F238E27FC236}">
-                <a16:creationId xmlns="" xmlns:a16="http://schemas.microsoft.com/office/drawing/2014/main" id="{AE63793F-FA1A-4167-B2AD-02BBF5F21C73}"/>
+                <a16:creationId xmlns:a16="http://schemas.microsoft.com/office/drawing/2014/main" xmlns="" id="{AE63793F-FA1A-4167-B2AD-02BBF5F21C73}"/>
               </a:ext>
             </a:extLst>
           </p:cNvPr>
@@ -8664,7 +8656,7 @@
           <p:cNvPr id="17" name="직사각형 16">
             <a:extLst>
               <a:ext uri="{FF2B5EF4-FFF2-40B4-BE49-F238E27FC236}">
-                <a16:creationId xmlns="" xmlns:a16="http://schemas.microsoft.com/office/drawing/2014/main" id="{066DE11C-AC07-40FE-A70B-C517D5EAB114}"/>
+                <a16:creationId xmlns:a16="http://schemas.microsoft.com/office/drawing/2014/main" xmlns="" id="{066DE11C-AC07-40FE-A70B-C517D5EAB114}"/>
               </a:ext>
             </a:extLst>
           </p:cNvPr>
@@ -8716,7 +8708,7 @@
           <p:cNvPr id="16" name="직사각형 15">
             <a:extLst>
               <a:ext uri="{FF2B5EF4-FFF2-40B4-BE49-F238E27FC236}">
-                <a16:creationId xmlns="" xmlns:a16="http://schemas.microsoft.com/office/drawing/2014/main" id="{A54456E0-1C77-483C-B12A-FF1F3FF06343}"/>
+                <a16:creationId xmlns:a16="http://schemas.microsoft.com/office/drawing/2014/main" xmlns="" id="{A54456E0-1C77-483C-B12A-FF1F3FF06343}"/>
               </a:ext>
             </a:extLst>
           </p:cNvPr>
@@ -8776,7 +8768,7 @@
           <p:cNvPr id="19" name="직사각형 18">
             <a:extLst>
               <a:ext uri="{FF2B5EF4-FFF2-40B4-BE49-F238E27FC236}">
-                <a16:creationId xmlns="" xmlns:a16="http://schemas.microsoft.com/office/drawing/2014/main" id="{41BCC7B7-39A9-4A43-8C73-FE2CA3F652CF}"/>
+                <a16:creationId xmlns:a16="http://schemas.microsoft.com/office/drawing/2014/main" xmlns="" id="{41BCC7B7-39A9-4A43-8C73-FE2CA3F652CF}"/>
               </a:ext>
             </a:extLst>
           </p:cNvPr>
@@ -8833,7 +8825,7 @@
           <p:cNvPr id="10" name="제목 1">
             <a:extLst>
               <a:ext uri="{FF2B5EF4-FFF2-40B4-BE49-F238E27FC236}">
-                <a16:creationId xmlns="" xmlns:a16="http://schemas.microsoft.com/office/drawing/2014/main" id="{AE48F724-E042-4450-8C2F-2B3B6C17BFB0}"/>
+                <a16:creationId xmlns:a16="http://schemas.microsoft.com/office/drawing/2014/main" xmlns="" id="{AE48F724-E042-4450-8C2F-2B3B6C17BFB0}"/>
               </a:ext>
             </a:extLst>
           </p:cNvPr>
@@ -8891,7 +8883,7 @@
           <p:cNvPr id="7" name="슬라이드 번호 개체 틀 6">
             <a:extLst>
               <a:ext uri="{FF2B5EF4-FFF2-40B4-BE49-F238E27FC236}">
-                <a16:creationId xmlns="" xmlns:a16="http://schemas.microsoft.com/office/drawing/2014/main" id="{C3DFA9A2-74C6-401B-A767-C83F88C56DA5}"/>
+                <a16:creationId xmlns:a16="http://schemas.microsoft.com/office/drawing/2014/main" xmlns="" id="{C3DFA9A2-74C6-401B-A767-C83F88C56DA5}"/>
               </a:ext>
             </a:extLst>
           </p:cNvPr>
@@ -8920,7 +8912,7 @@
           <p:cNvPr id="15" name="내용 개체 틀 2">
             <a:extLst>
               <a:ext uri="{FF2B5EF4-FFF2-40B4-BE49-F238E27FC236}">
-                <a16:creationId xmlns="" xmlns:a16="http://schemas.microsoft.com/office/drawing/2014/main" id="{B5A012C8-9008-4B2C-8B8B-F1BF59FD0B54}"/>
+                <a16:creationId xmlns:a16="http://schemas.microsoft.com/office/drawing/2014/main" xmlns="" id="{B5A012C8-9008-4B2C-8B8B-F1BF59FD0B54}"/>
               </a:ext>
             </a:extLst>
           </p:cNvPr>
@@ -9306,7 +9298,7 @@
           <p:cNvPr id="14" name="직사각형 13">
             <a:extLst>
               <a:ext uri="{FF2B5EF4-FFF2-40B4-BE49-F238E27FC236}">
-                <a16:creationId xmlns="" xmlns:a16="http://schemas.microsoft.com/office/drawing/2014/main" id="{AE63793F-FA1A-4167-B2AD-02BBF5F21C73}"/>
+                <a16:creationId xmlns:a16="http://schemas.microsoft.com/office/drawing/2014/main" xmlns="" id="{AE63793F-FA1A-4167-B2AD-02BBF5F21C73}"/>
               </a:ext>
             </a:extLst>
           </p:cNvPr>
@@ -9358,7 +9350,7 @@
           <p:cNvPr id="17" name="직사각형 16">
             <a:extLst>
               <a:ext uri="{FF2B5EF4-FFF2-40B4-BE49-F238E27FC236}">
-                <a16:creationId xmlns="" xmlns:a16="http://schemas.microsoft.com/office/drawing/2014/main" id="{066DE11C-AC07-40FE-A70B-C517D5EAB114}"/>
+                <a16:creationId xmlns:a16="http://schemas.microsoft.com/office/drawing/2014/main" xmlns="" id="{066DE11C-AC07-40FE-A70B-C517D5EAB114}"/>
               </a:ext>
             </a:extLst>
           </p:cNvPr>
@@ -9410,7 +9402,7 @@
           <p:cNvPr id="16" name="직사각형 15">
             <a:extLst>
               <a:ext uri="{FF2B5EF4-FFF2-40B4-BE49-F238E27FC236}">
-                <a16:creationId xmlns="" xmlns:a16="http://schemas.microsoft.com/office/drawing/2014/main" id="{A54456E0-1C77-483C-B12A-FF1F3FF06343}"/>
+                <a16:creationId xmlns:a16="http://schemas.microsoft.com/office/drawing/2014/main" xmlns="" id="{A54456E0-1C77-483C-B12A-FF1F3FF06343}"/>
               </a:ext>
             </a:extLst>
           </p:cNvPr>
@@ -9470,7 +9462,7 @@
           <p:cNvPr id="19" name="직사각형 18">
             <a:extLst>
               <a:ext uri="{FF2B5EF4-FFF2-40B4-BE49-F238E27FC236}">
-                <a16:creationId xmlns="" xmlns:a16="http://schemas.microsoft.com/office/drawing/2014/main" id="{41BCC7B7-39A9-4A43-8C73-FE2CA3F652CF}"/>
+                <a16:creationId xmlns:a16="http://schemas.microsoft.com/office/drawing/2014/main" xmlns="" id="{41BCC7B7-39A9-4A43-8C73-FE2CA3F652CF}"/>
               </a:ext>
             </a:extLst>
           </p:cNvPr>
@@ -9527,7 +9519,7 @@
           <p:cNvPr id="2" name="제목 1">
             <a:extLst>
               <a:ext uri="{FF2B5EF4-FFF2-40B4-BE49-F238E27FC236}">
-                <a16:creationId xmlns="" xmlns:a16="http://schemas.microsoft.com/office/drawing/2014/main" id="{666811A4-3F51-4FF1-93F6-80740EECEC7A}"/>
+                <a16:creationId xmlns:a16="http://schemas.microsoft.com/office/drawing/2014/main" xmlns="" id="{666811A4-3F51-4FF1-93F6-80740EECEC7A}"/>
               </a:ext>
             </a:extLst>
           </p:cNvPr>
@@ -9566,7 +9558,7 @@
           <p:cNvPr id="7" name="슬라이드 번호 개체 틀 6">
             <a:extLst>
               <a:ext uri="{FF2B5EF4-FFF2-40B4-BE49-F238E27FC236}">
-                <a16:creationId xmlns="" xmlns:a16="http://schemas.microsoft.com/office/drawing/2014/main" id="{C5E3178A-A059-45DC-A75A-80864087AFF9}"/>
+                <a16:creationId xmlns:a16="http://schemas.microsoft.com/office/drawing/2014/main" xmlns="" id="{C5E3178A-A059-45DC-A75A-80864087AFF9}"/>
               </a:ext>
             </a:extLst>
           </p:cNvPr>
@@ -9673,7 +9665,7 @@
           <p:cNvPr id="14" name="직사각형 13">
             <a:extLst>
               <a:ext uri="{FF2B5EF4-FFF2-40B4-BE49-F238E27FC236}">
-                <a16:creationId xmlns="" xmlns:a16="http://schemas.microsoft.com/office/drawing/2014/main" id="{AE63793F-FA1A-4167-B2AD-02BBF5F21C73}"/>
+                <a16:creationId xmlns:a16="http://schemas.microsoft.com/office/drawing/2014/main" xmlns="" id="{AE63793F-FA1A-4167-B2AD-02BBF5F21C73}"/>
               </a:ext>
             </a:extLst>
           </p:cNvPr>
@@ -9725,7 +9717,7 @@
           <p:cNvPr id="17" name="직사각형 16">
             <a:extLst>
               <a:ext uri="{FF2B5EF4-FFF2-40B4-BE49-F238E27FC236}">
-                <a16:creationId xmlns="" xmlns:a16="http://schemas.microsoft.com/office/drawing/2014/main" id="{066DE11C-AC07-40FE-A70B-C517D5EAB114}"/>
+                <a16:creationId xmlns:a16="http://schemas.microsoft.com/office/drawing/2014/main" xmlns="" id="{066DE11C-AC07-40FE-A70B-C517D5EAB114}"/>
               </a:ext>
             </a:extLst>
           </p:cNvPr>
@@ -9777,7 +9769,7 @@
           <p:cNvPr id="16" name="직사각형 15">
             <a:extLst>
               <a:ext uri="{FF2B5EF4-FFF2-40B4-BE49-F238E27FC236}">
-                <a16:creationId xmlns="" xmlns:a16="http://schemas.microsoft.com/office/drawing/2014/main" id="{A54456E0-1C77-483C-B12A-FF1F3FF06343}"/>
+                <a16:creationId xmlns:a16="http://schemas.microsoft.com/office/drawing/2014/main" xmlns="" id="{A54456E0-1C77-483C-B12A-FF1F3FF06343}"/>
               </a:ext>
             </a:extLst>
           </p:cNvPr>
@@ -9837,7 +9829,7 @@
           <p:cNvPr id="19" name="직사각형 18">
             <a:extLst>
               <a:ext uri="{FF2B5EF4-FFF2-40B4-BE49-F238E27FC236}">
-                <a16:creationId xmlns="" xmlns:a16="http://schemas.microsoft.com/office/drawing/2014/main" id="{41BCC7B7-39A9-4A43-8C73-FE2CA3F652CF}"/>
+                <a16:creationId xmlns:a16="http://schemas.microsoft.com/office/drawing/2014/main" xmlns="" id="{41BCC7B7-39A9-4A43-8C73-FE2CA3F652CF}"/>
               </a:ext>
             </a:extLst>
           </p:cNvPr>
@@ -9894,7 +9886,7 @@
           <p:cNvPr id="10" name="제목 1">
             <a:extLst>
               <a:ext uri="{FF2B5EF4-FFF2-40B4-BE49-F238E27FC236}">
-                <a16:creationId xmlns="" xmlns:a16="http://schemas.microsoft.com/office/drawing/2014/main" id="{2AF7E7CD-510A-451F-AE4F-1FE80D472476}"/>
+                <a16:creationId xmlns:a16="http://schemas.microsoft.com/office/drawing/2014/main" xmlns="" id="{2AF7E7CD-510A-451F-AE4F-1FE80D472476}"/>
               </a:ext>
             </a:extLst>
           </p:cNvPr>
@@ -9952,7 +9944,7 @@
           <p:cNvPr id="9" name="슬라이드 번호 개체 틀 8">
             <a:extLst>
               <a:ext uri="{FF2B5EF4-FFF2-40B4-BE49-F238E27FC236}">
-                <a16:creationId xmlns="" xmlns:a16="http://schemas.microsoft.com/office/drawing/2014/main" id="{87A53BBF-B30B-4B1E-9BF7-988C084AEF84}"/>
+                <a16:creationId xmlns:a16="http://schemas.microsoft.com/office/drawing/2014/main" xmlns="" id="{87A53BBF-B30B-4B1E-9BF7-988C084AEF84}"/>
               </a:ext>
             </a:extLst>
           </p:cNvPr>
@@ -10146,7 +10138,7 @@
           <p:cNvPr id="14" name="직사각형 13">
             <a:extLst>
               <a:ext uri="{FF2B5EF4-FFF2-40B4-BE49-F238E27FC236}">
-                <a16:creationId xmlns="" xmlns:a16="http://schemas.microsoft.com/office/drawing/2014/main" id="{AE63793F-FA1A-4167-B2AD-02BBF5F21C73}"/>
+                <a16:creationId xmlns:a16="http://schemas.microsoft.com/office/drawing/2014/main" xmlns="" id="{AE63793F-FA1A-4167-B2AD-02BBF5F21C73}"/>
               </a:ext>
             </a:extLst>
           </p:cNvPr>
@@ -10198,7 +10190,7 @@
           <p:cNvPr id="17" name="직사각형 16">
             <a:extLst>
               <a:ext uri="{FF2B5EF4-FFF2-40B4-BE49-F238E27FC236}">
-                <a16:creationId xmlns="" xmlns:a16="http://schemas.microsoft.com/office/drawing/2014/main" id="{066DE11C-AC07-40FE-A70B-C517D5EAB114}"/>
+                <a16:creationId xmlns:a16="http://schemas.microsoft.com/office/drawing/2014/main" xmlns="" id="{066DE11C-AC07-40FE-A70B-C517D5EAB114}"/>
               </a:ext>
             </a:extLst>
           </p:cNvPr>
@@ -10250,7 +10242,7 @@
           <p:cNvPr id="16" name="직사각형 15">
             <a:extLst>
               <a:ext uri="{FF2B5EF4-FFF2-40B4-BE49-F238E27FC236}">
-                <a16:creationId xmlns="" xmlns:a16="http://schemas.microsoft.com/office/drawing/2014/main" id="{A54456E0-1C77-483C-B12A-FF1F3FF06343}"/>
+                <a16:creationId xmlns:a16="http://schemas.microsoft.com/office/drawing/2014/main" xmlns="" id="{A54456E0-1C77-483C-B12A-FF1F3FF06343}"/>
               </a:ext>
             </a:extLst>
           </p:cNvPr>
@@ -10310,7 +10302,7 @@
           <p:cNvPr id="19" name="직사각형 18">
             <a:extLst>
               <a:ext uri="{FF2B5EF4-FFF2-40B4-BE49-F238E27FC236}">
-                <a16:creationId xmlns="" xmlns:a16="http://schemas.microsoft.com/office/drawing/2014/main" id="{41BCC7B7-39A9-4A43-8C73-FE2CA3F652CF}"/>
+                <a16:creationId xmlns:a16="http://schemas.microsoft.com/office/drawing/2014/main" xmlns="" id="{41BCC7B7-39A9-4A43-8C73-FE2CA3F652CF}"/>
               </a:ext>
             </a:extLst>
           </p:cNvPr>
@@ -10367,7 +10359,7 @@
           <p:cNvPr id="10" name="제목 1">
             <a:extLst>
               <a:ext uri="{FF2B5EF4-FFF2-40B4-BE49-F238E27FC236}">
-                <a16:creationId xmlns="" xmlns:a16="http://schemas.microsoft.com/office/drawing/2014/main" id="{2AF7E7CD-510A-451F-AE4F-1FE80D472476}"/>
+                <a16:creationId xmlns:a16="http://schemas.microsoft.com/office/drawing/2014/main" xmlns="" id="{2AF7E7CD-510A-451F-AE4F-1FE80D472476}"/>
               </a:ext>
             </a:extLst>
           </p:cNvPr>
@@ -10434,7 +10426,7 @@
           <p:cNvPr id="9" name="슬라이드 번호 개체 틀 8">
             <a:extLst>
               <a:ext uri="{FF2B5EF4-FFF2-40B4-BE49-F238E27FC236}">
-                <a16:creationId xmlns="" xmlns:a16="http://schemas.microsoft.com/office/drawing/2014/main" id="{87A53BBF-B30B-4B1E-9BF7-988C084AEF84}"/>
+                <a16:creationId xmlns:a16="http://schemas.microsoft.com/office/drawing/2014/main" xmlns="" id="{87A53BBF-B30B-4B1E-9BF7-988C084AEF84}"/>
               </a:ext>
             </a:extLst>
           </p:cNvPr>
@@ -10463,7 +10455,7 @@
           <p:cNvPr id="11" name="내용 개체 틀 2">
             <a:extLst>
               <a:ext uri="{FF2B5EF4-FFF2-40B4-BE49-F238E27FC236}">
-                <a16:creationId xmlns="" xmlns:a16="http://schemas.microsoft.com/office/drawing/2014/main" id="{CCE24EAD-026D-407F-A9E3-40C16CA2D969}"/>
+                <a16:creationId xmlns:a16="http://schemas.microsoft.com/office/drawing/2014/main" xmlns="" id="{CCE24EAD-026D-407F-A9E3-40C16CA2D969}"/>
               </a:ext>
             </a:extLst>
           </p:cNvPr>
@@ -10623,7 +10615,7 @@
           <p:cNvPr id="14" name="직사각형 13">
             <a:extLst>
               <a:ext uri="{FF2B5EF4-FFF2-40B4-BE49-F238E27FC236}">
-                <a16:creationId xmlns="" xmlns:a16="http://schemas.microsoft.com/office/drawing/2014/main" id="{AE63793F-FA1A-4167-B2AD-02BBF5F21C73}"/>
+                <a16:creationId xmlns:a16="http://schemas.microsoft.com/office/drawing/2014/main" xmlns="" id="{AE63793F-FA1A-4167-B2AD-02BBF5F21C73}"/>
               </a:ext>
             </a:extLst>
           </p:cNvPr>
@@ -10675,7 +10667,7 @@
           <p:cNvPr id="17" name="직사각형 16">
             <a:extLst>
               <a:ext uri="{FF2B5EF4-FFF2-40B4-BE49-F238E27FC236}">
-                <a16:creationId xmlns="" xmlns:a16="http://schemas.microsoft.com/office/drawing/2014/main" id="{066DE11C-AC07-40FE-A70B-C517D5EAB114}"/>
+                <a16:creationId xmlns:a16="http://schemas.microsoft.com/office/drawing/2014/main" xmlns="" id="{066DE11C-AC07-40FE-A70B-C517D5EAB114}"/>
               </a:ext>
             </a:extLst>
           </p:cNvPr>
@@ -10727,7 +10719,7 @@
           <p:cNvPr id="16" name="직사각형 15">
             <a:extLst>
               <a:ext uri="{FF2B5EF4-FFF2-40B4-BE49-F238E27FC236}">
-                <a16:creationId xmlns="" xmlns:a16="http://schemas.microsoft.com/office/drawing/2014/main" id="{A54456E0-1C77-483C-B12A-FF1F3FF06343}"/>
+                <a16:creationId xmlns:a16="http://schemas.microsoft.com/office/drawing/2014/main" xmlns="" id="{A54456E0-1C77-483C-B12A-FF1F3FF06343}"/>
               </a:ext>
             </a:extLst>
           </p:cNvPr>
@@ -10787,7 +10779,7 @@
           <p:cNvPr id="19" name="직사각형 18">
             <a:extLst>
               <a:ext uri="{FF2B5EF4-FFF2-40B4-BE49-F238E27FC236}">
-                <a16:creationId xmlns="" xmlns:a16="http://schemas.microsoft.com/office/drawing/2014/main" id="{41BCC7B7-39A9-4A43-8C73-FE2CA3F652CF}"/>
+                <a16:creationId xmlns:a16="http://schemas.microsoft.com/office/drawing/2014/main" xmlns="" id="{41BCC7B7-39A9-4A43-8C73-FE2CA3F652CF}"/>
               </a:ext>
             </a:extLst>
           </p:cNvPr>
@@ -10844,7 +10836,7 @@
           <p:cNvPr id="10" name="제목 1">
             <a:extLst>
               <a:ext uri="{FF2B5EF4-FFF2-40B4-BE49-F238E27FC236}">
-                <a16:creationId xmlns="" xmlns:a16="http://schemas.microsoft.com/office/drawing/2014/main" id="{2AF7E7CD-510A-451F-AE4F-1FE80D472476}"/>
+                <a16:creationId xmlns:a16="http://schemas.microsoft.com/office/drawing/2014/main" xmlns="" id="{2AF7E7CD-510A-451F-AE4F-1FE80D472476}"/>
               </a:ext>
             </a:extLst>
           </p:cNvPr>
@@ -10911,7 +10903,7 @@
           <p:cNvPr id="9" name="슬라이드 번호 개체 틀 8">
             <a:extLst>
               <a:ext uri="{FF2B5EF4-FFF2-40B4-BE49-F238E27FC236}">
-                <a16:creationId xmlns="" xmlns:a16="http://schemas.microsoft.com/office/drawing/2014/main" id="{87A53BBF-B30B-4B1E-9BF7-988C084AEF84}"/>
+                <a16:creationId xmlns:a16="http://schemas.microsoft.com/office/drawing/2014/main" xmlns="" id="{87A53BBF-B30B-4B1E-9BF7-988C084AEF84}"/>
               </a:ext>
             </a:extLst>
           </p:cNvPr>
@@ -10940,7 +10932,7 @@
           <p:cNvPr id="11" name="내용 개체 틀 2">
             <a:extLst>
               <a:ext uri="{FF2B5EF4-FFF2-40B4-BE49-F238E27FC236}">
-                <a16:creationId xmlns="" xmlns:a16="http://schemas.microsoft.com/office/drawing/2014/main" id="{CCE24EAD-026D-407F-A9E3-40C16CA2D969}"/>
+                <a16:creationId xmlns:a16="http://schemas.microsoft.com/office/drawing/2014/main" xmlns="" id="{CCE24EAD-026D-407F-A9E3-40C16CA2D969}"/>
               </a:ext>
             </a:extLst>
           </p:cNvPr>
@@ -11265,7 +11257,7 @@
           <p:cNvPr id="14" name="직사각형 13">
             <a:extLst>
               <a:ext uri="{FF2B5EF4-FFF2-40B4-BE49-F238E27FC236}">
-                <a16:creationId xmlns="" xmlns:a16="http://schemas.microsoft.com/office/drawing/2014/main" id="{AE63793F-FA1A-4167-B2AD-02BBF5F21C73}"/>
+                <a16:creationId xmlns:a16="http://schemas.microsoft.com/office/drawing/2014/main" xmlns="" id="{AE63793F-FA1A-4167-B2AD-02BBF5F21C73}"/>
               </a:ext>
             </a:extLst>
           </p:cNvPr>
@@ -11317,7 +11309,7 @@
           <p:cNvPr id="17" name="직사각형 16">
             <a:extLst>
               <a:ext uri="{FF2B5EF4-FFF2-40B4-BE49-F238E27FC236}">
-                <a16:creationId xmlns="" xmlns:a16="http://schemas.microsoft.com/office/drawing/2014/main" id="{066DE11C-AC07-40FE-A70B-C517D5EAB114}"/>
+                <a16:creationId xmlns:a16="http://schemas.microsoft.com/office/drawing/2014/main" xmlns="" id="{066DE11C-AC07-40FE-A70B-C517D5EAB114}"/>
               </a:ext>
             </a:extLst>
           </p:cNvPr>
@@ -11369,7 +11361,7 @@
           <p:cNvPr id="16" name="직사각형 15">
             <a:extLst>
               <a:ext uri="{FF2B5EF4-FFF2-40B4-BE49-F238E27FC236}">
-                <a16:creationId xmlns="" xmlns:a16="http://schemas.microsoft.com/office/drawing/2014/main" id="{A54456E0-1C77-483C-B12A-FF1F3FF06343}"/>
+                <a16:creationId xmlns:a16="http://schemas.microsoft.com/office/drawing/2014/main" xmlns="" id="{A54456E0-1C77-483C-B12A-FF1F3FF06343}"/>
               </a:ext>
             </a:extLst>
           </p:cNvPr>
@@ -11429,7 +11421,7 @@
           <p:cNvPr id="19" name="직사각형 18">
             <a:extLst>
               <a:ext uri="{FF2B5EF4-FFF2-40B4-BE49-F238E27FC236}">
-                <a16:creationId xmlns="" xmlns:a16="http://schemas.microsoft.com/office/drawing/2014/main" id="{41BCC7B7-39A9-4A43-8C73-FE2CA3F652CF}"/>
+                <a16:creationId xmlns:a16="http://schemas.microsoft.com/office/drawing/2014/main" xmlns="" id="{41BCC7B7-39A9-4A43-8C73-FE2CA3F652CF}"/>
               </a:ext>
             </a:extLst>
           </p:cNvPr>
@@ -11486,7 +11478,7 @@
           <p:cNvPr id="10" name="제목 1">
             <a:extLst>
               <a:ext uri="{FF2B5EF4-FFF2-40B4-BE49-F238E27FC236}">
-                <a16:creationId xmlns="" xmlns:a16="http://schemas.microsoft.com/office/drawing/2014/main" id="{2AF7E7CD-510A-451F-AE4F-1FE80D472476}"/>
+                <a16:creationId xmlns:a16="http://schemas.microsoft.com/office/drawing/2014/main" xmlns="" id="{2AF7E7CD-510A-451F-AE4F-1FE80D472476}"/>
               </a:ext>
             </a:extLst>
           </p:cNvPr>
@@ -11553,7 +11545,7 @@
           <p:cNvPr id="9" name="슬라이드 번호 개체 틀 8">
             <a:extLst>
               <a:ext uri="{FF2B5EF4-FFF2-40B4-BE49-F238E27FC236}">
-                <a16:creationId xmlns="" xmlns:a16="http://schemas.microsoft.com/office/drawing/2014/main" id="{87A53BBF-B30B-4B1E-9BF7-988C084AEF84}"/>
+                <a16:creationId xmlns:a16="http://schemas.microsoft.com/office/drawing/2014/main" xmlns="" id="{87A53BBF-B30B-4B1E-9BF7-988C084AEF84}"/>
               </a:ext>
             </a:extLst>
           </p:cNvPr>
@@ -11582,7 +11574,7 @@
           <p:cNvPr id="11" name="내용 개체 틀 2">
             <a:extLst>
               <a:ext uri="{FF2B5EF4-FFF2-40B4-BE49-F238E27FC236}">
-                <a16:creationId xmlns="" xmlns:a16="http://schemas.microsoft.com/office/drawing/2014/main" id="{CCE24EAD-026D-407F-A9E3-40C16CA2D969}"/>
+                <a16:creationId xmlns:a16="http://schemas.microsoft.com/office/drawing/2014/main" xmlns="" id="{CCE24EAD-026D-407F-A9E3-40C16CA2D969}"/>
               </a:ext>
             </a:extLst>
           </p:cNvPr>
@@ -11936,7 +11928,7 @@
           <p:cNvPr id="14" name="직사각형 13">
             <a:extLst>
               <a:ext uri="{FF2B5EF4-FFF2-40B4-BE49-F238E27FC236}">
-                <a16:creationId xmlns="" xmlns:a16="http://schemas.microsoft.com/office/drawing/2014/main" id="{AE63793F-FA1A-4167-B2AD-02BBF5F21C73}"/>
+                <a16:creationId xmlns:a16="http://schemas.microsoft.com/office/drawing/2014/main" xmlns="" id="{AE63793F-FA1A-4167-B2AD-02BBF5F21C73}"/>
               </a:ext>
             </a:extLst>
           </p:cNvPr>
@@ -11988,7 +11980,7 @@
           <p:cNvPr id="17" name="직사각형 16">
             <a:extLst>
               <a:ext uri="{FF2B5EF4-FFF2-40B4-BE49-F238E27FC236}">
-                <a16:creationId xmlns="" xmlns:a16="http://schemas.microsoft.com/office/drawing/2014/main" id="{066DE11C-AC07-40FE-A70B-C517D5EAB114}"/>
+                <a16:creationId xmlns:a16="http://schemas.microsoft.com/office/drawing/2014/main" xmlns="" id="{066DE11C-AC07-40FE-A70B-C517D5EAB114}"/>
               </a:ext>
             </a:extLst>
           </p:cNvPr>
@@ -12040,7 +12032,7 @@
           <p:cNvPr id="16" name="직사각형 15">
             <a:extLst>
               <a:ext uri="{FF2B5EF4-FFF2-40B4-BE49-F238E27FC236}">
-                <a16:creationId xmlns="" xmlns:a16="http://schemas.microsoft.com/office/drawing/2014/main" id="{A54456E0-1C77-483C-B12A-FF1F3FF06343}"/>
+                <a16:creationId xmlns:a16="http://schemas.microsoft.com/office/drawing/2014/main" xmlns="" id="{A54456E0-1C77-483C-B12A-FF1F3FF06343}"/>
               </a:ext>
             </a:extLst>
           </p:cNvPr>
@@ -12100,7 +12092,7 @@
           <p:cNvPr id="19" name="직사각형 18">
             <a:extLst>
               <a:ext uri="{FF2B5EF4-FFF2-40B4-BE49-F238E27FC236}">
-                <a16:creationId xmlns="" xmlns:a16="http://schemas.microsoft.com/office/drawing/2014/main" id="{41BCC7B7-39A9-4A43-8C73-FE2CA3F652CF}"/>
+                <a16:creationId xmlns:a16="http://schemas.microsoft.com/office/drawing/2014/main" xmlns="" id="{41BCC7B7-39A9-4A43-8C73-FE2CA3F652CF}"/>
               </a:ext>
             </a:extLst>
           </p:cNvPr>
@@ -12157,7 +12149,7 @@
           <p:cNvPr id="10" name="제목 1">
             <a:extLst>
               <a:ext uri="{FF2B5EF4-FFF2-40B4-BE49-F238E27FC236}">
-                <a16:creationId xmlns="" xmlns:a16="http://schemas.microsoft.com/office/drawing/2014/main" id="{2AF7E7CD-510A-451F-AE4F-1FE80D472476}"/>
+                <a16:creationId xmlns:a16="http://schemas.microsoft.com/office/drawing/2014/main" xmlns="" id="{2AF7E7CD-510A-451F-AE4F-1FE80D472476}"/>
               </a:ext>
             </a:extLst>
           </p:cNvPr>
@@ -12224,7 +12216,7 @@
           <p:cNvPr id="9" name="슬라이드 번호 개체 틀 8">
             <a:extLst>
               <a:ext uri="{FF2B5EF4-FFF2-40B4-BE49-F238E27FC236}">
-                <a16:creationId xmlns="" xmlns:a16="http://schemas.microsoft.com/office/drawing/2014/main" id="{87A53BBF-B30B-4B1E-9BF7-988C084AEF84}"/>
+                <a16:creationId xmlns:a16="http://schemas.microsoft.com/office/drawing/2014/main" xmlns="" id="{87A53BBF-B30B-4B1E-9BF7-988C084AEF84}"/>
               </a:ext>
             </a:extLst>
           </p:cNvPr>
@@ -12253,7 +12245,7 @@
           <p:cNvPr id="11" name="내용 개체 틀 2">
             <a:extLst>
               <a:ext uri="{FF2B5EF4-FFF2-40B4-BE49-F238E27FC236}">
-                <a16:creationId xmlns="" xmlns:a16="http://schemas.microsoft.com/office/drawing/2014/main" id="{CCE24EAD-026D-407F-A9E3-40C16CA2D969}"/>
+                <a16:creationId xmlns:a16="http://schemas.microsoft.com/office/drawing/2014/main" xmlns="" id="{CCE24EAD-026D-407F-A9E3-40C16CA2D969}"/>
               </a:ext>
             </a:extLst>
           </p:cNvPr>
@@ -12615,7 +12607,7 @@
           <p:cNvPr id="14" name="직사각형 13">
             <a:extLst>
               <a:ext uri="{FF2B5EF4-FFF2-40B4-BE49-F238E27FC236}">
-                <a16:creationId xmlns="" xmlns:a16="http://schemas.microsoft.com/office/drawing/2014/main" id="{AE63793F-FA1A-4167-B2AD-02BBF5F21C73}"/>
+                <a16:creationId xmlns:a16="http://schemas.microsoft.com/office/drawing/2014/main" xmlns="" id="{AE63793F-FA1A-4167-B2AD-02BBF5F21C73}"/>
               </a:ext>
             </a:extLst>
           </p:cNvPr>
@@ -12667,7 +12659,7 @@
           <p:cNvPr id="17" name="직사각형 16">
             <a:extLst>
               <a:ext uri="{FF2B5EF4-FFF2-40B4-BE49-F238E27FC236}">
-                <a16:creationId xmlns="" xmlns:a16="http://schemas.microsoft.com/office/drawing/2014/main" id="{066DE11C-AC07-40FE-A70B-C517D5EAB114}"/>
+                <a16:creationId xmlns:a16="http://schemas.microsoft.com/office/drawing/2014/main" xmlns="" id="{066DE11C-AC07-40FE-A70B-C517D5EAB114}"/>
               </a:ext>
             </a:extLst>
           </p:cNvPr>
@@ -12719,7 +12711,7 @@
           <p:cNvPr id="16" name="직사각형 15">
             <a:extLst>
               <a:ext uri="{FF2B5EF4-FFF2-40B4-BE49-F238E27FC236}">
-                <a16:creationId xmlns="" xmlns:a16="http://schemas.microsoft.com/office/drawing/2014/main" id="{A54456E0-1C77-483C-B12A-FF1F3FF06343}"/>
+                <a16:creationId xmlns:a16="http://schemas.microsoft.com/office/drawing/2014/main" xmlns="" id="{A54456E0-1C77-483C-B12A-FF1F3FF06343}"/>
               </a:ext>
             </a:extLst>
           </p:cNvPr>
@@ -12779,7 +12771,7 @@
           <p:cNvPr id="19" name="직사각형 18">
             <a:extLst>
               <a:ext uri="{FF2B5EF4-FFF2-40B4-BE49-F238E27FC236}">
-                <a16:creationId xmlns="" xmlns:a16="http://schemas.microsoft.com/office/drawing/2014/main" id="{41BCC7B7-39A9-4A43-8C73-FE2CA3F652CF}"/>
+                <a16:creationId xmlns:a16="http://schemas.microsoft.com/office/drawing/2014/main" xmlns="" id="{41BCC7B7-39A9-4A43-8C73-FE2CA3F652CF}"/>
               </a:ext>
             </a:extLst>
           </p:cNvPr>
@@ -12836,7 +12828,7 @@
           <p:cNvPr id="10" name="제목 1">
             <a:extLst>
               <a:ext uri="{FF2B5EF4-FFF2-40B4-BE49-F238E27FC236}">
-                <a16:creationId xmlns="" xmlns:a16="http://schemas.microsoft.com/office/drawing/2014/main" id="{2AF7E7CD-510A-451F-AE4F-1FE80D472476}"/>
+                <a16:creationId xmlns:a16="http://schemas.microsoft.com/office/drawing/2014/main" xmlns="" id="{2AF7E7CD-510A-451F-AE4F-1FE80D472476}"/>
               </a:ext>
             </a:extLst>
           </p:cNvPr>
@@ -12903,7 +12895,7 @@
           <p:cNvPr id="9" name="슬라이드 번호 개체 틀 8">
             <a:extLst>
               <a:ext uri="{FF2B5EF4-FFF2-40B4-BE49-F238E27FC236}">
-                <a16:creationId xmlns="" xmlns:a16="http://schemas.microsoft.com/office/drawing/2014/main" id="{87A53BBF-B30B-4B1E-9BF7-988C084AEF84}"/>
+                <a16:creationId xmlns:a16="http://schemas.microsoft.com/office/drawing/2014/main" xmlns="" id="{87A53BBF-B30B-4B1E-9BF7-988C084AEF84}"/>
               </a:ext>
             </a:extLst>
           </p:cNvPr>
@@ -12932,7 +12924,7 @@
           <p:cNvPr id="11" name="내용 개체 틀 2">
             <a:extLst>
               <a:ext uri="{FF2B5EF4-FFF2-40B4-BE49-F238E27FC236}">
-                <a16:creationId xmlns="" xmlns:a16="http://schemas.microsoft.com/office/drawing/2014/main" id="{CCE24EAD-026D-407F-A9E3-40C16CA2D969}"/>
+                <a16:creationId xmlns:a16="http://schemas.microsoft.com/office/drawing/2014/main" xmlns="" id="{CCE24EAD-026D-407F-A9E3-40C16CA2D969}"/>
               </a:ext>
             </a:extLst>
           </p:cNvPr>
@@ -13288,7 +13280,7 @@
           <p:cNvPr id="4" name="직사각형 3">
             <a:extLst>
               <a:ext uri="{FF2B5EF4-FFF2-40B4-BE49-F238E27FC236}">
-                <a16:creationId xmlns="" xmlns:a16="http://schemas.microsoft.com/office/drawing/2014/main" id="{4FA51205-2FCE-4DE6-A449-794C095BFFA4}"/>
+                <a16:creationId xmlns:a16="http://schemas.microsoft.com/office/drawing/2014/main" xmlns="" id="{4FA51205-2FCE-4DE6-A449-794C095BFFA4}"/>
               </a:ext>
             </a:extLst>
           </p:cNvPr>
@@ -13340,7 +13332,7 @@
           <p:cNvPr id="5" name="직사각형 4">
             <a:extLst>
               <a:ext uri="{FF2B5EF4-FFF2-40B4-BE49-F238E27FC236}">
-                <a16:creationId xmlns="" xmlns:a16="http://schemas.microsoft.com/office/drawing/2014/main" id="{52F5E874-2B97-4A4F-8F40-E994DFDCDF53}"/>
+                <a16:creationId xmlns:a16="http://schemas.microsoft.com/office/drawing/2014/main" xmlns="" id="{52F5E874-2B97-4A4F-8F40-E994DFDCDF53}"/>
               </a:ext>
             </a:extLst>
           </p:cNvPr>
@@ -13400,7 +13392,7 @@
           <p:cNvPr id="3" name="내용 개체 틀 2">
             <a:extLst>
               <a:ext uri="{FF2B5EF4-FFF2-40B4-BE49-F238E27FC236}">
-                <a16:creationId xmlns="" xmlns:a16="http://schemas.microsoft.com/office/drawing/2014/main" id="{3376761F-D65D-4B7E-A630-560385515B1E}"/>
+                <a16:creationId xmlns:a16="http://schemas.microsoft.com/office/drawing/2014/main" xmlns="" id="{3376761F-D65D-4B7E-A630-560385515B1E}"/>
               </a:ext>
             </a:extLst>
           </p:cNvPr>
@@ -13536,7 +13528,7 @@
           <p:cNvPr id="6" name="직사각형 5">
             <a:extLst>
               <a:ext uri="{FF2B5EF4-FFF2-40B4-BE49-F238E27FC236}">
-                <a16:creationId xmlns="" xmlns:a16="http://schemas.microsoft.com/office/drawing/2014/main" id="{F68CDCAA-2433-461B-959A-FACD538B57CD}"/>
+                <a16:creationId xmlns:a16="http://schemas.microsoft.com/office/drawing/2014/main" xmlns="" id="{F68CDCAA-2433-461B-959A-FACD538B57CD}"/>
               </a:ext>
             </a:extLst>
           </p:cNvPr>
@@ -13588,7 +13580,7 @@
           <p:cNvPr id="7" name="직사각형 6">
             <a:extLst>
               <a:ext uri="{FF2B5EF4-FFF2-40B4-BE49-F238E27FC236}">
-                <a16:creationId xmlns="" xmlns:a16="http://schemas.microsoft.com/office/drawing/2014/main" id="{A9F4B29A-C3BF-4F25-B7EF-21FB4AF980DE}"/>
+                <a16:creationId xmlns:a16="http://schemas.microsoft.com/office/drawing/2014/main" xmlns="" id="{A9F4B29A-C3BF-4F25-B7EF-21FB4AF980DE}"/>
               </a:ext>
             </a:extLst>
           </p:cNvPr>
@@ -13645,7 +13637,7 @@
           <p:cNvPr id="8" name="제목 1">
             <a:extLst>
               <a:ext uri="{FF2B5EF4-FFF2-40B4-BE49-F238E27FC236}">
-                <a16:creationId xmlns="" xmlns:a16="http://schemas.microsoft.com/office/drawing/2014/main" id="{C684BAC9-994E-42A2-AAE3-10F441213C81}"/>
+                <a16:creationId xmlns:a16="http://schemas.microsoft.com/office/drawing/2014/main" xmlns="" id="{C684BAC9-994E-42A2-AAE3-10F441213C81}"/>
               </a:ext>
             </a:extLst>
           </p:cNvPr>
@@ -13699,7 +13691,7 @@
           <p:cNvPr id="9" name="그림 8">
             <a:extLst>
               <a:ext uri="{FF2B5EF4-FFF2-40B4-BE49-F238E27FC236}">
-                <a16:creationId xmlns="" xmlns:a16="http://schemas.microsoft.com/office/drawing/2014/main" id="{9FD74F1D-01EA-4740-9D46-4792E0E1D570}"/>
+                <a16:creationId xmlns:a16="http://schemas.microsoft.com/office/drawing/2014/main" xmlns="" id="{9FD74F1D-01EA-4740-9D46-4792E0E1D570}"/>
               </a:ext>
             </a:extLst>
           </p:cNvPr>
@@ -13777,7 +13769,7 @@
           <p:cNvPr id="14" name="직사각형 13">
             <a:extLst>
               <a:ext uri="{FF2B5EF4-FFF2-40B4-BE49-F238E27FC236}">
-                <a16:creationId xmlns="" xmlns:a16="http://schemas.microsoft.com/office/drawing/2014/main" id="{AE63793F-FA1A-4167-B2AD-02BBF5F21C73}"/>
+                <a16:creationId xmlns:a16="http://schemas.microsoft.com/office/drawing/2014/main" xmlns="" id="{AE63793F-FA1A-4167-B2AD-02BBF5F21C73}"/>
               </a:ext>
             </a:extLst>
           </p:cNvPr>
@@ -13829,7 +13821,7 @@
           <p:cNvPr id="17" name="직사각형 16">
             <a:extLst>
               <a:ext uri="{FF2B5EF4-FFF2-40B4-BE49-F238E27FC236}">
-                <a16:creationId xmlns="" xmlns:a16="http://schemas.microsoft.com/office/drawing/2014/main" id="{066DE11C-AC07-40FE-A70B-C517D5EAB114}"/>
+                <a16:creationId xmlns:a16="http://schemas.microsoft.com/office/drawing/2014/main" xmlns="" id="{066DE11C-AC07-40FE-A70B-C517D5EAB114}"/>
               </a:ext>
             </a:extLst>
           </p:cNvPr>
@@ -13881,7 +13873,7 @@
           <p:cNvPr id="16" name="직사각형 15">
             <a:extLst>
               <a:ext uri="{FF2B5EF4-FFF2-40B4-BE49-F238E27FC236}">
-                <a16:creationId xmlns="" xmlns:a16="http://schemas.microsoft.com/office/drawing/2014/main" id="{A54456E0-1C77-483C-B12A-FF1F3FF06343}"/>
+                <a16:creationId xmlns:a16="http://schemas.microsoft.com/office/drawing/2014/main" xmlns="" id="{A54456E0-1C77-483C-B12A-FF1F3FF06343}"/>
               </a:ext>
             </a:extLst>
           </p:cNvPr>
@@ -13941,7 +13933,7 @@
           <p:cNvPr id="19" name="직사각형 18">
             <a:extLst>
               <a:ext uri="{FF2B5EF4-FFF2-40B4-BE49-F238E27FC236}">
-                <a16:creationId xmlns="" xmlns:a16="http://schemas.microsoft.com/office/drawing/2014/main" id="{41BCC7B7-39A9-4A43-8C73-FE2CA3F652CF}"/>
+                <a16:creationId xmlns:a16="http://schemas.microsoft.com/office/drawing/2014/main" xmlns="" id="{41BCC7B7-39A9-4A43-8C73-FE2CA3F652CF}"/>
               </a:ext>
             </a:extLst>
           </p:cNvPr>
@@ -13998,7 +13990,7 @@
           <p:cNvPr id="10" name="제목 1">
             <a:extLst>
               <a:ext uri="{FF2B5EF4-FFF2-40B4-BE49-F238E27FC236}">
-                <a16:creationId xmlns="" xmlns:a16="http://schemas.microsoft.com/office/drawing/2014/main" id="{2AF7E7CD-510A-451F-AE4F-1FE80D472476}"/>
+                <a16:creationId xmlns:a16="http://schemas.microsoft.com/office/drawing/2014/main" xmlns="" id="{2AF7E7CD-510A-451F-AE4F-1FE80D472476}"/>
               </a:ext>
             </a:extLst>
           </p:cNvPr>
@@ -14065,7 +14057,7 @@
           <p:cNvPr id="9" name="슬라이드 번호 개체 틀 8">
             <a:extLst>
               <a:ext uri="{FF2B5EF4-FFF2-40B4-BE49-F238E27FC236}">
-                <a16:creationId xmlns="" xmlns:a16="http://schemas.microsoft.com/office/drawing/2014/main" id="{87A53BBF-B30B-4B1E-9BF7-988C084AEF84}"/>
+                <a16:creationId xmlns:a16="http://schemas.microsoft.com/office/drawing/2014/main" xmlns="" id="{87A53BBF-B30B-4B1E-9BF7-988C084AEF84}"/>
               </a:ext>
             </a:extLst>
           </p:cNvPr>
@@ -14094,7 +14086,7 @@
           <p:cNvPr id="11" name="내용 개체 틀 2">
             <a:extLst>
               <a:ext uri="{FF2B5EF4-FFF2-40B4-BE49-F238E27FC236}">
-                <a16:creationId xmlns="" xmlns:a16="http://schemas.microsoft.com/office/drawing/2014/main" id="{CCE24EAD-026D-407F-A9E3-40C16CA2D969}"/>
+                <a16:creationId xmlns:a16="http://schemas.microsoft.com/office/drawing/2014/main" xmlns="" id="{CCE24EAD-026D-407F-A9E3-40C16CA2D969}"/>
               </a:ext>
             </a:extLst>
           </p:cNvPr>
@@ -14437,7 +14429,7 @@
           <p:cNvPr id="14" name="직사각형 13">
             <a:extLst>
               <a:ext uri="{FF2B5EF4-FFF2-40B4-BE49-F238E27FC236}">
-                <a16:creationId xmlns="" xmlns:a16="http://schemas.microsoft.com/office/drawing/2014/main" id="{AE63793F-FA1A-4167-B2AD-02BBF5F21C73}"/>
+                <a16:creationId xmlns:a16="http://schemas.microsoft.com/office/drawing/2014/main" xmlns="" id="{AE63793F-FA1A-4167-B2AD-02BBF5F21C73}"/>
               </a:ext>
             </a:extLst>
           </p:cNvPr>
@@ -14489,7 +14481,7 @@
           <p:cNvPr id="17" name="직사각형 16">
             <a:extLst>
               <a:ext uri="{FF2B5EF4-FFF2-40B4-BE49-F238E27FC236}">
-                <a16:creationId xmlns="" xmlns:a16="http://schemas.microsoft.com/office/drawing/2014/main" id="{066DE11C-AC07-40FE-A70B-C517D5EAB114}"/>
+                <a16:creationId xmlns:a16="http://schemas.microsoft.com/office/drawing/2014/main" xmlns="" id="{066DE11C-AC07-40FE-A70B-C517D5EAB114}"/>
               </a:ext>
             </a:extLst>
           </p:cNvPr>
@@ -14541,7 +14533,7 @@
           <p:cNvPr id="16" name="직사각형 15">
             <a:extLst>
               <a:ext uri="{FF2B5EF4-FFF2-40B4-BE49-F238E27FC236}">
-                <a16:creationId xmlns="" xmlns:a16="http://schemas.microsoft.com/office/drawing/2014/main" id="{A54456E0-1C77-483C-B12A-FF1F3FF06343}"/>
+                <a16:creationId xmlns:a16="http://schemas.microsoft.com/office/drawing/2014/main" xmlns="" id="{A54456E0-1C77-483C-B12A-FF1F3FF06343}"/>
               </a:ext>
             </a:extLst>
           </p:cNvPr>
@@ -14601,7 +14593,7 @@
           <p:cNvPr id="19" name="직사각형 18">
             <a:extLst>
               <a:ext uri="{FF2B5EF4-FFF2-40B4-BE49-F238E27FC236}">
-                <a16:creationId xmlns="" xmlns:a16="http://schemas.microsoft.com/office/drawing/2014/main" id="{41BCC7B7-39A9-4A43-8C73-FE2CA3F652CF}"/>
+                <a16:creationId xmlns:a16="http://schemas.microsoft.com/office/drawing/2014/main" xmlns="" id="{41BCC7B7-39A9-4A43-8C73-FE2CA3F652CF}"/>
               </a:ext>
             </a:extLst>
           </p:cNvPr>
@@ -14658,7 +14650,7 @@
           <p:cNvPr id="10" name="제목 1">
             <a:extLst>
               <a:ext uri="{FF2B5EF4-FFF2-40B4-BE49-F238E27FC236}">
-                <a16:creationId xmlns="" xmlns:a16="http://schemas.microsoft.com/office/drawing/2014/main" id="{2AF7E7CD-510A-451F-AE4F-1FE80D472476}"/>
+                <a16:creationId xmlns:a16="http://schemas.microsoft.com/office/drawing/2014/main" xmlns="" id="{2AF7E7CD-510A-451F-AE4F-1FE80D472476}"/>
               </a:ext>
             </a:extLst>
           </p:cNvPr>
@@ -14725,7 +14717,7 @@
           <p:cNvPr id="9" name="슬라이드 번호 개체 틀 8">
             <a:extLst>
               <a:ext uri="{FF2B5EF4-FFF2-40B4-BE49-F238E27FC236}">
-                <a16:creationId xmlns="" xmlns:a16="http://schemas.microsoft.com/office/drawing/2014/main" id="{87A53BBF-B30B-4B1E-9BF7-988C084AEF84}"/>
+                <a16:creationId xmlns:a16="http://schemas.microsoft.com/office/drawing/2014/main" xmlns="" id="{87A53BBF-B30B-4B1E-9BF7-988C084AEF84}"/>
               </a:ext>
             </a:extLst>
           </p:cNvPr>
@@ -14754,7 +14746,7 @@
           <p:cNvPr id="11" name="내용 개체 틀 2">
             <a:extLst>
               <a:ext uri="{FF2B5EF4-FFF2-40B4-BE49-F238E27FC236}">
-                <a16:creationId xmlns="" xmlns:a16="http://schemas.microsoft.com/office/drawing/2014/main" id="{CCE24EAD-026D-407F-A9E3-40C16CA2D969}"/>
+                <a16:creationId xmlns:a16="http://schemas.microsoft.com/office/drawing/2014/main" xmlns="" id="{CCE24EAD-026D-407F-A9E3-40C16CA2D969}"/>
               </a:ext>
             </a:extLst>
           </p:cNvPr>
@@ -15155,7 +15147,7 @@
           <p:cNvPr id="14" name="직사각형 13">
             <a:extLst>
               <a:ext uri="{FF2B5EF4-FFF2-40B4-BE49-F238E27FC236}">
-                <a16:creationId xmlns="" xmlns:a16="http://schemas.microsoft.com/office/drawing/2014/main" id="{AE63793F-FA1A-4167-B2AD-02BBF5F21C73}"/>
+                <a16:creationId xmlns:a16="http://schemas.microsoft.com/office/drawing/2014/main" xmlns="" id="{AE63793F-FA1A-4167-B2AD-02BBF5F21C73}"/>
               </a:ext>
             </a:extLst>
           </p:cNvPr>
@@ -15207,7 +15199,7 @@
           <p:cNvPr id="17" name="직사각형 16">
             <a:extLst>
               <a:ext uri="{FF2B5EF4-FFF2-40B4-BE49-F238E27FC236}">
-                <a16:creationId xmlns="" xmlns:a16="http://schemas.microsoft.com/office/drawing/2014/main" id="{066DE11C-AC07-40FE-A70B-C517D5EAB114}"/>
+                <a16:creationId xmlns:a16="http://schemas.microsoft.com/office/drawing/2014/main" xmlns="" id="{066DE11C-AC07-40FE-A70B-C517D5EAB114}"/>
               </a:ext>
             </a:extLst>
           </p:cNvPr>
@@ -15259,7 +15251,7 @@
           <p:cNvPr id="16" name="직사각형 15">
             <a:extLst>
               <a:ext uri="{FF2B5EF4-FFF2-40B4-BE49-F238E27FC236}">
-                <a16:creationId xmlns="" xmlns:a16="http://schemas.microsoft.com/office/drawing/2014/main" id="{A54456E0-1C77-483C-B12A-FF1F3FF06343}"/>
+                <a16:creationId xmlns:a16="http://schemas.microsoft.com/office/drawing/2014/main" xmlns="" id="{A54456E0-1C77-483C-B12A-FF1F3FF06343}"/>
               </a:ext>
             </a:extLst>
           </p:cNvPr>
@@ -15319,7 +15311,7 @@
           <p:cNvPr id="19" name="직사각형 18">
             <a:extLst>
               <a:ext uri="{FF2B5EF4-FFF2-40B4-BE49-F238E27FC236}">
-                <a16:creationId xmlns="" xmlns:a16="http://schemas.microsoft.com/office/drawing/2014/main" id="{41BCC7B7-39A9-4A43-8C73-FE2CA3F652CF}"/>
+                <a16:creationId xmlns:a16="http://schemas.microsoft.com/office/drawing/2014/main" xmlns="" id="{41BCC7B7-39A9-4A43-8C73-FE2CA3F652CF}"/>
               </a:ext>
             </a:extLst>
           </p:cNvPr>
@@ -15376,7 +15368,7 @@
           <p:cNvPr id="10" name="제목 1">
             <a:extLst>
               <a:ext uri="{FF2B5EF4-FFF2-40B4-BE49-F238E27FC236}">
-                <a16:creationId xmlns="" xmlns:a16="http://schemas.microsoft.com/office/drawing/2014/main" id="{2AF7E7CD-510A-451F-AE4F-1FE80D472476}"/>
+                <a16:creationId xmlns:a16="http://schemas.microsoft.com/office/drawing/2014/main" xmlns="" id="{2AF7E7CD-510A-451F-AE4F-1FE80D472476}"/>
               </a:ext>
             </a:extLst>
           </p:cNvPr>
@@ -15443,7 +15435,7 @@
           <p:cNvPr id="9" name="슬라이드 번호 개체 틀 8">
             <a:extLst>
               <a:ext uri="{FF2B5EF4-FFF2-40B4-BE49-F238E27FC236}">
-                <a16:creationId xmlns="" xmlns:a16="http://schemas.microsoft.com/office/drawing/2014/main" id="{87A53BBF-B30B-4B1E-9BF7-988C084AEF84}"/>
+                <a16:creationId xmlns:a16="http://schemas.microsoft.com/office/drawing/2014/main" xmlns="" id="{87A53BBF-B30B-4B1E-9BF7-988C084AEF84}"/>
               </a:ext>
             </a:extLst>
           </p:cNvPr>
@@ -15472,7 +15464,7 @@
           <p:cNvPr id="11" name="내용 개체 틀 2">
             <a:extLst>
               <a:ext uri="{FF2B5EF4-FFF2-40B4-BE49-F238E27FC236}">
-                <a16:creationId xmlns="" xmlns:a16="http://schemas.microsoft.com/office/drawing/2014/main" id="{CCE24EAD-026D-407F-A9E3-40C16CA2D969}"/>
+                <a16:creationId xmlns:a16="http://schemas.microsoft.com/office/drawing/2014/main" xmlns="" id="{CCE24EAD-026D-407F-A9E3-40C16CA2D969}"/>
               </a:ext>
             </a:extLst>
           </p:cNvPr>
@@ -15968,7 +15960,7 @@
           <p:cNvPr id="14" name="직사각형 13">
             <a:extLst>
               <a:ext uri="{FF2B5EF4-FFF2-40B4-BE49-F238E27FC236}">
-                <a16:creationId xmlns="" xmlns:a16="http://schemas.microsoft.com/office/drawing/2014/main" id="{AE63793F-FA1A-4167-B2AD-02BBF5F21C73}"/>
+                <a16:creationId xmlns:a16="http://schemas.microsoft.com/office/drawing/2014/main" xmlns="" id="{AE63793F-FA1A-4167-B2AD-02BBF5F21C73}"/>
               </a:ext>
             </a:extLst>
           </p:cNvPr>
@@ -16020,7 +16012,7 @@
           <p:cNvPr id="17" name="직사각형 16">
             <a:extLst>
               <a:ext uri="{FF2B5EF4-FFF2-40B4-BE49-F238E27FC236}">
-                <a16:creationId xmlns="" xmlns:a16="http://schemas.microsoft.com/office/drawing/2014/main" id="{066DE11C-AC07-40FE-A70B-C517D5EAB114}"/>
+                <a16:creationId xmlns:a16="http://schemas.microsoft.com/office/drawing/2014/main" xmlns="" id="{066DE11C-AC07-40FE-A70B-C517D5EAB114}"/>
               </a:ext>
             </a:extLst>
           </p:cNvPr>
@@ -16072,7 +16064,7 @@
           <p:cNvPr id="16" name="직사각형 15">
             <a:extLst>
               <a:ext uri="{FF2B5EF4-FFF2-40B4-BE49-F238E27FC236}">
-                <a16:creationId xmlns="" xmlns:a16="http://schemas.microsoft.com/office/drawing/2014/main" id="{A54456E0-1C77-483C-B12A-FF1F3FF06343}"/>
+                <a16:creationId xmlns:a16="http://schemas.microsoft.com/office/drawing/2014/main" xmlns="" id="{A54456E0-1C77-483C-B12A-FF1F3FF06343}"/>
               </a:ext>
             </a:extLst>
           </p:cNvPr>
@@ -16132,7 +16124,7 @@
           <p:cNvPr id="19" name="직사각형 18">
             <a:extLst>
               <a:ext uri="{FF2B5EF4-FFF2-40B4-BE49-F238E27FC236}">
-                <a16:creationId xmlns="" xmlns:a16="http://schemas.microsoft.com/office/drawing/2014/main" id="{41BCC7B7-39A9-4A43-8C73-FE2CA3F652CF}"/>
+                <a16:creationId xmlns:a16="http://schemas.microsoft.com/office/drawing/2014/main" xmlns="" id="{41BCC7B7-39A9-4A43-8C73-FE2CA3F652CF}"/>
               </a:ext>
             </a:extLst>
           </p:cNvPr>
@@ -16189,7 +16181,7 @@
           <p:cNvPr id="10" name="제목 1">
             <a:extLst>
               <a:ext uri="{FF2B5EF4-FFF2-40B4-BE49-F238E27FC236}">
-                <a16:creationId xmlns="" xmlns:a16="http://schemas.microsoft.com/office/drawing/2014/main" id="{2AF7E7CD-510A-451F-AE4F-1FE80D472476}"/>
+                <a16:creationId xmlns:a16="http://schemas.microsoft.com/office/drawing/2014/main" xmlns="" id="{2AF7E7CD-510A-451F-AE4F-1FE80D472476}"/>
               </a:ext>
             </a:extLst>
           </p:cNvPr>
@@ -16256,7 +16248,7 @@
           <p:cNvPr id="9" name="슬라이드 번호 개체 틀 8">
             <a:extLst>
               <a:ext uri="{FF2B5EF4-FFF2-40B4-BE49-F238E27FC236}">
-                <a16:creationId xmlns="" xmlns:a16="http://schemas.microsoft.com/office/drawing/2014/main" id="{87A53BBF-B30B-4B1E-9BF7-988C084AEF84}"/>
+                <a16:creationId xmlns:a16="http://schemas.microsoft.com/office/drawing/2014/main" xmlns="" id="{87A53BBF-B30B-4B1E-9BF7-988C084AEF84}"/>
               </a:ext>
             </a:extLst>
           </p:cNvPr>
@@ -16285,7 +16277,7 @@
           <p:cNvPr id="11" name="내용 개체 틀 2">
             <a:extLst>
               <a:ext uri="{FF2B5EF4-FFF2-40B4-BE49-F238E27FC236}">
-                <a16:creationId xmlns="" xmlns:a16="http://schemas.microsoft.com/office/drawing/2014/main" id="{CCE24EAD-026D-407F-A9E3-40C16CA2D969}"/>
+                <a16:creationId xmlns:a16="http://schemas.microsoft.com/office/drawing/2014/main" xmlns="" id="{CCE24EAD-026D-407F-A9E3-40C16CA2D969}"/>
               </a:ext>
             </a:extLst>
           </p:cNvPr>
@@ -16333,11 +16325,7 @@
             </a:pPr>
             <a:r>
               <a:rPr lang="en-US" altLang="ko-KR" sz="1800" smtClean="0"/>
-              <a:t>5.2.3 </a:t>
-            </a:r>
-            <a:r>
-              <a:rPr lang="en-US" altLang="ko-KR" sz="1800" smtClean="0"/>
-              <a:t>CamDetailsFragment</a:t>
+              <a:t>5.2.3 CamDetailsFragment</a:t>
             </a:r>
             <a:endParaRPr lang="en-US" altLang="ko-KR" sz="1800"/>
           </a:p>
@@ -16570,7 +16558,7 @@
           <p:cNvPr id="14" name="직사각형 13">
             <a:extLst>
               <a:ext uri="{FF2B5EF4-FFF2-40B4-BE49-F238E27FC236}">
-                <a16:creationId xmlns="" xmlns:a16="http://schemas.microsoft.com/office/drawing/2014/main" id="{AE63793F-FA1A-4167-B2AD-02BBF5F21C73}"/>
+                <a16:creationId xmlns:a16="http://schemas.microsoft.com/office/drawing/2014/main" xmlns="" id="{AE63793F-FA1A-4167-B2AD-02BBF5F21C73}"/>
               </a:ext>
             </a:extLst>
           </p:cNvPr>
@@ -16622,7 +16610,7 @@
           <p:cNvPr id="17" name="직사각형 16">
             <a:extLst>
               <a:ext uri="{FF2B5EF4-FFF2-40B4-BE49-F238E27FC236}">
-                <a16:creationId xmlns="" xmlns:a16="http://schemas.microsoft.com/office/drawing/2014/main" id="{066DE11C-AC07-40FE-A70B-C517D5EAB114}"/>
+                <a16:creationId xmlns:a16="http://schemas.microsoft.com/office/drawing/2014/main" xmlns="" id="{066DE11C-AC07-40FE-A70B-C517D5EAB114}"/>
               </a:ext>
             </a:extLst>
           </p:cNvPr>
@@ -16674,7 +16662,7 @@
           <p:cNvPr id="16" name="직사각형 15">
             <a:extLst>
               <a:ext uri="{FF2B5EF4-FFF2-40B4-BE49-F238E27FC236}">
-                <a16:creationId xmlns="" xmlns:a16="http://schemas.microsoft.com/office/drawing/2014/main" id="{A54456E0-1C77-483C-B12A-FF1F3FF06343}"/>
+                <a16:creationId xmlns:a16="http://schemas.microsoft.com/office/drawing/2014/main" xmlns="" id="{A54456E0-1C77-483C-B12A-FF1F3FF06343}"/>
               </a:ext>
             </a:extLst>
           </p:cNvPr>
@@ -16734,7 +16722,7 @@
           <p:cNvPr id="19" name="직사각형 18">
             <a:extLst>
               <a:ext uri="{FF2B5EF4-FFF2-40B4-BE49-F238E27FC236}">
-                <a16:creationId xmlns="" xmlns:a16="http://schemas.microsoft.com/office/drawing/2014/main" id="{41BCC7B7-39A9-4A43-8C73-FE2CA3F652CF}"/>
+                <a16:creationId xmlns:a16="http://schemas.microsoft.com/office/drawing/2014/main" xmlns="" id="{41BCC7B7-39A9-4A43-8C73-FE2CA3F652CF}"/>
               </a:ext>
             </a:extLst>
           </p:cNvPr>
@@ -16791,7 +16779,7 @@
           <p:cNvPr id="10" name="제목 1">
             <a:extLst>
               <a:ext uri="{FF2B5EF4-FFF2-40B4-BE49-F238E27FC236}">
-                <a16:creationId xmlns="" xmlns:a16="http://schemas.microsoft.com/office/drawing/2014/main" id="{2AF7E7CD-510A-451F-AE4F-1FE80D472476}"/>
+                <a16:creationId xmlns:a16="http://schemas.microsoft.com/office/drawing/2014/main" xmlns="" id="{2AF7E7CD-510A-451F-AE4F-1FE80D472476}"/>
               </a:ext>
             </a:extLst>
           </p:cNvPr>
@@ -16858,7 +16846,7 @@
           <p:cNvPr id="9" name="슬라이드 번호 개체 틀 8">
             <a:extLst>
               <a:ext uri="{FF2B5EF4-FFF2-40B4-BE49-F238E27FC236}">
-                <a16:creationId xmlns="" xmlns:a16="http://schemas.microsoft.com/office/drawing/2014/main" id="{87A53BBF-B30B-4B1E-9BF7-988C084AEF84}"/>
+                <a16:creationId xmlns:a16="http://schemas.microsoft.com/office/drawing/2014/main" xmlns="" id="{87A53BBF-B30B-4B1E-9BF7-988C084AEF84}"/>
               </a:ext>
             </a:extLst>
           </p:cNvPr>
@@ -16887,7 +16875,7 @@
           <p:cNvPr id="11" name="내용 개체 틀 2">
             <a:extLst>
               <a:ext uri="{FF2B5EF4-FFF2-40B4-BE49-F238E27FC236}">
-                <a16:creationId xmlns="" xmlns:a16="http://schemas.microsoft.com/office/drawing/2014/main" id="{CCE24EAD-026D-407F-A9E3-40C16CA2D969}"/>
+                <a16:creationId xmlns:a16="http://schemas.microsoft.com/office/drawing/2014/main" xmlns="" id="{CCE24EAD-026D-407F-A9E3-40C16CA2D969}"/>
               </a:ext>
             </a:extLst>
           </p:cNvPr>
@@ -17328,7 +17316,7 @@
           <p:cNvPr id="14" name="직사각형 13">
             <a:extLst>
               <a:ext uri="{FF2B5EF4-FFF2-40B4-BE49-F238E27FC236}">
-                <a16:creationId xmlns="" xmlns:a16="http://schemas.microsoft.com/office/drawing/2014/main" id="{AE63793F-FA1A-4167-B2AD-02BBF5F21C73}"/>
+                <a16:creationId xmlns:a16="http://schemas.microsoft.com/office/drawing/2014/main" xmlns="" id="{AE63793F-FA1A-4167-B2AD-02BBF5F21C73}"/>
               </a:ext>
             </a:extLst>
           </p:cNvPr>
@@ -17380,7 +17368,7 @@
           <p:cNvPr id="17" name="직사각형 16">
             <a:extLst>
               <a:ext uri="{FF2B5EF4-FFF2-40B4-BE49-F238E27FC236}">
-                <a16:creationId xmlns="" xmlns:a16="http://schemas.microsoft.com/office/drawing/2014/main" id="{066DE11C-AC07-40FE-A70B-C517D5EAB114}"/>
+                <a16:creationId xmlns:a16="http://schemas.microsoft.com/office/drawing/2014/main" xmlns="" id="{066DE11C-AC07-40FE-A70B-C517D5EAB114}"/>
               </a:ext>
             </a:extLst>
           </p:cNvPr>
@@ -17432,7 +17420,7 @@
           <p:cNvPr id="16" name="직사각형 15">
             <a:extLst>
               <a:ext uri="{FF2B5EF4-FFF2-40B4-BE49-F238E27FC236}">
-                <a16:creationId xmlns="" xmlns:a16="http://schemas.microsoft.com/office/drawing/2014/main" id="{A54456E0-1C77-483C-B12A-FF1F3FF06343}"/>
+                <a16:creationId xmlns:a16="http://schemas.microsoft.com/office/drawing/2014/main" xmlns="" id="{A54456E0-1C77-483C-B12A-FF1F3FF06343}"/>
               </a:ext>
             </a:extLst>
           </p:cNvPr>
@@ -17492,7 +17480,7 @@
           <p:cNvPr id="19" name="직사각형 18">
             <a:extLst>
               <a:ext uri="{FF2B5EF4-FFF2-40B4-BE49-F238E27FC236}">
-                <a16:creationId xmlns="" xmlns:a16="http://schemas.microsoft.com/office/drawing/2014/main" id="{41BCC7B7-39A9-4A43-8C73-FE2CA3F652CF}"/>
+                <a16:creationId xmlns:a16="http://schemas.microsoft.com/office/drawing/2014/main" xmlns="" id="{41BCC7B7-39A9-4A43-8C73-FE2CA3F652CF}"/>
               </a:ext>
             </a:extLst>
           </p:cNvPr>
@@ -17549,7 +17537,7 @@
           <p:cNvPr id="10" name="제목 1">
             <a:extLst>
               <a:ext uri="{FF2B5EF4-FFF2-40B4-BE49-F238E27FC236}">
-                <a16:creationId xmlns="" xmlns:a16="http://schemas.microsoft.com/office/drawing/2014/main" id="{2AF7E7CD-510A-451F-AE4F-1FE80D472476}"/>
+                <a16:creationId xmlns:a16="http://schemas.microsoft.com/office/drawing/2014/main" xmlns="" id="{2AF7E7CD-510A-451F-AE4F-1FE80D472476}"/>
               </a:ext>
             </a:extLst>
           </p:cNvPr>
@@ -17616,7 +17604,7 @@
           <p:cNvPr id="9" name="슬라이드 번호 개체 틀 8">
             <a:extLst>
               <a:ext uri="{FF2B5EF4-FFF2-40B4-BE49-F238E27FC236}">
-                <a16:creationId xmlns="" xmlns:a16="http://schemas.microsoft.com/office/drawing/2014/main" id="{87A53BBF-B30B-4B1E-9BF7-988C084AEF84}"/>
+                <a16:creationId xmlns:a16="http://schemas.microsoft.com/office/drawing/2014/main" xmlns="" id="{87A53BBF-B30B-4B1E-9BF7-988C084AEF84}"/>
               </a:ext>
             </a:extLst>
           </p:cNvPr>
@@ -17645,7 +17633,7 @@
           <p:cNvPr id="11" name="내용 개체 틀 2">
             <a:extLst>
               <a:ext uri="{FF2B5EF4-FFF2-40B4-BE49-F238E27FC236}">
-                <a16:creationId xmlns="" xmlns:a16="http://schemas.microsoft.com/office/drawing/2014/main" id="{CCE24EAD-026D-407F-A9E3-40C16CA2D969}"/>
+                <a16:creationId xmlns:a16="http://schemas.microsoft.com/office/drawing/2014/main" xmlns="" id="{CCE24EAD-026D-407F-A9E3-40C16CA2D969}"/>
               </a:ext>
             </a:extLst>
           </p:cNvPr>
@@ -18169,7 +18157,7 @@
           <p:cNvPr id="14" name="직사각형 13">
             <a:extLst>
               <a:ext uri="{FF2B5EF4-FFF2-40B4-BE49-F238E27FC236}">
-                <a16:creationId xmlns="" xmlns:a16="http://schemas.microsoft.com/office/drawing/2014/main" id="{AE63793F-FA1A-4167-B2AD-02BBF5F21C73}"/>
+                <a16:creationId xmlns:a16="http://schemas.microsoft.com/office/drawing/2014/main" xmlns="" id="{AE63793F-FA1A-4167-B2AD-02BBF5F21C73}"/>
               </a:ext>
             </a:extLst>
           </p:cNvPr>
@@ -18221,7 +18209,7 @@
           <p:cNvPr id="17" name="직사각형 16">
             <a:extLst>
               <a:ext uri="{FF2B5EF4-FFF2-40B4-BE49-F238E27FC236}">
-                <a16:creationId xmlns="" xmlns:a16="http://schemas.microsoft.com/office/drawing/2014/main" id="{066DE11C-AC07-40FE-A70B-C517D5EAB114}"/>
+                <a16:creationId xmlns:a16="http://schemas.microsoft.com/office/drawing/2014/main" xmlns="" id="{066DE11C-AC07-40FE-A70B-C517D5EAB114}"/>
               </a:ext>
             </a:extLst>
           </p:cNvPr>
@@ -18273,7 +18261,7 @@
           <p:cNvPr id="16" name="직사각형 15">
             <a:extLst>
               <a:ext uri="{FF2B5EF4-FFF2-40B4-BE49-F238E27FC236}">
-                <a16:creationId xmlns="" xmlns:a16="http://schemas.microsoft.com/office/drawing/2014/main" id="{A54456E0-1C77-483C-B12A-FF1F3FF06343}"/>
+                <a16:creationId xmlns:a16="http://schemas.microsoft.com/office/drawing/2014/main" xmlns="" id="{A54456E0-1C77-483C-B12A-FF1F3FF06343}"/>
               </a:ext>
             </a:extLst>
           </p:cNvPr>
@@ -18333,7 +18321,7 @@
           <p:cNvPr id="19" name="직사각형 18">
             <a:extLst>
               <a:ext uri="{FF2B5EF4-FFF2-40B4-BE49-F238E27FC236}">
-                <a16:creationId xmlns="" xmlns:a16="http://schemas.microsoft.com/office/drawing/2014/main" id="{41BCC7B7-39A9-4A43-8C73-FE2CA3F652CF}"/>
+                <a16:creationId xmlns:a16="http://schemas.microsoft.com/office/drawing/2014/main" xmlns="" id="{41BCC7B7-39A9-4A43-8C73-FE2CA3F652CF}"/>
               </a:ext>
             </a:extLst>
           </p:cNvPr>
@@ -18390,7 +18378,7 @@
           <p:cNvPr id="10" name="제목 1">
             <a:extLst>
               <a:ext uri="{FF2B5EF4-FFF2-40B4-BE49-F238E27FC236}">
-                <a16:creationId xmlns="" xmlns:a16="http://schemas.microsoft.com/office/drawing/2014/main" id="{2AF7E7CD-510A-451F-AE4F-1FE80D472476}"/>
+                <a16:creationId xmlns:a16="http://schemas.microsoft.com/office/drawing/2014/main" xmlns="" id="{2AF7E7CD-510A-451F-AE4F-1FE80D472476}"/>
               </a:ext>
             </a:extLst>
           </p:cNvPr>
@@ -18452,7 +18440,7 @@
           <p:cNvPr id="9" name="내용 개체 틀 2">
             <a:extLst>
               <a:ext uri="{FF2B5EF4-FFF2-40B4-BE49-F238E27FC236}">
-                <a16:creationId xmlns="" xmlns:a16="http://schemas.microsoft.com/office/drawing/2014/main" id="{CCE24EAD-026D-407F-A9E3-40C16CA2D969}"/>
+                <a16:creationId xmlns:a16="http://schemas.microsoft.com/office/drawing/2014/main" xmlns="" id="{CCE24EAD-026D-407F-A9E3-40C16CA2D969}"/>
               </a:ext>
             </a:extLst>
           </p:cNvPr>
@@ -18511,7 +18499,7 @@
           <p:cNvPr id="3" name="슬라이드 번호 개체 틀 2">
             <a:extLst>
               <a:ext uri="{FF2B5EF4-FFF2-40B4-BE49-F238E27FC236}">
-                <a16:creationId xmlns="" xmlns:a16="http://schemas.microsoft.com/office/drawing/2014/main" id="{31D1AC2C-13D7-45D9-8BB1-D0A839443EA4}"/>
+                <a16:creationId xmlns:a16="http://schemas.microsoft.com/office/drawing/2014/main" xmlns="" id="{31D1AC2C-13D7-45D9-8BB1-D0A839443EA4}"/>
               </a:ext>
             </a:extLst>
           </p:cNvPr>
@@ -18540,7 +18528,7 @@
           <p:cNvPr id="13" name="Google Shape;103;p21">
             <a:extLst>
               <a:ext uri="{FF2B5EF4-FFF2-40B4-BE49-F238E27FC236}">
-                <a16:creationId xmlns="" xmlns:a16="http://schemas.microsoft.com/office/drawing/2014/main" id="{E6D727F9-A517-4DAA-AC3D-D8158DD83B7B}"/>
+                <a16:creationId xmlns:a16="http://schemas.microsoft.com/office/drawing/2014/main" xmlns="" id="{E6D727F9-A517-4DAA-AC3D-D8158DD83B7B}"/>
               </a:ext>
             </a:extLst>
           </p:cNvPr>
@@ -18840,7 +18828,7 @@
           <p:cNvPr id="12" name="Picture 8" descr="23 Security Camera Icon - Icon Logo Design">
             <a:extLst>
               <a:ext uri="{FF2B5EF4-FFF2-40B4-BE49-F238E27FC236}">
-                <a16:creationId xmlns="" xmlns:a16="http://schemas.microsoft.com/office/drawing/2014/main" id="{35B902D7-BF0D-4F3B-A666-3C65F4100151}"/>
+                <a16:creationId xmlns:a16="http://schemas.microsoft.com/office/drawing/2014/main" xmlns="" id="{35B902D7-BF0D-4F3B-A666-3C65F4100151}"/>
               </a:ext>
             </a:extLst>
           </p:cNvPr>
@@ -18887,7 +18875,7 @@
           <p:cNvPr id="20" name="Google Shape;103;p21">
             <a:extLst>
               <a:ext uri="{FF2B5EF4-FFF2-40B4-BE49-F238E27FC236}">
-                <a16:creationId xmlns="" xmlns:a16="http://schemas.microsoft.com/office/drawing/2014/main" id="{23441A46-886D-4B5E-B7EF-D350A8909BF3}"/>
+                <a16:creationId xmlns:a16="http://schemas.microsoft.com/office/drawing/2014/main" xmlns="" id="{23441A46-886D-4B5E-B7EF-D350A8909BF3}"/>
               </a:ext>
             </a:extLst>
           </p:cNvPr>
@@ -19200,7 +19188,7 @@
           <p:cNvPr id="21" name="Picture 2" descr="Android Oreo | Android Developers">
             <a:extLst>
               <a:ext uri="{FF2B5EF4-FFF2-40B4-BE49-F238E27FC236}">
-                <a16:creationId xmlns="" xmlns:a16="http://schemas.microsoft.com/office/drawing/2014/main" id="{04678D2A-B439-41D1-BCD6-0796FC250D80}"/>
+                <a16:creationId xmlns:a16="http://schemas.microsoft.com/office/drawing/2014/main" xmlns="" id="{04678D2A-B439-41D1-BCD6-0796FC250D80}"/>
               </a:ext>
             </a:extLst>
           </p:cNvPr>
@@ -19247,7 +19235,7 @@
           <p:cNvPr id="22" name="Google Shape;103;p21">
             <a:extLst>
               <a:ext uri="{FF2B5EF4-FFF2-40B4-BE49-F238E27FC236}">
-                <a16:creationId xmlns="" xmlns:a16="http://schemas.microsoft.com/office/drawing/2014/main" id="{BA2FEA90-DD81-4D23-9571-0F918F3F279A}"/>
+                <a16:creationId xmlns:a16="http://schemas.microsoft.com/office/drawing/2014/main" xmlns="" id="{BA2FEA90-DD81-4D23-9571-0F918F3F279A}"/>
               </a:ext>
             </a:extLst>
           </p:cNvPr>
@@ -19609,7 +19597,7 @@
           <p:cNvPr id="14" name="직사각형 13">
             <a:extLst>
               <a:ext uri="{FF2B5EF4-FFF2-40B4-BE49-F238E27FC236}">
-                <a16:creationId xmlns="" xmlns:a16="http://schemas.microsoft.com/office/drawing/2014/main" id="{AE63793F-FA1A-4167-B2AD-02BBF5F21C73}"/>
+                <a16:creationId xmlns:a16="http://schemas.microsoft.com/office/drawing/2014/main" xmlns="" id="{AE63793F-FA1A-4167-B2AD-02BBF5F21C73}"/>
               </a:ext>
             </a:extLst>
           </p:cNvPr>
@@ -19661,7 +19649,7 @@
           <p:cNvPr id="17" name="직사각형 16">
             <a:extLst>
               <a:ext uri="{FF2B5EF4-FFF2-40B4-BE49-F238E27FC236}">
-                <a16:creationId xmlns="" xmlns:a16="http://schemas.microsoft.com/office/drawing/2014/main" id="{066DE11C-AC07-40FE-A70B-C517D5EAB114}"/>
+                <a16:creationId xmlns:a16="http://schemas.microsoft.com/office/drawing/2014/main" xmlns="" id="{066DE11C-AC07-40FE-A70B-C517D5EAB114}"/>
               </a:ext>
             </a:extLst>
           </p:cNvPr>
@@ -19713,7 +19701,7 @@
           <p:cNvPr id="16" name="직사각형 15">
             <a:extLst>
               <a:ext uri="{FF2B5EF4-FFF2-40B4-BE49-F238E27FC236}">
-                <a16:creationId xmlns="" xmlns:a16="http://schemas.microsoft.com/office/drawing/2014/main" id="{A54456E0-1C77-483C-B12A-FF1F3FF06343}"/>
+                <a16:creationId xmlns:a16="http://schemas.microsoft.com/office/drawing/2014/main" xmlns="" id="{A54456E0-1C77-483C-B12A-FF1F3FF06343}"/>
               </a:ext>
             </a:extLst>
           </p:cNvPr>
@@ -19773,7 +19761,7 @@
           <p:cNvPr id="19" name="직사각형 18">
             <a:extLst>
               <a:ext uri="{FF2B5EF4-FFF2-40B4-BE49-F238E27FC236}">
-                <a16:creationId xmlns="" xmlns:a16="http://schemas.microsoft.com/office/drawing/2014/main" id="{41BCC7B7-39A9-4A43-8C73-FE2CA3F652CF}"/>
+                <a16:creationId xmlns:a16="http://schemas.microsoft.com/office/drawing/2014/main" xmlns="" id="{41BCC7B7-39A9-4A43-8C73-FE2CA3F652CF}"/>
               </a:ext>
             </a:extLst>
           </p:cNvPr>
@@ -19830,7 +19818,7 @@
           <p:cNvPr id="10" name="제목 1">
             <a:extLst>
               <a:ext uri="{FF2B5EF4-FFF2-40B4-BE49-F238E27FC236}">
-                <a16:creationId xmlns="" xmlns:a16="http://schemas.microsoft.com/office/drawing/2014/main" id="{2AF7E7CD-510A-451F-AE4F-1FE80D472476}"/>
+                <a16:creationId xmlns:a16="http://schemas.microsoft.com/office/drawing/2014/main" xmlns="" id="{2AF7E7CD-510A-451F-AE4F-1FE80D472476}"/>
               </a:ext>
             </a:extLst>
           </p:cNvPr>
@@ -19892,7 +19880,7 @@
           <p:cNvPr id="3" name="슬라이드 번호 개체 틀 2">
             <a:extLst>
               <a:ext uri="{FF2B5EF4-FFF2-40B4-BE49-F238E27FC236}">
-                <a16:creationId xmlns="" xmlns:a16="http://schemas.microsoft.com/office/drawing/2014/main" id="{31D1AC2C-13D7-45D9-8BB1-D0A839443EA4}"/>
+                <a16:creationId xmlns:a16="http://schemas.microsoft.com/office/drawing/2014/main" xmlns="" id="{31D1AC2C-13D7-45D9-8BB1-D0A839443EA4}"/>
               </a:ext>
             </a:extLst>
           </p:cNvPr>
@@ -19921,7 +19909,7 @@
           <p:cNvPr id="13" name="Google Shape;103;p21">
             <a:extLst>
               <a:ext uri="{FF2B5EF4-FFF2-40B4-BE49-F238E27FC236}">
-                <a16:creationId xmlns="" xmlns:a16="http://schemas.microsoft.com/office/drawing/2014/main" id="{E6D727F9-A517-4DAA-AC3D-D8158DD83B7B}"/>
+                <a16:creationId xmlns:a16="http://schemas.microsoft.com/office/drawing/2014/main" xmlns="" id="{E6D727F9-A517-4DAA-AC3D-D8158DD83B7B}"/>
               </a:ext>
             </a:extLst>
           </p:cNvPr>
@@ -20221,7 +20209,7 @@
           <p:cNvPr id="22" name="Google Shape;103;p21">
             <a:extLst>
               <a:ext uri="{FF2B5EF4-FFF2-40B4-BE49-F238E27FC236}">
-                <a16:creationId xmlns="" xmlns:a16="http://schemas.microsoft.com/office/drawing/2014/main" id="{E8BA2511-3053-4573-841A-9CB691769DF4}"/>
+                <a16:creationId xmlns:a16="http://schemas.microsoft.com/office/drawing/2014/main" xmlns="" id="{E8BA2511-3053-4573-841A-9CB691769DF4}"/>
               </a:ext>
             </a:extLst>
           </p:cNvPr>
@@ -20521,7 +20509,7 @@
           <p:cNvPr id="23" name="Picture 20" descr="6+ Python Logo Clipart - Preview : Python; Python Lo | HDClipartAll">
             <a:extLst>
               <a:ext uri="{FF2B5EF4-FFF2-40B4-BE49-F238E27FC236}">
-                <a16:creationId xmlns="" xmlns:a16="http://schemas.microsoft.com/office/drawing/2014/main" id="{41E2E188-3BCE-45CD-9582-5D8DC4322780}"/>
+                <a16:creationId xmlns:a16="http://schemas.microsoft.com/office/drawing/2014/main" xmlns="" id="{41E2E188-3BCE-45CD-9582-5D8DC4322780}"/>
               </a:ext>
             </a:extLst>
           </p:cNvPr>
@@ -20568,7 +20556,7 @@
           <p:cNvPr id="24" name="Google Shape;103;p21">
             <a:extLst>
               <a:ext uri="{FF2B5EF4-FFF2-40B4-BE49-F238E27FC236}">
-                <a16:creationId xmlns="" xmlns:a16="http://schemas.microsoft.com/office/drawing/2014/main" id="{0CA7A92D-C17F-421E-A0BE-207D07E5975B}"/>
+                <a16:creationId xmlns:a16="http://schemas.microsoft.com/office/drawing/2014/main" xmlns="" id="{0CA7A92D-C17F-421E-A0BE-207D07E5975B}"/>
               </a:ext>
             </a:extLst>
           </p:cNvPr>
@@ -20868,7 +20856,7 @@
           <p:cNvPr id="4" name="그림 3">
             <a:extLst>
               <a:ext uri="{FF2B5EF4-FFF2-40B4-BE49-F238E27FC236}">
-                <a16:creationId xmlns="" xmlns:a16="http://schemas.microsoft.com/office/drawing/2014/main" id="{1F60B062-707C-457C-B1BD-B1D6F492151E}"/>
+                <a16:creationId xmlns:a16="http://schemas.microsoft.com/office/drawing/2014/main" xmlns="" id="{1F60B062-707C-457C-B1BD-B1D6F492151E}"/>
               </a:ext>
             </a:extLst>
           </p:cNvPr>
@@ -20945,7 +20933,7 @@
           <p:cNvPr id="15" name="Google Shape;103;p21">
             <a:extLst>
               <a:ext uri="{FF2B5EF4-FFF2-40B4-BE49-F238E27FC236}">
-                <a16:creationId xmlns="" xmlns:a16="http://schemas.microsoft.com/office/drawing/2014/main" id="{0CA7A92D-C17F-421E-A0BE-207D07E5975B}"/>
+                <a16:creationId xmlns:a16="http://schemas.microsoft.com/office/drawing/2014/main" xmlns="" id="{0CA7A92D-C17F-421E-A0BE-207D07E5975B}"/>
               </a:ext>
             </a:extLst>
           </p:cNvPr>
@@ -21250,7 +21238,7 @@
           <p:cNvPr id="18" name="내용 개체 틀 2">
             <a:extLst>
               <a:ext uri="{FF2B5EF4-FFF2-40B4-BE49-F238E27FC236}">
-                <a16:creationId xmlns="" xmlns:a16="http://schemas.microsoft.com/office/drawing/2014/main" id="{CCE24EAD-026D-407F-A9E3-40C16CA2D969}"/>
+                <a16:creationId xmlns:a16="http://schemas.microsoft.com/office/drawing/2014/main" xmlns="" id="{CCE24EAD-026D-407F-A9E3-40C16CA2D969}"/>
               </a:ext>
             </a:extLst>
           </p:cNvPr>
@@ -21346,7 +21334,7 @@
           <p:cNvPr id="14" name="직사각형 13">
             <a:extLst>
               <a:ext uri="{FF2B5EF4-FFF2-40B4-BE49-F238E27FC236}">
-                <a16:creationId xmlns="" xmlns:a16="http://schemas.microsoft.com/office/drawing/2014/main" id="{AE63793F-FA1A-4167-B2AD-02BBF5F21C73}"/>
+                <a16:creationId xmlns:a16="http://schemas.microsoft.com/office/drawing/2014/main" xmlns="" id="{AE63793F-FA1A-4167-B2AD-02BBF5F21C73}"/>
               </a:ext>
             </a:extLst>
           </p:cNvPr>
@@ -21398,7 +21386,7 @@
           <p:cNvPr id="17" name="직사각형 16">
             <a:extLst>
               <a:ext uri="{FF2B5EF4-FFF2-40B4-BE49-F238E27FC236}">
-                <a16:creationId xmlns="" xmlns:a16="http://schemas.microsoft.com/office/drawing/2014/main" id="{066DE11C-AC07-40FE-A70B-C517D5EAB114}"/>
+                <a16:creationId xmlns:a16="http://schemas.microsoft.com/office/drawing/2014/main" xmlns="" id="{066DE11C-AC07-40FE-A70B-C517D5EAB114}"/>
               </a:ext>
             </a:extLst>
           </p:cNvPr>
@@ -21450,7 +21438,7 @@
           <p:cNvPr id="16" name="직사각형 15">
             <a:extLst>
               <a:ext uri="{FF2B5EF4-FFF2-40B4-BE49-F238E27FC236}">
-                <a16:creationId xmlns="" xmlns:a16="http://schemas.microsoft.com/office/drawing/2014/main" id="{A54456E0-1C77-483C-B12A-FF1F3FF06343}"/>
+                <a16:creationId xmlns:a16="http://schemas.microsoft.com/office/drawing/2014/main" xmlns="" id="{A54456E0-1C77-483C-B12A-FF1F3FF06343}"/>
               </a:ext>
             </a:extLst>
           </p:cNvPr>
@@ -21510,7 +21498,7 @@
           <p:cNvPr id="19" name="직사각형 18">
             <a:extLst>
               <a:ext uri="{FF2B5EF4-FFF2-40B4-BE49-F238E27FC236}">
-                <a16:creationId xmlns="" xmlns:a16="http://schemas.microsoft.com/office/drawing/2014/main" id="{41BCC7B7-39A9-4A43-8C73-FE2CA3F652CF}"/>
+                <a16:creationId xmlns:a16="http://schemas.microsoft.com/office/drawing/2014/main" xmlns="" id="{41BCC7B7-39A9-4A43-8C73-FE2CA3F652CF}"/>
               </a:ext>
             </a:extLst>
           </p:cNvPr>
@@ -21567,7 +21555,7 @@
           <p:cNvPr id="10" name="제목 1">
             <a:extLst>
               <a:ext uri="{FF2B5EF4-FFF2-40B4-BE49-F238E27FC236}">
-                <a16:creationId xmlns="" xmlns:a16="http://schemas.microsoft.com/office/drawing/2014/main" id="{2AF7E7CD-510A-451F-AE4F-1FE80D472476}"/>
+                <a16:creationId xmlns:a16="http://schemas.microsoft.com/office/drawing/2014/main" xmlns="" id="{2AF7E7CD-510A-451F-AE4F-1FE80D472476}"/>
               </a:ext>
             </a:extLst>
           </p:cNvPr>
@@ -21629,7 +21617,7 @@
           <p:cNvPr id="3" name="슬라이드 번호 개체 틀 2">
             <a:extLst>
               <a:ext uri="{FF2B5EF4-FFF2-40B4-BE49-F238E27FC236}">
-                <a16:creationId xmlns="" xmlns:a16="http://schemas.microsoft.com/office/drawing/2014/main" id="{31D1AC2C-13D7-45D9-8BB1-D0A839443EA4}"/>
+                <a16:creationId xmlns:a16="http://schemas.microsoft.com/office/drawing/2014/main" xmlns="" id="{31D1AC2C-13D7-45D9-8BB1-D0A839443EA4}"/>
               </a:ext>
             </a:extLst>
           </p:cNvPr>
@@ -21658,7 +21646,7 @@
           <p:cNvPr id="13" name="Google Shape;103;p21">
             <a:extLst>
               <a:ext uri="{FF2B5EF4-FFF2-40B4-BE49-F238E27FC236}">
-                <a16:creationId xmlns="" xmlns:a16="http://schemas.microsoft.com/office/drawing/2014/main" id="{E6D727F9-A517-4DAA-AC3D-D8158DD83B7B}"/>
+                <a16:creationId xmlns:a16="http://schemas.microsoft.com/office/drawing/2014/main" xmlns="" id="{E6D727F9-A517-4DAA-AC3D-D8158DD83B7B}"/>
               </a:ext>
             </a:extLst>
           </p:cNvPr>
@@ -21963,7 +21951,7 @@
           <p:cNvPr id="22" name="Google Shape;103;p21">
             <a:extLst>
               <a:ext uri="{FF2B5EF4-FFF2-40B4-BE49-F238E27FC236}">
-                <a16:creationId xmlns="" xmlns:a16="http://schemas.microsoft.com/office/drawing/2014/main" id="{E8BA2511-3053-4573-841A-9CB691769DF4}"/>
+                <a16:creationId xmlns:a16="http://schemas.microsoft.com/office/drawing/2014/main" xmlns="" id="{E8BA2511-3053-4573-841A-9CB691769DF4}"/>
               </a:ext>
             </a:extLst>
           </p:cNvPr>
@@ -22268,7 +22256,7 @@
           <p:cNvPr id="18" name="내용 개체 틀 2">
             <a:extLst>
               <a:ext uri="{FF2B5EF4-FFF2-40B4-BE49-F238E27FC236}">
-                <a16:creationId xmlns="" xmlns:a16="http://schemas.microsoft.com/office/drawing/2014/main" id="{CCE24EAD-026D-407F-A9E3-40C16CA2D969}"/>
+                <a16:creationId xmlns:a16="http://schemas.microsoft.com/office/drawing/2014/main" xmlns="" id="{CCE24EAD-026D-407F-A9E3-40C16CA2D969}"/>
               </a:ext>
             </a:extLst>
           </p:cNvPr>
@@ -22327,7 +22315,7 @@
           <p:cNvPr id="20" name="그림 19">
             <a:extLst>
               <a:ext uri="{FF2B5EF4-FFF2-40B4-BE49-F238E27FC236}">
-                <a16:creationId xmlns="" xmlns:a16="http://schemas.microsoft.com/office/drawing/2014/main" xmlns:lc="http://schemas.openxmlformats.org/drawingml/2006/lockedCanvas" id="{6C7C85BF-52B4-4E09-9EE8-2D2C54A38CB8}"/>
+                <a16:creationId xmlns:lc="http://schemas.openxmlformats.org/drawingml/2006/lockedCanvas" xmlns:a16="http://schemas.microsoft.com/office/drawing/2014/main" xmlns="" id="{6C7C85BF-52B4-4E09-9EE8-2D2C54A38CB8}"/>
               </a:ext>
             </a:extLst>
           </p:cNvPr>
@@ -22363,7 +22351,7 @@
           <p:cNvPr id="21" name="Picture 2" descr="File:Android Studio Icon (2014-2019).svg - Wikimedia Commons">
             <a:extLst>
               <a:ext uri="{FF2B5EF4-FFF2-40B4-BE49-F238E27FC236}">
-                <a16:creationId xmlns="" xmlns:a16="http://schemas.microsoft.com/office/drawing/2014/main" id="{0EBD1B1E-1715-4C42-AF3F-113F010B60E8}"/>
+                <a16:creationId xmlns:a16="http://schemas.microsoft.com/office/drawing/2014/main" xmlns="" id="{0EBD1B1E-1715-4C42-AF3F-113F010B60E8}"/>
               </a:ext>
             </a:extLst>
           </p:cNvPr>
@@ -22410,7 +22398,7 @@
           <p:cNvPr id="25" name="Google Shape;103;p21">
             <a:extLst>
               <a:ext uri="{FF2B5EF4-FFF2-40B4-BE49-F238E27FC236}">
-                <a16:creationId xmlns="" xmlns:a16="http://schemas.microsoft.com/office/drawing/2014/main" id="{6CCCA742-5E12-4F03-8345-712F6F82974D}"/>
+                <a16:creationId xmlns:a16="http://schemas.microsoft.com/office/drawing/2014/main" xmlns="" id="{6CCCA742-5E12-4F03-8345-712F6F82974D}"/>
               </a:ext>
             </a:extLst>
           </p:cNvPr>
@@ -22747,7 +22735,7 @@
           <p:cNvPr id="14" name="직사각형 13">
             <a:extLst>
               <a:ext uri="{FF2B5EF4-FFF2-40B4-BE49-F238E27FC236}">
-                <a16:creationId xmlns="" xmlns:a16="http://schemas.microsoft.com/office/drawing/2014/main" id="{AE63793F-FA1A-4167-B2AD-02BBF5F21C73}"/>
+                <a16:creationId xmlns:a16="http://schemas.microsoft.com/office/drawing/2014/main" xmlns="" id="{AE63793F-FA1A-4167-B2AD-02BBF5F21C73}"/>
               </a:ext>
             </a:extLst>
           </p:cNvPr>
@@ -22799,7 +22787,7 @@
           <p:cNvPr id="17" name="직사각형 16">
             <a:extLst>
               <a:ext uri="{FF2B5EF4-FFF2-40B4-BE49-F238E27FC236}">
-                <a16:creationId xmlns="" xmlns:a16="http://schemas.microsoft.com/office/drawing/2014/main" id="{066DE11C-AC07-40FE-A70B-C517D5EAB114}"/>
+                <a16:creationId xmlns:a16="http://schemas.microsoft.com/office/drawing/2014/main" xmlns="" id="{066DE11C-AC07-40FE-A70B-C517D5EAB114}"/>
               </a:ext>
             </a:extLst>
           </p:cNvPr>
@@ -22851,7 +22839,7 @@
           <p:cNvPr id="16" name="직사각형 15">
             <a:extLst>
               <a:ext uri="{FF2B5EF4-FFF2-40B4-BE49-F238E27FC236}">
-                <a16:creationId xmlns="" xmlns:a16="http://schemas.microsoft.com/office/drawing/2014/main" id="{A54456E0-1C77-483C-B12A-FF1F3FF06343}"/>
+                <a16:creationId xmlns:a16="http://schemas.microsoft.com/office/drawing/2014/main" xmlns="" id="{A54456E0-1C77-483C-B12A-FF1F3FF06343}"/>
               </a:ext>
             </a:extLst>
           </p:cNvPr>
@@ -22911,7 +22899,7 @@
           <p:cNvPr id="19" name="직사각형 18">
             <a:extLst>
               <a:ext uri="{FF2B5EF4-FFF2-40B4-BE49-F238E27FC236}">
-                <a16:creationId xmlns="" xmlns:a16="http://schemas.microsoft.com/office/drawing/2014/main" id="{41BCC7B7-39A9-4A43-8C73-FE2CA3F652CF}"/>
+                <a16:creationId xmlns:a16="http://schemas.microsoft.com/office/drawing/2014/main" xmlns="" id="{41BCC7B7-39A9-4A43-8C73-FE2CA3F652CF}"/>
               </a:ext>
             </a:extLst>
           </p:cNvPr>
@@ -22968,7 +22956,7 @@
           <p:cNvPr id="10" name="제목 1">
             <a:extLst>
               <a:ext uri="{FF2B5EF4-FFF2-40B4-BE49-F238E27FC236}">
-                <a16:creationId xmlns="" xmlns:a16="http://schemas.microsoft.com/office/drawing/2014/main" id="{2AF7E7CD-510A-451F-AE4F-1FE80D472476}"/>
+                <a16:creationId xmlns:a16="http://schemas.microsoft.com/office/drawing/2014/main" xmlns="" id="{2AF7E7CD-510A-451F-AE4F-1FE80D472476}"/>
               </a:ext>
             </a:extLst>
           </p:cNvPr>
@@ -23030,7 +23018,7 @@
           <p:cNvPr id="9" name="내용 개체 틀 2">
             <a:extLst>
               <a:ext uri="{FF2B5EF4-FFF2-40B4-BE49-F238E27FC236}">
-                <a16:creationId xmlns="" xmlns:a16="http://schemas.microsoft.com/office/drawing/2014/main" id="{CCE24EAD-026D-407F-A9E3-40C16CA2D969}"/>
+                <a16:creationId xmlns:a16="http://schemas.microsoft.com/office/drawing/2014/main" xmlns="" id="{CCE24EAD-026D-407F-A9E3-40C16CA2D969}"/>
               </a:ext>
             </a:extLst>
           </p:cNvPr>
@@ -23356,7 +23344,7 @@
           <p:cNvPr id="3" name="슬라이드 번호 개체 틀 2">
             <a:extLst>
               <a:ext uri="{FF2B5EF4-FFF2-40B4-BE49-F238E27FC236}">
-                <a16:creationId xmlns="" xmlns:a16="http://schemas.microsoft.com/office/drawing/2014/main" id="{31D1AC2C-13D7-45D9-8BB1-D0A839443EA4}"/>
+                <a16:creationId xmlns:a16="http://schemas.microsoft.com/office/drawing/2014/main" xmlns="" id="{31D1AC2C-13D7-45D9-8BB1-D0A839443EA4}"/>
               </a:ext>
             </a:extLst>
           </p:cNvPr>
@@ -23422,7 +23410,7 @@
           <p:cNvPr id="14" name="직사각형 13">
             <a:extLst>
               <a:ext uri="{FF2B5EF4-FFF2-40B4-BE49-F238E27FC236}">
-                <a16:creationId xmlns="" xmlns:a16="http://schemas.microsoft.com/office/drawing/2014/main" id="{AE63793F-FA1A-4167-B2AD-02BBF5F21C73}"/>
+                <a16:creationId xmlns:a16="http://schemas.microsoft.com/office/drawing/2014/main" xmlns="" id="{AE63793F-FA1A-4167-B2AD-02BBF5F21C73}"/>
               </a:ext>
             </a:extLst>
           </p:cNvPr>
@@ -23474,7 +23462,7 @@
           <p:cNvPr id="17" name="직사각형 16">
             <a:extLst>
               <a:ext uri="{FF2B5EF4-FFF2-40B4-BE49-F238E27FC236}">
-                <a16:creationId xmlns="" xmlns:a16="http://schemas.microsoft.com/office/drawing/2014/main" id="{066DE11C-AC07-40FE-A70B-C517D5EAB114}"/>
+                <a16:creationId xmlns:a16="http://schemas.microsoft.com/office/drawing/2014/main" xmlns="" id="{066DE11C-AC07-40FE-A70B-C517D5EAB114}"/>
               </a:ext>
             </a:extLst>
           </p:cNvPr>
@@ -23526,7 +23514,7 @@
           <p:cNvPr id="16" name="직사각형 15">
             <a:extLst>
               <a:ext uri="{FF2B5EF4-FFF2-40B4-BE49-F238E27FC236}">
-                <a16:creationId xmlns="" xmlns:a16="http://schemas.microsoft.com/office/drawing/2014/main" id="{A54456E0-1C77-483C-B12A-FF1F3FF06343}"/>
+                <a16:creationId xmlns:a16="http://schemas.microsoft.com/office/drawing/2014/main" xmlns="" id="{A54456E0-1C77-483C-B12A-FF1F3FF06343}"/>
               </a:ext>
             </a:extLst>
           </p:cNvPr>
@@ -23594,7 +23582,7 @@
           <p:cNvPr id="19" name="직사각형 18">
             <a:extLst>
               <a:ext uri="{FF2B5EF4-FFF2-40B4-BE49-F238E27FC236}">
-                <a16:creationId xmlns="" xmlns:a16="http://schemas.microsoft.com/office/drawing/2014/main" id="{41BCC7B7-39A9-4A43-8C73-FE2CA3F652CF}"/>
+                <a16:creationId xmlns:a16="http://schemas.microsoft.com/office/drawing/2014/main" xmlns="" id="{41BCC7B7-39A9-4A43-8C73-FE2CA3F652CF}"/>
               </a:ext>
             </a:extLst>
           </p:cNvPr>
@@ -23651,7 +23639,7 @@
           <p:cNvPr id="2" name="제목 1">
             <a:extLst>
               <a:ext uri="{FF2B5EF4-FFF2-40B4-BE49-F238E27FC236}">
-                <a16:creationId xmlns="" xmlns:a16="http://schemas.microsoft.com/office/drawing/2014/main" id="{666811A4-3F51-4FF1-93F6-80740EECEC7A}"/>
+                <a16:creationId xmlns:a16="http://schemas.microsoft.com/office/drawing/2014/main" xmlns="" id="{666811A4-3F51-4FF1-93F6-80740EECEC7A}"/>
               </a:ext>
             </a:extLst>
           </p:cNvPr>
@@ -23690,7 +23678,7 @@
           <p:cNvPr id="3" name="내용 개체 틀 2">
             <a:extLst>
               <a:ext uri="{FF2B5EF4-FFF2-40B4-BE49-F238E27FC236}">
-                <a16:creationId xmlns="" xmlns:a16="http://schemas.microsoft.com/office/drawing/2014/main" id="{5AF6218F-A297-44A8-8E23-B277CC8998E7}"/>
+                <a16:creationId xmlns:a16="http://schemas.microsoft.com/office/drawing/2014/main" xmlns="" id="{5AF6218F-A297-44A8-8E23-B277CC8998E7}"/>
               </a:ext>
             </a:extLst>
           </p:cNvPr>
@@ -23833,7 +23821,7 @@
           <p:cNvPr id="7" name="슬라이드 번호 개체 틀 6">
             <a:extLst>
               <a:ext uri="{FF2B5EF4-FFF2-40B4-BE49-F238E27FC236}">
-                <a16:creationId xmlns="" xmlns:a16="http://schemas.microsoft.com/office/drawing/2014/main" id="{C51B4C90-0651-481B-9416-73964AE97C39}"/>
+                <a16:creationId xmlns:a16="http://schemas.microsoft.com/office/drawing/2014/main" xmlns="" id="{C51B4C90-0651-481B-9416-73964AE97C39}"/>
               </a:ext>
             </a:extLst>
           </p:cNvPr>
@@ -23899,7 +23887,7 @@
           <p:cNvPr id="14" name="직사각형 13">
             <a:extLst>
               <a:ext uri="{FF2B5EF4-FFF2-40B4-BE49-F238E27FC236}">
-                <a16:creationId xmlns="" xmlns:a16="http://schemas.microsoft.com/office/drawing/2014/main" id="{AE63793F-FA1A-4167-B2AD-02BBF5F21C73}"/>
+                <a16:creationId xmlns:a16="http://schemas.microsoft.com/office/drawing/2014/main" xmlns="" id="{AE63793F-FA1A-4167-B2AD-02BBF5F21C73}"/>
               </a:ext>
             </a:extLst>
           </p:cNvPr>
@@ -23951,7 +23939,7 @@
           <p:cNvPr id="17" name="직사각형 16">
             <a:extLst>
               <a:ext uri="{FF2B5EF4-FFF2-40B4-BE49-F238E27FC236}">
-                <a16:creationId xmlns="" xmlns:a16="http://schemas.microsoft.com/office/drawing/2014/main" id="{066DE11C-AC07-40FE-A70B-C517D5EAB114}"/>
+                <a16:creationId xmlns:a16="http://schemas.microsoft.com/office/drawing/2014/main" xmlns="" id="{066DE11C-AC07-40FE-A70B-C517D5EAB114}"/>
               </a:ext>
             </a:extLst>
           </p:cNvPr>
@@ -24003,7 +23991,7 @@
           <p:cNvPr id="16" name="직사각형 15">
             <a:extLst>
               <a:ext uri="{FF2B5EF4-FFF2-40B4-BE49-F238E27FC236}">
-                <a16:creationId xmlns="" xmlns:a16="http://schemas.microsoft.com/office/drawing/2014/main" id="{A54456E0-1C77-483C-B12A-FF1F3FF06343}"/>
+                <a16:creationId xmlns:a16="http://schemas.microsoft.com/office/drawing/2014/main" xmlns="" id="{A54456E0-1C77-483C-B12A-FF1F3FF06343}"/>
               </a:ext>
             </a:extLst>
           </p:cNvPr>
@@ -24063,7 +24051,7 @@
           <p:cNvPr id="19" name="직사각형 18">
             <a:extLst>
               <a:ext uri="{FF2B5EF4-FFF2-40B4-BE49-F238E27FC236}">
-                <a16:creationId xmlns="" xmlns:a16="http://schemas.microsoft.com/office/drawing/2014/main" id="{41BCC7B7-39A9-4A43-8C73-FE2CA3F652CF}"/>
+                <a16:creationId xmlns:a16="http://schemas.microsoft.com/office/drawing/2014/main" xmlns="" id="{41BCC7B7-39A9-4A43-8C73-FE2CA3F652CF}"/>
               </a:ext>
             </a:extLst>
           </p:cNvPr>
@@ -24120,7 +24108,7 @@
           <p:cNvPr id="10" name="제목 1">
             <a:extLst>
               <a:ext uri="{FF2B5EF4-FFF2-40B4-BE49-F238E27FC236}">
-                <a16:creationId xmlns="" xmlns:a16="http://schemas.microsoft.com/office/drawing/2014/main" id="{2AF7E7CD-510A-451F-AE4F-1FE80D472476}"/>
+                <a16:creationId xmlns:a16="http://schemas.microsoft.com/office/drawing/2014/main" xmlns="" id="{2AF7E7CD-510A-451F-AE4F-1FE80D472476}"/>
               </a:ext>
             </a:extLst>
           </p:cNvPr>
@@ -24182,7 +24170,7 @@
           <p:cNvPr id="9" name="내용 개체 틀 2">
             <a:extLst>
               <a:ext uri="{FF2B5EF4-FFF2-40B4-BE49-F238E27FC236}">
-                <a16:creationId xmlns="" xmlns:a16="http://schemas.microsoft.com/office/drawing/2014/main" id="{CCE24EAD-026D-407F-A9E3-40C16CA2D969}"/>
+                <a16:creationId xmlns:a16="http://schemas.microsoft.com/office/drawing/2014/main" xmlns="" id="{CCE24EAD-026D-407F-A9E3-40C16CA2D969}"/>
               </a:ext>
             </a:extLst>
           </p:cNvPr>
@@ -24432,7 +24420,7 @@
           <p:cNvPr id="3" name="슬라이드 번호 개체 틀 2">
             <a:extLst>
               <a:ext uri="{FF2B5EF4-FFF2-40B4-BE49-F238E27FC236}">
-                <a16:creationId xmlns="" xmlns:a16="http://schemas.microsoft.com/office/drawing/2014/main" id="{31D1AC2C-13D7-45D9-8BB1-D0A839443EA4}"/>
+                <a16:creationId xmlns:a16="http://schemas.microsoft.com/office/drawing/2014/main" xmlns="" id="{31D1AC2C-13D7-45D9-8BB1-D0A839443EA4}"/>
               </a:ext>
             </a:extLst>
           </p:cNvPr>
@@ -24498,7 +24486,7 @@
           <p:cNvPr id="14" name="직사각형 13">
             <a:extLst>
               <a:ext uri="{FF2B5EF4-FFF2-40B4-BE49-F238E27FC236}">
-                <a16:creationId xmlns="" xmlns:a16="http://schemas.microsoft.com/office/drawing/2014/main" id="{AE63793F-FA1A-4167-B2AD-02BBF5F21C73}"/>
+                <a16:creationId xmlns:a16="http://schemas.microsoft.com/office/drawing/2014/main" xmlns="" id="{AE63793F-FA1A-4167-B2AD-02BBF5F21C73}"/>
               </a:ext>
             </a:extLst>
           </p:cNvPr>
@@ -24550,7 +24538,7 @@
           <p:cNvPr id="17" name="직사각형 16">
             <a:extLst>
               <a:ext uri="{FF2B5EF4-FFF2-40B4-BE49-F238E27FC236}">
-                <a16:creationId xmlns="" xmlns:a16="http://schemas.microsoft.com/office/drawing/2014/main" id="{066DE11C-AC07-40FE-A70B-C517D5EAB114}"/>
+                <a16:creationId xmlns:a16="http://schemas.microsoft.com/office/drawing/2014/main" xmlns="" id="{066DE11C-AC07-40FE-A70B-C517D5EAB114}"/>
               </a:ext>
             </a:extLst>
           </p:cNvPr>
@@ -24602,7 +24590,7 @@
           <p:cNvPr id="16" name="직사각형 15">
             <a:extLst>
               <a:ext uri="{FF2B5EF4-FFF2-40B4-BE49-F238E27FC236}">
-                <a16:creationId xmlns="" xmlns:a16="http://schemas.microsoft.com/office/drawing/2014/main" id="{A54456E0-1C77-483C-B12A-FF1F3FF06343}"/>
+                <a16:creationId xmlns:a16="http://schemas.microsoft.com/office/drawing/2014/main" xmlns="" id="{A54456E0-1C77-483C-B12A-FF1F3FF06343}"/>
               </a:ext>
             </a:extLst>
           </p:cNvPr>
@@ -24662,7 +24650,7 @@
           <p:cNvPr id="19" name="직사각형 18">
             <a:extLst>
               <a:ext uri="{FF2B5EF4-FFF2-40B4-BE49-F238E27FC236}">
-                <a16:creationId xmlns="" xmlns:a16="http://schemas.microsoft.com/office/drawing/2014/main" id="{41BCC7B7-39A9-4A43-8C73-FE2CA3F652CF}"/>
+                <a16:creationId xmlns:a16="http://schemas.microsoft.com/office/drawing/2014/main" xmlns="" id="{41BCC7B7-39A9-4A43-8C73-FE2CA3F652CF}"/>
               </a:ext>
             </a:extLst>
           </p:cNvPr>
@@ -24719,7 +24707,7 @@
           <p:cNvPr id="3" name="내용 개체 틀 2">
             <a:extLst>
               <a:ext uri="{FF2B5EF4-FFF2-40B4-BE49-F238E27FC236}">
-                <a16:creationId xmlns="" xmlns:a16="http://schemas.microsoft.com/office/drawing/2014/main" id="{5AF6218F-A297-44A8-8E23-B277CC8998E7}"/>
+                <a16:creationId xmlns:a16="http://schemas.microsoft.com/office/drawing/2014/main" xmlns="" id="{5AF6218F-A297-44A8-8E23-B277CC8998E7}"/>
               </a:ext>
             </a:extLst>
           </p:cNvPr>
@@ -24979,7 +24967,7 @@
           <p:cNvPr id="13" name="제목 1">
             <a:extLst>
               <a:ext uri="{FF2B5EF4-FFF2-40B4-BE49-F238E27FC236}">
-                <a16:creationId xmlns="" xmlns:a16="http://schemas.microsoft.com/office/drawing/2014/main" id="{AF6A6752-D472-44BC-A4C4-6A01FAB34FB7}"/>
+                <a16:creationId xmlns:a16="http://schemas.microsoft.com/office/drawing/2014/main" xmlns="" id="{AF6A6752-D472-44BC-A4C4-6A01FAB34FB7}"/>
               </a:ext>
             </a:extLst>
           </p:cNvPr>
@@ -25019,7 +25007,7 @@
           <p:cNvPr id="9" name="슬라이드 번호 개체 틀 8">
             <a:extLst>
               <a:ext uri="{FF2B5EF4-FFF2-40B4-BE49-F238E27FC236}">
-                <a16:creationId xmlns="" xmlns:a16="http://schemas.microsoft.com/office/drawing/2014/main" id="{DBCEF005-167B-4FCF-90D3-1E6CB7F1C53D}"/>
+                <a16:creationId xmlns:a16="http://schemas.microsoft.com/office/drawing/2014/main" xmlns="" id="{DBCEF005-167B-4FCF-90D3-1E6CB7F1C53D}"/>
               </a:ext>
             </a:extLst>
           </p:cNvPr>
@@ -25085,7 +25073,7 @@
           <p:cNvPr id="14" name="직사각형 13">
             <a:extLst>
               <a:ext uri="{FF2B5EF4-FFF2-40B4-BE49-F238E27FC236}">
-                <a16:creationId xmlns="" xmlns:a16="http://schemas.microsoft.com/office/drawing/2014/main" id="{AE63793F-FA1A-4167-B2AD-02BBF5F21C73}"/>
+                <a16:creationId xmlns:a16="http://schemas.microsoft.com/office/drawing/2014/main" xmlns="" id="{AE63793F-FA1A-4167-B2AD-02BBF5F21C73}"/>
               </a:ext>
             </a:extLst>
           </p:cNvPr>
@@ -25137,7 +25125,7 @@
           <p:cNvPr id="17" name="직사각형 16">
             <a:extLst>
               <a:ext uri="{FF2B5EF4-FFF2-40B4-BE49-F238E27FC236}">
-                <a16:creationId xmlns="" xmlns:a16="http://schemas.microsoft.com/office/drawing/2014/main" id="{066DE11C-AC07-40FE-A70B-C517D5EAB114}"/>
+                <a16:creationId xmlns:a16="http://schemas.microsoft.com/office/drawing/2014/main" xmlns="" id="{066DE11C-AC07-40FE-A70B-C517D5EAB114}"/>
               </a:ext>
             </a:extLst>
           </p:cNvPr>
@@ -25189,7 +25177,7 @@
           <p:cNvPr id="16" name="직사각형 15">
             <a:extLst>
               <a:ext uri="{FF2B5EF4-FFF2-40B4-BE49-F238E27FC236}">
-                <a16:creationId xmlns="" xmlns:a16="http://schemas.microsoft.com/office/drawing/2014/main" id="{A54456E0-1C77-483C-B12A-FF1F3FF06343}"/>
+                <a16:creationId xmlns:a16="http://schemas.microsoft.com/office/drawing/2014/main" xmlns="" id="{A54456E0-1C77-483C-B12A-FF1F3FF06343}"/>
               </a:ext>
             </a:extLst>
           </p:cNvPr>
@@ -25249,7 +25237,7 @@
           <p:cNvPr id="19" name="직사각형 18">
             <a:extLst>
               <a:ext uri="{FF2B5EF4-FFF2-40B4-BE49-F238E27FC236}">
-                <a16:creationId xmlns="" xmlns:a16="http://schemas.microsoft.com/office/drawing/2014/main" id="{41BCC7B7-39A9-4A43-8C73-FE2CA3F652CF}"/>
+                <a16:creationId xmlns:a16="http://schemas.microsoft.com/office/drawing/2014/main" xmlns="" id="{41BCC7B7-39A9-4A43-8C73-FE2CA3F652CF}"/>
               </a:ext>
             </a:extLst>
           </p:cNvPr>
@@ -25306,7 +25294,7 @@
           <p:cNvPr id="10" name="제목 1">
             <a:extLst>
               <a:ext uri="{FF2B5EF4-FFF2-40B4-BE49-F238E27FC236}">
-                <a16:creationId xmlns="" xmlns:a16="http://schemas.microsoft.com/office/drawing/2014/main" id="{2AF7E7CD-510A-451F-AE4F-1FE80D472476}"/>
+                <a16:creationId xmlns:a16="http://schemas.microsoft.com/office/drawing/2014/main" xmlns="" id="{2AF7E7CD-510A-451F-AE4F-1FE80D472476}"/>
               </a:ext>
             </a:extLst>
           </p:cNvPr>
@@ -25368,7 +25356,7 @@
           <p:cNvPr id="3" name="슬라이드 번호 개체 틀 2">
             <a:extLst>
               <a:ext uri="{FF2B5EF4-FFF2-40B4-BE49-F238E27FC236}">
-                <a16:creationId xmlns="" xmlns:a16="http://schemas.microsoft.com/office/drawing/2014/main" id="{31D1AC2C-13D7-45D9-8BB1-D0A839443EA4}"/>
+                <a16:creationId xmlns:a16="http://schemas.microsoft.com/office/drawing/2014/main" xmlns="" id="{31D1AC2C-13D7-45D9-8BB1-D0A839443EA4}"/>
               </a:ext>
             </a:extLst>
           </p:cNvPr>
@@ -25397,7 +25385,7 @@
           <p:cNvPr id="18" name="내용 개체 틀 2">
             <a:extLst>
               <a:ext uri="{FF2B5EF4-FFF2-40B4-BE49-F238E27FC236}">
-                <a16:creationId xmlns="" xmlns:a16="http://schemas.microsoft.com/office/drawing/2014/main" id="{DF53EF1B-11DD-4EEA-9162-1F173A22BBCF}"/>
+                <a16:creationId xmlns:a16="http://schemas.microsoft.com/office/drawing/2014/main" xmlns="" id="{DF53EF1B-11DD-4EEA-9162-1F173A22BBCF}"/>
               </a:ext>
             </a:extLst>
           </p:cNvPr>
@@ -25460,11 +25448,7 @@
             </a:pPr>
             <a:r>
               <a:rPr lang="en-US" altLang="ko-KR" sz="1800" smtClean="0"/>
-              <a:t>RTSP </a:t>
-            </a:r>
-            <a:r>
-              <a:rPr lang="en-US" altLang="ko-KR" sz="1800" smtClean="0"/>
-              <a:t>Relay Server, TCP Relay Server</a:t>
+              <a:t>RTSP Relay Server, TCP Relay Server</a:t>
             </a:r>
             <a:r>
               <a:rPr lang="ko-KR" altLang="en-US" sz="1800" smtClean="0"/>
@@ -25627,7 +25611,7 @@
           <p:cNvPr id="14" name="직사각형 13">
             <a:extLst>
               <a:ext uri="{FF2B5EF4-FFF2-40B4-BE49-F238E27FC236}">
-                <a16:creationId xmlns="" xmlns:a16="http://schemas.microsoft.com/office/drawing/2014/main" id="{AE63793F-FA1A-4167-B2AD-02BBF5F21C73}"/>
+                <a16:creationId xmlns:a16="http://schemas.microsoft.com/office/drawing/2014/main" xmlns="" id="{AE63793F-FA1A-4167-B2AD-02BBF5F21C73}"/>
               </a:ext>
             </a:extLst>
           </p:cNvPr>
@@ -25679,7 +25663,7 @@
           <p:cNvPr id="17" name="직사각형 16">
             <a:extLst>
               <a:ext uri="{FF2B5EF4-FFF2-40B4-BE49-F238E27FC236}">
-                <a16:creationId xmlns="" xmlns:a16="http://schemas.microsoft.com/office/drawing/2014/main" id="{066DE11C-AC07-40FE-A70B-C517D5EAB114}"/>
+                <a16:creationId xmlns:a16="http://schemas.microsoft.com/office/drawing/2014/main" xmlns="" id="{066DE11C-AC07-40FE-A70B-C517D5EAB114}"/>
               </a:ext>
             </a:extLst>
           </p:cNvPr>
@@ -25731,7 +25715,7 @@
           <p:cNvPr id="16" name="직사각형 15">
             <a:extLst>
               <a:ext uri="{FF2B5EF4-FFF2-40B4-BE49-F238E27FC236}">
-                <a16:creationId xmlns="" xmlns:a16="http://schemas.microsoft.com/office/drawing/2014/main" id="{A54456E0-1C77-483C-B12A-FF1F3FF06343}"/>
+                <a16:creationId xmlns:a16="http://schemas.microsoft.com/office/drawing/2014/main" xmlns="" id="{A54456E0-1C77-483C-B12A-FF1F3FF06343}"/>
               </a:ext>
             </a:extLst>
           </p:cNvPr>
@@ -25791,7 +25775,7 @@
           <p:cNvPr id="19" name="직사각형 18">
             <a:extLst>
               <a:ext uri="{FF2B5EF4-FFF2-40B4-BE49-F238E27FC236}">
-                <a16:creationId xmlns="" xmlns:a16="http://schemas.microsoft.com/office/drawing/2014/main" id="{41BCC7B7-39A9-4A43-8C73-FE2CA3F652CF}"/>
+                <a16:creationId xmlns:a16="http://schemas.microsoft.com/office/drawing/2014/main" xmlns="" id="{41BCC7B7-39A9-4A43-8C73-FE2CA3F652CF}"/>
               </a:ext>
             </a:extLst>
           </p:cNvPr>
@@ -25848,7 +25832,7 @@
           <p:cNvPr id="10" name="제목 1">
             <a:extLst>
               <a:ext uri="{FF2B5EF4-FFF2-40B4-BE49-F238E27FC236}">
-                <a16:creationId xmlns="" xmlns:a16="http://schemas.microsoft.com/office/drawing/2014/main" id="{2AF7E7CD-510A-451F-AE4F-1FE80D472476}"/>
+                <a16:creationId xmlns:a16="http://schemas.microsoft.com/office/drawing/2014/main" xmlns="" id="{2AF7E7CD-510A-451F-AE4F-1FE80D472476}"/>
               </a:ext>
             </a:extLst>
           </p:cNvPr>
@@ -25911,7 +25895,7 @@
           <p:cNvPr id="3" name="슬라이드 번호 개체 틀 2">
             <a:extLst>
               <a:ext uri="{FF2B5EF4-FFF2-40B4-BE49-F238E27FC236}">
-                <a16:creationId xmlns="" xmlns:a16="http://schemas.microsoft.com/office/drawing/2014/main" id="{36BA9052-67FA-4354-AF14-CD06F1417B40}"/>
+                <a16:creationId xmlns:a16="http://schemas.microsoft.com/office/drawing/2014/main" xmlns="" id="{36BA9052-67FA-4354-AF14-CD06F1417B40}"/>
               </a:ext>
             </a:extLst>
           </p:cNvPr>
@@ -25940,7 +25924,7 @@
           <p:cNvPr id="39" name="table">
             <a:extLst>
               <a:ext uri="{FF2B5EF4-FFF2-40B4-BE49-F238E27FC236}">
-                <a16:creationId xmlns="" xmlns:a16="http://schemas.microsoft.com/office/drawing/2014/main" id="{21AFAE13-7983-4FC3-B61C-0A17A2FF1B84}"/>
+                <a16:creationId xmlns:a16="http://schemas.microsoft.com/office/drawing/2014/main" xmlns="" id="{21AFAE13-7983-4FC3-B61C-0A17A2FF1B84}"/>
               </a:ext>
             </a:extLst>
           </p:cNvPr>
@@ -25975,7 +25959,7 @@
           <p:cNvPr id="44" name="Google Shape;126;p24">
             <a:extLst>
               <a:ext uri="{FF2B5EF4-FFF2-40B4-BE49-F238E27FC236}">
-                <a16:creationId xmlns="" xmlns:a16="http://schemas.microsoft.com/office/drawing/2014/main" id="{30B3B18A-F62B-4304-9112-ABEFEBA1547C}"/>
+                <a16:creationId xmlns:a16="http://schemas.microsoft.com/office/drawing/2014/main" xmlns="" id="{30B3B18A-F62B-4304-9112-ABEFEBA1547C}"/>
               </a:ext>
             </a:extLst>
           </p:cNvPr>
@@ -26251,7 +26235,7 @@
           <p:cNvPr id="46" name="Google Shape;128;p24">
             <a:extLst>
               <a:ext uri="{FF2B5EF4-FFF2-40B4-BE49-F238E27FC236}">
-                <a16:creationId xmlns="" xmlns:a16="http://schemas.microsoft.com/office/drawing/2014/main" id="{28FFCA85-BDF3-421A-A5C4-35885C7C454B}"/>
+                <a16:creationId xmlns:a16="http://schemas.microsoft.com/office/drawing/2014/main" xmlns="" id="{28FFCA85-BDF3-421A-A5C4-35885C7C454B}"/>
               </a:ext>
             </a:extLst>
           </p:cNvPr>
@@ -26527,7 +26511,7 @@
           <p:cNvPr id="49" name="Google Shape;131;p24">
             <a:extLst>
               <a:ext uri="{FF2B5EF4-FFF2-40B4-BE49-F238E27FC236}">
-                <a16:creationId xmlns="" xmlns:a16="http://schemas.microsoft.com/office/drawing/2014/main" id="{FF849A51-2E8A-42C5-969F-11935BFA7C29}"/>
+                <a16:creationId xmlns:a16="http://schemas.microsoft.com/office/drawing/2014/main" xmlns="" id="{FF849A51-2E8A-42C5-969F-11935BFA7C29}"/>
               </a:ext>
             </a:extLst>
           </p:cNvPr>
@@ -26803,7 +26787,7 @@
           <p:cNvPr id="20" name="Google Shape;128;p24">
             <a:extLst>
               <a:ext uri="{FF2B5EF4-FFF2-40B4-BE49-F238E27FC236}">
-                <a16:creationId xmlns="" xmlns:a16="http://schemas.microsoft.com/office/drawing/2014/main" id="{D41DAC35-4FE6-42A4-94B4-A0C7C4F923CA}"/>
+                <a16:creationId xmlns:a16="http://schemas.microsoft.com/office/drawing/2014/main" xmlns="" id="{D41DAC35-4FE6-42A4-94B4-A0C7C4F923CA}"/>
               </a:ext>
             </a:extLst>
           </p:cNvPr>
@@ -27079,7 +27063,7 @@
           <p:cNvPr id="21" name="Google Shape;128;p24">
             <a:extLst>
               <a:ext uri="{FF2B5EF4-FFF2-40B4-BE49-F238E27FC236}">
-                <a16:creationId xmlns="" xmlns:a16="http://schemas.microsoft.com/office/drawing/2014/main" id="{B598A53A-137F-4BAC-885F-FD9EA251214A}"/>
+                <a16:creationId xmlns:a16="http://schemas.microsoft.com/office/drawing/2014/main" xmlns="" id="{B598A53A-137F-4BAC-885F-FD9EA251214A}"/>
               </a:ext>
             </a:extLst>
           </p:cNvPr>
@@ -27355,7 +27339,7 @@
           <p:cNvPr id="22" name="Google Shape;128;p24">
             <a:extLst>
               <a:ext uri="{FF2B5EF4-FFF2-40B4-BE49-F238E27FC236}">
-                <a16:creationId xmlns="" xmlns:a16="http://schemas.microsoft.com/office/drawing/2014/main" id="{5675601A-121A-4BA0-9CD9-5DD0C2DF1344}"/>
+                <a16:creationId xmlns:a16="http://schemas.microsoft.com/office/drawing/2014/main" xmlns="" id="{5675601A-121A-4BA0-9CD9-5DD0C2DF1344}"/>
               </a:ext>
             </a:extLst>
           </p:cNvPr>
@@ -27631,7 +27615,7 @@
           <p:cNvPr id="23" name="Google Shape;128;p24">
             <a:extLst>
               <a:ext uri="{FF2B5EF4-FFF2-40B4-BE49-F238E27FC236}">
-                <a16:creationId xmlns="" xmlns:a16="http://schemas.microsoft.com/office/drawing/2014/main" id="{ECBAA1FA-1FFF-434D-B17E-4FF2A83AA1A7}"/>
+                <a16:creationId xmlns:a16="http://schemas.microsoft.com/office/drawing/2014/main" xmlns="" id="{ECBAA1FA-1FFF-434D-B17E-4FF2A83AA1A7}"/>
               </a:ext>
             </a:extLst>
           </p:cNvPr>
@@ -27907,7 +27891,7 @@
           <p:cNvPr id="24" name="Google Shape;128;p24">
             <a:extLst>
               <a:ext uri="{FF2B5EF4-FFF2-40B4-BE49-F238E27FC236}">
-                <a16:creationId xmlns="" xmlns:a16="http://schemas.microsoft.com/office/drawing/2014/main" id="{DF8BBB88-6DFF-4B43-A624-D02B720F2D6B}"/>
+                <a16:creationId xmlns:a16="http://schemas.microsoft.com/office/drawing/2014/main" xmlns="" id="{DF8BBB88-6DFF-4B43-A624-D02B720F2D6B}"/>
               </a:ext>
             </a:extLst>
           </p:cNvPr>
@@ -28183,7 +28167,7 @@
           <p:cNvPr id="25" name="Google Shape;128;p24">
             <a:extLst>
               <a:ext uri="{FF2B5EF4-FFF2-40B4-BE49-F238E27FC236}">
-                <a16:creationId xmlns="" xmlns:a16="http://schemas.microsoft.com/office/drawing/2014/main" id="{F7CCA1D7-BE1E-4DA7-A8E2-4AAA129AA139}"/>
+                <a16:creationId xmlns:a16="http://schemas.microsoft.com/office/drawing/2014/main" xmlns="" id="{F7CCA1D7-BE1E-4DA7-A8E2-4AAA129AA139}"/>
               </a:ext>
             </a:extLst>
           </p:cNvPr>
@@ -28459,7 +28443,7 @@
           <p:cNvPr id="26" name="Google Shape;128;p24">
             <a:extLst>
               <a:ext uri="{FF2B5EF4-FFF2-40B4-BE49-F238E27FC236}">
-                <a16:creationId xmlns="" xmlns:a16="http://schemas.microsoft.com/office/drawing/2014/main" id="{EB1BE08C-67D0-4BCA-A273-53A557310542}"/>
+                <a16:creationId xmlns:a16="http://schemas.microsoft.com/office/drawing/2014/main" xmlns="" id="{EB1BE08C-67D0-4BCA-A273-53A557310542}"/>
               </a:ext>
             </a:extLst>
           </p:cNvPr>
@@ -28735,7 +28719,7 @@
           <p:cNvPr id="28" name="Google Shape;128;p24">
             <a:extLst>
               <a:ext uri="{FF2B5EF4-FFF2-40B4-BE49-F238E27FC236}">
-                <a16:creationId xmlns="" xmlns:a16="http://schemas.microsoft.com/office/drawing/2014/main" id="{A51C5C65-673A-4B7A-8C6D-C4BE1FC79BDB}"/>
+                <a16:creationId xmlns:a16="http://schemas.microsoft.com/office/drawing/2014/main" xmlns="" id="{A51C5C65-673A-4B7A-8C6D-C4BE1FC79BDB}"/>
               </a:ext>
             </a:extLst>
           </p:cNvPr>
@@ -29048,7 +29032,7 @@
           <p:cNvPr id="14" name="직사각형 13">
             <a:extLst>
               <a:ext uri="{FF2B5EF4-FFF2-40B4-BE49-F238E27FC236}">
-                <a16:creationId xmlns="" xmlns:a16="http://schemas.microsoft.com/office/drawing/2014/main" id="{AE63793F-FA1A-4167-B2AD-02BBF5F21C73}"/>
+                <a16:creationId xmlns:a16="http://schemas.microsoft.com/office/drawing/2014/main" xmlns="" id="{AE63793F-FA1A-4167-B2AD-02BBF5F21C73}"/>
               </a:ext>
             </a:extLst>
           </p:cNvPr>
@@ -29100,7 +29084,7 @@
           <p:cNvPr id="17" name="직사각형 16">
             <a:extLst>
               <a:ext uri="{FF2B5EF4-FFF2-40B4-BE49-F238E27FC236}">
-                <a16:creationId xmlns="" xmlns:a16="http://schemas.microsoft.com/office/drawing/2014/main" id="{066DE11C-AC07-40FE-A70B-C517D5EAB114}"/>
+                <a16:creationId xmlns:a16="http://schemas.microsoft.com/office/drawing/2014/main" xmlns="" id="{066DE11C-AC07-40FE-A70B-C517D5EAB114}"/>
               </a:ext>
             </a:extLst>
           </p:cNvPr>
@@ -29152,7 +29136,7 @@
           <p:cNvPr id="16" name="직사각형 15">
             <a:extLst>
               <a:ext uri="{FF2B5EF4-FFF2-40B4-BE49-F238E27FC236}">
-                <a16:creationId xmlns="" xmlns:a16="http://schemas.microsoft.com/office/drawing/2014/main" id="{A54456E0-1C77-483C-B12A-FF1F3FF06343}"/>
+                <a16:creationId xmlns:a16="http://schemas.microsoft.com/office/drawing/2014/main" xmlns="" id="{A54456E0-1C77-483C-B12A-FF1F3FF06343}"/>
               </a:ext>
             </a:extLst>
           </p:cNvPr>
@@ -29212,7 +29196,7 @@
           <p:cNvPr id="19" name="직사각형 18">
             <a:extLst>
               <a:ext uri="{FF2B5EF4-FFF2-40B4-BE49-F238E27FC236}">
-                <a16:creationId xmlns="" xmlns:a16="http://schemas.microsoft.com/office/drawing/2014/main" id="{41BCC7B7-39A9-4A43-8C73-FE2CA3F652CF}"/>
+                <a16:creationId xmlns:a16="http://schemas.microsoft.com/office/drawing/2014/main" xmlns="" id="{41BCC7B7-39A9-4A43-8C73-FE2CA3F652CF}"/>
               </a:ext>
             </a:extLst>
           </p:cNvPr>
@@ -29269,7 +29253,7 @@
           <p:cNvPr id="10" name="제목 1">
             <a:extLst>
               <a:ext uri="{FF2B5EF4-FFF2-40B4-BE49-F238E27FC236}">
-                <a16:creationId xmlns="" xmlns:a16="http://schemas.microsoft.com/office/drawing/2014/main" id="{2AF7E7CD-510A-451F-AE4F-1FE80D472476}"/>
+                <a16:creationId xmlns:a16="http://schemas.microsoft.com/office/drawing/2014/main" xmlns="" id="{2AF7E7CD-510A-451F-AE4F-1FE80D472476}"/>
               </a:ext>
             </a:extLst>
           </p:cNvPr>
@@ -29327,7 +29311,7 @@
           <p:cNvPr id="9" name="내용 개체 틀 2">
             <a:extLst>
               <a:ext uri="{FF2B5EF4-FFF2-40B4-BE49-F238E27FC236}">
-                <a16:creationId xmlns="" xmlns:a16="http://schemas.microsoft.com/office/drawing/2014/main" id="{CCE24EAD-026D-407F-A9E3-40C16CA2D969}"/>
+                <a16:creationId xmlns:a16="http://schemas.microsoft.com/office/drawing/2014/main" xmlns="" id="{CCE24EAD-026D-407F-A9E3-40C16CA2D969}"/>
               </a:ext>
             </a:extLst>
           </p:cNvPr>
@@ -29501,7 +29485,7 @@
           <p:cNvPr id="3" name="슬라이드 번호 개체 틀 2">
             <a:extLst>
               <a:ext uri="{FF2B5EF4-FFF2-40B4-BE49-F238E27FC236}">
-                <a16:creationId xmlns="" xmlns:a16="http://schemas.microsoft.com/office/drawing/2014/main" id="{8CC9B105-6326-40F9-B45E-3D3398963DF7}"/>
+                <a16:creationId xmlns:a16="http://schemas.microsoft.com/office/drawing/2014/main" xmlns="" id="{8CC9B105-6326-40F9-B45E-3D3398963DF7}"/>
               </a:ext>
             </a:extLst>
           </p:cNvPr>
@@ -29567,7 +29551,7 @@
           <p:cNvPr id="14" name="직사각형 13">
             <a:extLst>
               <a:ext uri="{FF2B5EF4-FFF2-40B4-BE49-F238E27FC236}">
-                <a16:creationId xmlns="" xmlns:a16="http://schemas.microsoft.com/office/drawing/2014/main" id="{AE63793F-FA1A-4167-B2AD-02BBF5F21C73}"/>
+                <a16:creationId xmlns:a16="http://schemas.microsoft.com/office/drawing/2014/main" xmlns="" id="{AE63793F-FA1A-4167-B2AD-02BBF5F21C73}"/>
               </a:ext>
             </a:extLst>
           </p:cNvPr>
@@ -29619,7 +29603,7 @@
           <p:cNvPr id="17" name="직사각형 16">
             <a:extLst>
               <a:ext uri="{FF2B5EF4-FFF2-40B4-BE49-F238E27FC236}">
-                <a16:creationId xmlns="" xmlns:a16="http://schemas.microsoft.com/office/drawing/2014/main" id="{066DE11C-AC07-40FE-A70B-C517D5EAB114}"/>
+                <a16:creationId xmlns:a16="http://schemas.microsoft.com/office/drawing/2014/main" xmlns="" id="{066DE11C-AC07-40FE-A70B-C517D5EAB114}"/>
               </a:ext>
             </a:extLst>
           </p:cNvPr>
@@ -29671,7 +29655,7 @@
           <p:cNvPr id="16" name="직사각형 15">
             <a:extLst>
               <a:ext uri="{FF2B5EF4-FFF2-40B4-BE49-F238E27FC236}">
-                <a16:creationId xmlns="" xmlns:a16="http://schemas.microsoft.com/office/drawing/2014/main" id="{A54456E0-1C77-483C-B12A-FF1F3FF06343}"/>
+                <a16:creationId xmlns:a16="http://schemas.microsoft.com/office/drawing/2014/main" xmlns="" id="{A54456E0-1C77-483C-B12A-FF1F3FF06343}"/>
               </a:ext>
             </a:extLst>
           </p:cNvPr>
@@ -29731,7 +29715,7 @@
           <p:cNvPr id="19" name="직사각형 18">
             <a:extLst>
               <a:ext uri="{FF2B5EF4-FFF2-40B4-BE49-F238E27FC236}">
-                <a16:creationId xmlns="" xmlns:a16="http://schemas.microsoft.com/office/drawing/2014/main" id="{41BCC7B7-39A9-4A43-8C73-FE2CA3F652CF}"/>
+                <a16:creationId xmlns:a16="http://schemas.microsoft.com/office/drawing/2014/main" xmlns="" id="{41BCC7B7-39A9-4A43-8C73-FE2CA3F652CF}"/>
               </a:ext>
             </a:extLst>
           </p:cNvPr>
@@ -29788,7 +29772,7 @@
           <p:cNvPr id="2" name="제목 1">
             <a:extLst>
               <a:ext uri="{FF2B5EF4-FFF2-40B4-BE49-F238E27FC236}">
-                <a16:creationId xmlns="" xmlns:a16="http://schemas.microsoft.com/office/drawing/2014/main" id="{666811A4-3F51-4FF1-93F6-80740EECEC7A}"/>
+                <a16:creationId xmlns:a16="http://schemas.microsoft.com/office/drawing/2014/main" xmlns="" id="{666811A4-3F51-4FF1-93F6-80740EECEC7A}"/>
               </a:ext>
             </a:extLst>
           </p:cNvPr>
@@ -29827,7 +29811,7 @@
           <p:cNvPr id="3" name="내용 개체 틀 2">
             <a:extLst>
               <a:ext uri="{FF2B5EF4-FFF2-40B4-BE49-F238E27FC236}">
-                <a16:creationId xmlns="" xmlns:a16="http://schemas.microsoft.com/office/drawing/2014/main" id="{5AF6218F-A297-44A8-8E23-B277CC8998E7}"/>
+                <a16:creationId xmlns:a16="http://schemas.microsoft.com/office/drawing/2014/main" xmlns="" id="{5AF6218F-A297-44A8-8E23-B277CC8998E7}"/>
               </a:ext>
             </a:extLst>
           </p:cNvPr>
@@ -29897,7 +29881,7 @@
           <p:cNvPr id="7" name="슬라이드 번호 개체 틀 6">
             <a:extLst>
               <a:ext uri="{FF2B5EF4-FFF2-40B4-BE49-F238E27FC236}">
-                <a16:creationId xmlns="" xmlns:a16="http://schemas.microsoft.com/office/drawing/2014/main" id="{C51B4C90-0651-481B-9416-73964AE97C39}"/>
+                <a16:creationId xmlns:a16="http://schemas.microsoft.com/office/drawing/2014/main" xmlns="" id="{C51B4C90-0651-481B-9416-73964AE97C39}"/>
               </a:ext>
             </a:extLst>
           </p:cNvPr>
@@ -29926,7 +29910,7 @@
           <p:cNvPr id="11" name="그림 10">
             <a:extLst>
               <a:ext uri="{FF2B5EF4-FFF2-40B4-BE49-F238E27FC236}">
-                <a16:creationId xmlns="" xmlns:a16="http://schemas.microsoft.com/office/drawing/2014/main" xmlns:lc="http://schemas.openxmlformats.org/drawingml/2006/lockedCanvas" id="{B7202714-F53C-4F22-9FFB-C804155BEEF7}"/>
+                <a16:creationId xmlns:lc="http://schemas.openxmlformats.org/drawingml/2006/lockedCanvas" xmlns:a16="http://schemas.microsoft.com/office/drawing/2014/main" xmlns="" id="{B7202714-F53C-4F22-9FFB-C804155BEEF7}"/>
               </a:ext>
             </a:extLst>
           </p:cNvPr>
@@ -29962,7 +29946,7 @@
           <p:cNvPr id="12" name="그림 11">
             <a:extLst>
               <a:ext uri="{FF2B5EF4-FFF2-40B4-BE49-F238E27FC236}">
-                <a16:creationId xmlns="" xmlns:a16="http://schemas.microsoft.com/office/drawing/2014/main" xmlns:lc="http://schemas.openxmlformats.org/drawingml/2006/lockedCanvas" id="{91E7FD4D-A7A7-41DE-AF5C-535CC6416CD6}"/>
+                <a16:creationId xmlns:lc="http://schemas.openxmlformats.org/drawingml/2006/lockedCanvas" xmlns:a16="http://schemas.microsoft.com/office/drawing/2014/main" xmlns="" id="{91E7FD4D-A7A7-41DE-AF5C-535CC6416CD6}"/>
               </a:ext>
             </a:extLst>
           </p:cNvPr>
@@ -30029,7 +30013,7 @@
           <p:cNvPr id="14" name="직사각형 13">
             <a:extLst>
               <a:ext uri="{FF2B5EF4-FFF2-40B4-BE49-F238E27FC236}">
-                <a16:creationId xmlns="" xmlns:a16="http://schemas.microsoft.com/office/drawing/2014/main" id="{AE63793F-FA1A-4167-B2AD-02BBF5F21C73}"/>
+                <a16:creationId xmlns:a16="http://schemas.microsoft.com/office/drawing/2014/main" xmlns="" id="{AE63793F-FA1A-4167-B2AD-02BBF5F21C73}"/>
               </a:ext>
             </a:extLst>
           </p:cNvPr>
@@ -30081,7 +30065,7 @@
           <p:cNvPr id="17" name="직사각형 16">
             <a:extLst>
               <a:ext uri="{FF2B5EF4-FFF2-40B4-BE49-F238E27FC236}">
-                <a16:creationId xmlns="" xmlns:a16="http://schemas.microsoft.com/office/drawing/2014/main" id="{066DE11C-AC07-40FE-A70B-C517D5EAB114}"/>
+                <a16:creationId xmlns:a16="http://schemas.microsoft.com/office/drawing/2014/main" xmlns="" id="{066DE11C-AC07-40FE-A70B-C517D5EAB114}"/>
               </a:ext>
             </a:extLst>
           </p:cNvPr>
@@ -30133,7 +30117,7 @@
           <p:cNvPr id="16" name="직사각형 15">
             <a:extLst>
               <a:ext uri="{FF2B5EF4-FFF2-40B4-BE49-F238E27FC236}">
-                <a16:creationId xmlns="" xmlns:a16="http://schemas.microsoft.com/office/drawing/2014/main" id="{A54456E0-1C77-483C-B12A-FF1F3FF06343}"/>
+                <a16:creationId xmlns:a16="http://schemas.microsoft.com/office/drawing/2014/main" xmlns="" id="{A54456E0-1C77-483C-B12A-FF1F3FF06343}"/>
               </a:ext>
             </a:extLst>
           </p:cNvPr>
@@ -30193,7 +30177,7 @@
           <p:cNvPr id="19" name="직사각형 18">
             <a:extLst>
               <a:ext uri="{FF2B5EF4-FFF2-40B4-BE49-F238E27FC236}">
-                <a16:creationId xmlns="" xmlns:a16="http://schemas.microsoft.com/office/drawing/2014/main" id="{41BCC7B7-39A9-4A43-8C73-FE2CA3F652CF}"/>
+                <a16:creationId xmlns:a16="http://schemas.microsoft.com/office/drawing/2014/main" xmlns="" id="{41BCC7B7-39A9-4A43-8C73-FE2CA3F652CF}"/>
               </a:ext>
             </a:extLst>
           </p:cNvPr>
@@ -30250,7 +30234,7 @@
           <p:cNvPr id="2" name="제목 1">
             <a:extLst>
               <a:ext uri="{FF2B5EF4-FFF2-40B4-BE49-F238E27FC236}">
-                <a16:creationId xmlns="" xmlns:a16="http://schemas.microsoft.com/office/drawing/2014/main" id="{666811A4-3F51-4FF1-93F6-80740EECEC7A}"/>
+                <a16:creationId xmlns:a16="http://schemas.microsoft.com/office/drawing/2014/main" xmlns="" id="{666811A4-3F51-4FF1-93F6-80740EECEC7A}"/>
               </a:ext>
             </a:extLst>
           </p:cNvPr>
@@ -30289,7 +30273,7 @@
           <p:cNvPr id="3" name="내용 개체 틀 2">
             <a:extLst>
               <a:ext uri="{FF2B5EF4-FFF2-40B4-BE49-F238E27FC236}">
-                <a16:creationId xmlns="" xmlns:a16="http://schemas.microsoft.com/office/drawing/2014/main" id="{5AF6218F-A297-44A8-8E23-B277CC8998E7}"/>
+                <a16:creationId xmlns:a16="http://schemas.microsoft.com/office/drawing/2014/main" xmlns="" id="{5AF6218F-A297-44A8-8E23-B277CC8998E7}"/>
               </a:ext>
             </a:extLst>
           </p:cNvPr>
@@ -30367,7 +30351,7 @@
           <p:cNvPr id="7" name="슬라이드 번호 개체 틀 6">
             <a:extLst>
               <a:ext uri="{FF2B5EF4-FFF2-40B4-BE49-F238E27FC236}">
-                <a16:creationId xmlns="" xmlns:a16="http://schemas.microsoft.com/office/drawing/2014/main" id="{C51B4C90-0651-481B-9416-73964AE97C39}"/>
+                <a16:creationId xmlns:a16="http://schemas.microsoft.com/office/drawing/2014/main" xmlns="" id="{C51B4C90-0651-481B-9416-73964AE97C39}"/>
               </a:ext>
             </a:extLst>
           </p:cNvPr>
@@ -30396,7 +30380,7 @@
           <p:cNvPr id="13" name="그림 12">
             <a:extLst>
               <a:ext uri="{FF2B5EF4-FFF2-40B4-BE49-F238E27FC236}">
-                <a16:creationId xmlns="" xmlns:a16="http://schemas.microsoft.com/office/drawing/2014/main" xmlns:lc="http://schemas.openxmlformats.org/drawingml/2006/lockedCanvas" id="{AC9FCA9D-E1AE-4FA6-8771-931F4CD35411}"/>
+                <a16:creationId xmlns:lc="http://schemas.openxmlformats.org/drawingml/2006/lockedCanvas" xmlns:a16="http://schemas.microsoft.com/office/drawing/2014/main" xmlns="" id="{AC9FCA9D-E1AE-4FA6-8771-931F4CD35411}"/>
               </a:ext>
             </a:extLst>
           </p:cNvPr>
@@ -30426,7 +30410,7 @@
           <p:cNvPr id="15" name="그림 14">
             <a:extLst>
               <a:ext uri="{FF2B5EF4-FFF2-40B4-BE49-F238E27FC236}">
-                <a16:creationId xmlns="" xmlns:a16="http://schemas.microsoft.com/office/drawing/2014/main" xmlns:lc="http://schemas.openxmlformats.org/drawingml/2006/lockedCanvas" id="{EE0EC286-B969-498C-A9FD-90FFC0AED740}"/>
+                <a16:creationId xmlns:lc="http://schemas.openxmlformats.org/drawingml/2006/lockedCanvas" xmlns:a16="http://schemas.microsoft.com/office/drawing/2014/main" xmlns="" id="{EE0EC286-B969-498C-A9FD-90FFC0AED740}"/>
               </a:ext>
             </a:extLst>
           </p:cNvPr>
@@ -30493,7 +30477,7 @@
           <p:cNvPr id="14" name="직사각형 13">
             <a:extLst>
               <a:ext uri="{FF2B5EF4-FFF2-40B4-BE49-F238E27FC236}">
-                <a16:creationId xmlns="" xmlns:a16="http://schemas.microsoft.com/office/drawing/2014/main" id="{AE63793F-FA1A-4167-B2AD-02BBF5F21C73}"/>
+                <a16:creationId xmlns:a16="http://schemas.microsoft.com/office/drawing/2014/main" xmlns="" id="{AE63793F-FA1A-4167-B2AD-02BBF5F21C73}"/>
               </a:ext>
             </a:extLst>
           </p:cNvPr>
@@ -30545,7 +30529,7 @@
           <p:cNvPr id="17" name="직사각형 16">
             <a:extLst>
               <a:ext uri="{FF2B5EF4-FFF2-40B4-BE49-F238E27FC236}">
-                <a16:creationId xmlns="" xmlns:a16="http://schemas.microsoft.com/office/drawing/2014/main" id="{066DE11C-AC07-40FE-A70B-C517D5EAB114}"/>
+                <a16:creationId xmlns:a16="http://schemas.microsoft.com/office/drawing/2014/main" xmlns="" id="{066DE11C-AC07-40FE-A70B-C517D5EAB114}"/>
               </a:ext>
             </a:extLst>
           </p:cNvPr>
@@ -30597,7 +30581,7 @@
           <p:cNvPr id="16" name="직사각형 15">
             <a:extLst>
               <a:ext uri="{FF2B5EF4-FFF2-40B4-BE49-F238E27FC236}">
-                <a16:creationId xmlns="" xmlns:a16="http://schemas.microsoft.com/office/drawing/2014/main" id="{A54456E0-1C77-483C-B12A-FF1F3FF06343}"/>
+                <a16:creationId xmlns:a16="http://schemas.microsoft.com/office/drawing/2014/main" xmlns="" id="{A54456E0-1C77-483C-B12A-FF1F3FF06343}"/>
               </a:ext>
             </a:extLst>
           </p:cNvPr>
@@ -30657,7 +30641,7 @@
           <p:cNvPr id="19" name="직사각형 18">
             <a:extLst>
               <a:ext uri="{FF2B5EF4-FFF2-40B4-BE49-F238E27FC236}">
-                <a16:creationId xmlns="" xmlns:a16="http://schemas.microsoft.com/office/drawing/2014/main" id="{41BCC7B7-39A9-4A43-8C73-FE2CA3F652CF}"/>
+                <a16:creationId xmlns:a16="http://schemas.microsoft.com/office/drawing/2014/main" xmlns="" id="{41BCC7B7-39A9-4A43-8C73-FE2CA3F652CF}"/>
               </a:ext>
             </a:extLst>
           </p:cNvPr>
@@ -30714,7 +30698,7 @@
           <p:cNvPr id="2" name="제목 1">
             <a:extLst>
               <a:ext uri="{FF2B5EF4-FFF2-40B4-BE49-F238E27FC236}">
-                <a16:creationId xmlns="" xmlns:a16="http://schemas.microsoft.com/office/drawing/2014/main" id="{666811A4-3F51-4FF1-93F6-80740EECEC7A}"/>
+                <a16:creationId xmlns:a16="http://schemas.microsoft.com/office/drawing/2014/main" xmlns="" id="{666811A4-3F51-4FF1-93F6-80740EECEC7A}"/>
               </a:ext>
             </a:extLst>
           </p:cNvPr>
@@ -30753,7 +30737,7 @@
           <p:cNvPr id="3" name="내용 개체 틀 2">
             <a:extLst>
               <a:ext uri="{FF2B5EF4-FFF2-40B4-BE49-F238E27FC236}">
-                <a16:creationId xmlns="" xmlns:a16="http://schemas.microsoft.com/office/drawing/2014/main" id="{5AF6218F-A297-44A8-8E23-B277CC8998E7}"/>
+                <a16:creationId xmlns:a16="http://schemas.microsoft.com/office/drawing/2014/main" xmlns="" id="{5AF6218F-A297-44A8-8E23-B277CC8998E7}"/>
               </a:ext>
             </a:extLst>
           </p:cNvPr>
@@ -30831,7 +30815,7 @@
           <p:cNvPr id="7" name="슬라이드 번호 개체 틀 6">
             <a:extLst>
               <a:ext uri="{FF2B5EF4-FFF2-40B4-BE49-F238E27FC236}">
-                <a16:creationId xmlns="" xmlns:a16="http://schemas.microsoft.com/office/drawing/2014/main" id="{C51B4C90-0651-481B-9416-73964AE97C39}"/>
+                <a16:creationId xmlns:a16="http://schemas.microsoft.com/office/drawing/2014/main" xmlns="" id="{C51B4C90-0651-481B-9416-73964AE97C39}"/>
               </a:ext>
             </a:extLst>
           </p:cNvPr>
@@ -30860,7 +30844,7 @@
           <p:cNvPr id="11" name="그림 10">
             <a:extLst>
               <a:ext uri="{FF2B5EF4-FFF2-40B4-BE49-F238E27FC236}">
-                <a16:creationId xmlns="" xmlns:a16="http://schemas.microsoft.com/office/drawing/2014/main" xmlns:lc="http://schemas.openxmlformats.org/drawingml/2006/lockedCanvas" id="{3B7187EB-8FF6-40EE-B355-9CCF07EB647E}"/>
+                <a16:creationId xmlns:lc="http://schemas.openxmlformats.org/drawingml/2006/lockedCanvas" xmlns:a16="http://schemas.microsoft.com/office/drawing/2014/main" xmlns="" id="{3B7187EB-8FF6-40EE-B355-9CCF07EB647E}"/>
               </a:ext>
             </a:extLst>
           </p:cNvPr>
@@ -31023,7 +31007,7 @@
           <p:cNvPr id="14" name="직사각형 13">
             <a:extLst>
               <a:ext uri="{FF2B5EF4-FFF2-40B4-BE49-F238E27FC236}">
-                <a16:creationId xmlns="" xmlns:a16="http://schemas.microsoft.com/office/drawing/2014/main" id="{AE63793F-FA1A-4167-B2AD-02BBF5F21C73}"/>
+                <a16:creationId xmlns:a16="http://schemas.microsoft.com/office/drawing/2014/main" xmlns="" id="{AE63793F-FA1A-4167-B2AD-02BBF5F21C73}"/>
               </a:ext>
             </a:extLst>
           </p:cNvPr>
@@ -31075,7 +31059,7 @@
           <p:cNvPr id="17" name="직사각형 16">
             <a:extLst>
               <a:ext uri="{FF2B5EF4-FFF2-40B4-BE49-F238E27FC236}">
-                <a16:creationId xmlns="" xmlns:a16="http://schemas.microsoft.com/office/drawing/2014/main" id="{066DE11C-AC07-40FE-A70B-C517D5EAB114}"/>
+                <a16:creationId xmlns:a16="http://schemas.microsoft.com/office/drawing/2014/main" xmlns="" id="{066DE11C-AC07-40FE-A70B-C517D5EAB114}"/>
               </a:ext>
             </a:extLst>
           </p:cNvPr>
@@ -31127,7 +31111,7 @@
           <p:cNvPr id="16" name="직사각형 15">
             <a:extLst>
               <a:ext uri="{FF2B5EF4-FFF2-40B4-BE49-F238E27FC236}">
-                <a16:creationId xmlns="" xmlns:a16="http://schemas.microsoft.com/office/drawing/2014/main" id="{A54456E0-1C77-483C-B12A-FF1F3FF06343}"/>
+                <a16:creationId xmlns:a16="http://schemas.microsoft.com/office/drawing/2014/main" xmlns="" id="{A54456E0-1C77-483C-B12A-FF1F3FF06343}"/>
               </a:ext>
             </a:extLst>
           </p:cNvPr>
@@ -31187,7 +31171,7 @@
           <p:cNvPr id="19" name="직사각형 18">
             <a:extLst>
               <a:ext uri="{FF2B5EF4-FFF2-40B4-BE49-F238E27FC236}">
-                <a16:creationId xmlns="" xmlns:a16="http://schemas.microsoft.com/office/drawing/2014/main" id="{41BCC7B7-39A9-4A43-8C73-FE2CA3F652CF}"/>
+                <a16:creationId xmlns:a16="http://schemas.microsoft.com/office/drawing/2014/main" xmlns="" id="{41BCC7B7-39A9-4A43-8C73-FE2CA3F652CF}"/>
               </a:ext>
             </a:extLst>
           </p:cNvPr>
@@ -31244,7 +31228,7 @@
           <p:cNvPr id="3" name="내용 개체 틀 2">
             <a:extLst>
               <a:ext uri="{FF2B5EF4-FFF2-40B4-BE49-F238E27FC236}">
-                <a16:creationId xmlns="" xmlns:a16="http://schemas.microsoft.com/office/drawing/2014/main" id="{5AF6218F-A297-44A8-8E23-B277CC8998E7}"/>
+                <a16:creationId xmlns:a16="http://schemas.microsoft.com/office/drawing/2014/main" xmlns="" id="{5AF6218F-A297-44A8-8E23-B277CC8998E7}"/>
               </a:ext>
             </a:extLst>
           </p:cNvPr>
@@ -31291,14 +31275,46 @@
             </a:pPr>
             <a:r>
               <a:rPr lang="ko-KR" altLang="en-US" sz="2000" smtClean="0"/>
+              <a:t>원거리에서 </a:t>
+            </a:r>
+            <a:r>
+              <a:rPr lang="en-US" altLang="ko-KR" sz="2000" smtClean="0"/>
+              <a:t>500ms </a:t>
+            </a:r>
+            <a:r>
+              <a:rPr lang="ko-KR" altLang="en-US" sz="2000" smtClean="0"/>
+              <a:t>이하의 실시간 스트리밍 구현</a:t>
+            </a:r>
+            <a:endParaRPr lang="en-US" altLang="ko-KR" sz="2000" smtClean="0"/>
+          </a:p>
+          <a:p>
+            <a:pPr>
+              <a:lnSpc>
+                <a:spcPct val="110000"/>
+              </a:lnSpc>
+            </a:pPr>
+            <a:r>
+              <a:rPr lang="ko-KR" altLang="en-US" sz="2000" smtClean="0"/>
+              <a:t>총기 감지 신호가 들어올 경우 애플리케이션에서 사용자에게 경고</a:t>
+            </a:r>
+            <a:endParaRPr lang="en-US" altLang="ko-KR" sz="2000" smtClean="0"/>
+          </a:p>
+          <a:p>
+            <a:pPr>
+              <a:lnSpc>
+                <a:spcPct val="110000"/>
+              </a:lnSpc>
+            </a:pPr>
+            <a:r>
+              <a:rPr lang="ko-KR" altLang="en-US" sz="2000"/>
               <a:t>안드로이드 상에서 돌아가는 </a:t>
             </a:r>
             <a:r>
-              <a:rPr lang="en-US" altLang="ko-KR" sz="2000" smtClean="0"/>
+              <a:rPr lang="en-US" altLang="ko-KR" sz="2000"/>
               <a:t>DMR </a:t>
             </a:r>
             <a:r>
-              <a:rPr lang="ko-KR" altLang="en-US" sz="2000" smtClean="0"/>
+              <a:rPr lang="ko-KR" altLang="en-US" sz="2000"/>
               <a:t>서버 개발</a:t>
             </a:r>
             <a:endParaRPr lang="en-US" altLang="ko-KR" sz="2000" smtClean="0"/>
@@ -31311,11 +31327,7 @@
             </a:pPr>
             <a:r>
               <a:rPr lang="ko-KR" altLang="en-US" sz="2000"/>
-              <a:t>다수의 관리자가 어디에 있든 안드로이드 앱을 이용한 </a:t>
-            </a:r>
-            <a:r>
-              <a:rPr lang="ko-KR" altLang="en-US" sz="2000"/>
-              <a:t>실시간 </a:t>
+              <a:t>다수의 관리자가 어디에 있든 안드로이드 앱을 이용한 실시간 </a:t>
             </a:r>
             <a:r>
               <a:rPr lang="ko-KR" altLang="en-US" sz="2000" smtClean="0"/>
@@ -31343,7 +31355,19 @@
             </a:r>
             <a:r>
               <a:rPr lang="ko-KR" altLang="en-US" sz="2000" dirty="0"/>
-              <a:t>카메라에 장착된 스피커로 실시간 음성 경고</a:t>
+              <a:t>카메라에 장착된 스피커로 실시간 </a:t>
+            </a:r>
+            <a:r>
+              <a:rPr lang="ko-KR" altLang="en-US" sz="2000"/>
+              <a:t>음성 </a:t>
+            </a:r>
+            <a:r>
+              <a:rPr lang="ko-KR" altLang="en-US" sz="2000" smtClean="0"/>
+              <a:t>신호전</a:t>
+            </a:r>
+            <a:r>
+              <a:rPr lang="ko-KR" altLang="en-US" sz="2000"/>
+              <a:t>송</a:t>
             </a:r>
             <a:endParaRPr lang="en-US" altLang="ko-KR" sz="2000" dirty="0"/>
           </a:p>
@@ -31354,11 +31378,7 @@
               </a:lnSpc>
             </a:pPr>
             <a:r>
-              <a:rPr lang="ko-KR" altLang="en-US" sz="2000" dirty="0"/>
-              <a:t>실시간 </a:t>
-            </a:r>
-            <a:r>
-              <a:rPr lang="en-US" altLang="ko-KR" sz="2000" dirty="0"/>
+              <a:rPr lang="en-US" altLang="ko-KR" sz="2000" smtClean="0"/>
               <a:t>CCTV </a:t>
             </a:r>
             <a:r>
@@ -31382,7 +31402,7 @@
           <p:cNvPr id="13" name="제목 1">
             <a:extLst>
               <a:ext uri="{FF2B5EF4-FFF2-40B4-BE49-F238E27FC236}">
-                <a16:creationId xmlns="" xmlns:a16="http://schemas.microsoft.com/office/drawing/2014/main" id="{AF6A6752-D472-44BC-A4C4-6A01FAB34FB7}"/>
+                <a16:creationId xmlns:a16="http://schemas.microsoft.com/office/drawing/2014/main" xmlns="" id="{AF6A6752-D472-44BC-A4C4-6A01FAB34FB7}"/>
               </a:ext>
             </a:extLst>
           </p:cNvPr>
@@ -31421,7 +31441,7 @@
           <p:cNvPr id="9" name="슬라이드 번호 개체 틀 8">
             <a:extLst>
               <a:ext uri="{FF2B5EF4-FFF2-40B4-BE49-F238E27FC236}">
-                <a16:creationId xmlns="" xmlns:a16="http://schemas.microsoft.com/office/drawing/2014/main" id="{DBCEF005-167B-4FCF-90D3-1E6CB7F1C53D}"/>
+                <a16:creationId xmlns:a16="http://schemas.microsoft.com/office/drawing/2014/main" xmlns="" id="{DBCEF005-167B-4FCF-90D3-1E6CB7F1C53D}"/>
               </a:ext>
             </a:extLst>
           </p:cNvPr>
@@ -31448,7 +31468,7 @@
     </p:spTree>
     <p:extLst>
       <p:ext uri="{BB962C8B-B14F-4D97-AF65-F5344CB8AC3E}">
-        <p14:creationId xmlns:p14="http://schemas.microsoft.com/office/powerpoint/2010/main" val="1080393832"/>
+        <p14:creationId xmlns:p14="http://schemas.microsoft.com/office/powerpoint/2010/main" val="831106226"/>
       </p:ext>
     </p:extLst>
   </p:cSld>
@@ -31487,7 +31507,7 @@
           <p:cNvPr id="14" name="직사각형 13">
             <a:extLst>
               <a:ext uri="{FF2B5EF4-FFF2-40B4-BE49-F238E27FC236}">
-                <a16:creationId xmlns="" xmlns:a16="http://schemas.microsoft.com/office/drawing/2014/main" id="{AE63793F-FA1A-4167-B2AD-02BBF5F21C73}"/>
+                <a16:creationId xmlns:a16="http://schemas.microsoft.com/office/drawing/2014/main" xmlns="" id="{AE63793F-FA1A-4167-B2AD-02BBF5F21C73}"/>
               </a:ext>
             </a:extLst>
           </p:cNvPr>
@@ -31539,7 +31559,7 @@
           <p:cNvPr id="17" name="직사각형 16">
             <a:extLst>
               <a:ext uri="{FF2B5EF4-FFF2-40B4-BE49-F238E27FC236}">
-                <a16:creationId xmlns="" xmlns:a16="http://schemas.microsoft.com/office/drawing/2014/main" id="{066DE11C-AC07-40FE-A70B-C517D5EAB114}"/>
+                <a16:creationId xmlns:a16="http://schemas.microsoft.com/office/drawing/2014/main" xmlns="" id="{066DE11C-AC07-40FE-A70B-C517D5EAB114}"/>
               </a:ext>
             </a:extLst>
           </p:cNvPr>
@@ -31591,7 +31611,7 @@
           <p:cNvPr id="16" name="직사각형 15">
             <a:extLst>
               <a:ext uri="{FF2B5EF4-FFF2-40B4-BE49-F238E27FC236}">
-                <a16:creationId xmlns="" xmlns:a16="http://schemas.microsoft.com/office/drawing/2014/main" id="{A54456E0-1C77-483C-B12A-FF1F3FF06343}"/>
+                <a16:creationId xmlns:a16="http://schemas.microsoft.com/office/drawing/2014/main" xmlns="" id="{A54456E0-1C77-483C-B12A-FF1F3FF06343}"/>
               </a:ext>
             </a:extLst>
           </p:cNvPr>
@@ -31651,7 +31671,7 @@
           <p:cNvPr id="19" name="직사각형 18">
             <a:extLst>
               <a:ext uri="{FF2B5EF4-FFF2-40B4-BE49-F238E27FC236}">
-                <a16:creationId xmlns="" xmlns:a16="http://schemas.microsoft.com/office/drawing/2014/main" id="{41BCC7B7-39A9-4A43-8C73-FE2CA3F652CF}"/>
+                <a16:creationId xmlns:a16="http://schemas.microsoft.com/office/drawing/2014/main" xmlns="" id="{41BCC7B7-39A9-4A43-8C73-FE2CA3F652CF}"/>
               </a:ext>
             </a:extLst>
           </p:cNvPr>
@@ -31708,7 +31728,7 @@
           <p:cNvPr id="3" name="내용 개체 틀 2">
             <a:extLst>
               <a:ext uri="{FF2B5EF4-FFF2-40B4-BE49-F238E27FC236}">
-                <a16:creationId xmlns="" xmlns:a16="http://schemas.microsoft.com/office/drawing/2014/main" id="{5AF6218F-A297-44A8-8E23-B277CC8998E7}"/>
+                <a16:creationId xmlns:a16="http://schemas.microsoft.com/office/drawing/2014/main" xmlns="" id="{5AF6218F-A297-44A8-8E23-B277CC8998E7}"/>
               </a:ext>
             </a:extLst>
           </p:cNvPr>
@@ -31822,7 +31842,7 @@
           <p:cNvPr id="13" name="제목 1">
             <a:extLst>
               <a:ext uri="{FF2B5EF4-FFF2-40B4-BE49-F238E27FC236}">
-                <a16:creationId xmlns="" xmlns:a16="http://schemas.microsoft.com/office/drawing/2014/main" id="{AF6A6752-D472-44BC-A4C4-6A01FAB34FB7}"/>
+                <a16:creationId xmlns:a16="http://schemas.microsoft.com/office/drawing/2014/main" xmlns="" id="{AF6A6752-D472-44BC-A4C4-6A01FAB34FB7}"/>
               </a:ext>
             </a:extLst>
           </p:cNvPr>
@@ -31861,7 +31881,7 @@
           <p:cNvPr id="9" name="슬라이드 번호 개체 틀 8">
             <a:extLst>
               <a:ext uri="{FF2B5EF4-FFF2-40B4-BE49-F238E27FC236}">
-                <a16:creationId xmlns="" xmlns:a16="http://schemas.microsoft.com/office/drawing/2014/main" id="{DBCEF005-167B-4FCF-90D3-1E6CB7F1C53D}"/>
+                <a16:creationId xmlns:a16="http://schemas.microsoft.com/office/drawing/2014/main" xmlns="" id="{DBCEF005-167B-4FCF-90D3-1E6CB7F1C53D}"/>
               </a:ext>
             </a:extLst>
           </p:cNvPr>
@@ -31927,7 +31947,7 @@
           <p:cNvPr id="14" name="직사각형 13">
             <a:extLst>
               <a:ext uri="{FF2B5EF4-FFF2-40B4-BE49-F238E27FC236}">
-                <a16:creationId xmlns="" xmlns:a16="http://schemas.microsoft.com/office/drawing/2014/main" id="{AE63793F-FA1A-4167-B2AD-02BBF5F21C73}"/>
+                <a16:creationId xmlns:a16="http://schemas.microsoft.com/office/drawing/2014/main" xmlns="" id="{AE63793F-FA1A-4167-B2AD-02BBF5F21C73}"/>
               </a:ext>
             </a:extLst>
           </p:cNvPr>
@@ -31979,7 +31999,7 @@
           <p:cNvPr id="17" name="직사각형 16">
             <a:extLst>
               <a:ext uri="{FF2B5EF4-FFF2-40B4-BE49-F238E27FC236}">
-                <a16:creationId xmlns="" xmlns:a16="http://schemas.microsoft.com/office/drawing/2014/main" id="{066DE11C-AC07-40FE-A70B-C517D5EAB114}"/>
+                <a16:creationId xmlns:a16="http://schemas.microsoft.com/office/drawing/2014/main" xmlns="" id="{066DE11C-AC07-40FE-A70B-C517D5EAB114}"/>
               </a:ext>
             </a:extLst>
           </p:cNvPr>
@@ -32031,7 +32051,7 @@
           <p:cNvPr id="16" name="직사각형 15">
             <a:extLst>
               <a:ext uri="{FF2B5EF4-FFF2-40B4-BE49-F238E27FC236}">
-                <a16:creationId xmlns="" xmlns:a16="http://schemas.microsoft.com/office/drawing/2014/main" id="{A54456E0-1C77-483C-B12A-FF1F3FF06343}"/>
+                <a16:creationId xmlns:a16="http://schemas.microsoft.com/office/drawing/2014/main" xmlns="" id="{A54456E0-1C77-483C-B12A-FF1F3FF06343}"/>
               </a:ext>
             </a:extLst>
           </p:cNvPr>
@@ -32091,7 +32111,7 @@
           <p:cNvPr id="19" name="직사각형 18">
             <a:extLst>
               <a:ext uri="{FF2B5EF4-FFF2-40B4-BE49-F238E27FC236}">
-                <a16:creationId xmlns="" xmlns:a16="http://schemas.microsoft.com/office/drawing/2014/main" id="{41BCC7B7-39A9-4A43-8C73-FE2CA3F652CF}"/>
+                <a16:creationId xmlns:a16="http://schemas.microsoft.com/office/drawing/2014/main" xmlns="" id="{41BCC7B7-39A9-4A43-8C73-FE2CA3F652CF}"/>
               </a:ext>
             </a:extLst>
           </p:cNvPr>
@@ -32148,7 +32168,7 @@
           <p:cNvPr id="3" name="내용 개체 틀 2">
             <a:extLst>
               <a:ext uri="{FF2B5EF4-FFF2-40B4-BE49-F238E27FC236}">
-                <a16:creationId xmlns="" xmlns:a16="http://schemas.microsoft.com/office/drawing/2014/main" id="{5AF6218F-A297-44A8-8E23-B277CC8998E7}"/>
+                <a16:creationId xmlns:a16="http://schemas.microsoft.com/office/drawing/2014/main" xmlns="" id="{5AF6218F-A297-44A8-8E23-B277CC8998E7}"/>
               </a:ext>
             </a:extLst>
           </p:cNvPr>
@@ -32281,7 +32301,7 @@
           <p:cNvPr id="10" name="제목 1">
             <a:extLst>
               <a:ext uri="{FF2B5EF4-FFF2-40B4-BE49-F238E27FC236}">
-                <a16:creationId xmlns="" xmlns:a16="http://schemas.microsoft.com/office/drawing/2014/main" id="{AE48F724-E042-4450-8C2F-2B3B6C17BFB0}"/>
+                <a16:creationId xmlns:a16="http://schemas.microsoft.com/office/drawing/2014/main" xmlns="" id="{AE48F724-E042-4450-8C2F-2B3B6C17BFB0}"/>
               </a:ext>
             </a:extLst>
           </p:cNvPr>
@@ -32339,7 +32359,7 @@
           <p:cNvPr id="7" name="슬라이드 번호 개체 틀 6">
             <a:extLst>
               <a:ext uri="{FF2B5EF4-FFF2-40B4-BE49-F238E27FC236}">
-                <a16:creationId xmlns="" xmlns:a16="http://schemas.microsoft.com/office/drawing/2014/main" id="{C3DFA9A2-74C6-401B-A767-C83F88C56DA5}"/>
+                <a16:creationId xmlns:a16="http://schemas.microsoft.com/office/drawing/2014/main" xmlns="" id="{C3DFA9A2-74C6-401B-A767-C83F88C56DA5}"/>
               </a:ext>
             </a:extLst>
           </p:cNvPr>
@@ -32368,7 +32388,7 @@
           <p:cNvPr id="4" name="그림 3">
             <a:extLst>
               <a:ext uri="{FF2B5EF4-FFF2-40B4-BE49-F238E27FC236}">
-                <a16:creationId xmlns="" xmlns:a16="http://schemas.microsoft.com/office/drawing/2014/main" id="{422AFAE5-9567-4116-B953-F16BC353EC91}"/>
+                <a16:creationId xmlns:a16="http://schemas.microsoft.com/office/drawing/2014/main" xmlns="" id="{422AFAE5-9567-4116-B953-F16BC353EC91}"/>
               </a:ext>
             </a:extLst>
           </p:cNvPr>
@@ -32409,7 +32429,7 @@
           <p:cNvPr id="6" name="그림 5">
             <a:extLst>
               <a:ext uri="{FF2B5EF4-FFF2-40B4-BE49-F238E27FC236}">
-                <a16:creationId xmlns="" xmlns:a16="http://schemas.microsoft.com/office/drawing/2014/main" id="{88CB6159-570F-4DCB-8B44-C24DB119278F}"/>
+                <a16:creationId xmlns:a16="http://schemas.microsoft.com/office/drawing/2014/main" xmlns="" id="{88CB6159-570F-4DCB-8B44-C24DB119278F}"/>
               </a:ext>
             </a:extLst>
           </p:cNvPr>
@@ -32754,7 +32774,7 @@
   <a:extraClrSchemeLst/>
   <a:extLst>
     <a:ext uri="{05A4C25C-085E-4340-85A3-A5531E510DB2}">
-      <thm15:themeFamily xmlns="" xmlns:thm15="http://schemas.microsoft.com/office/thememl/2012/main" name="Office Theme" id="{62F939B6-93AF-4DB8-9C6B-D6C7DFDC589F}" vid="{4A3C46E8-61CC-4603-A589-7422A47A8E4A}"/>
+      <thm15:themeFamily xmlns:thm15="http://schemas.microsoft.com/office/thememl/2012/main" xmlns="" name="Office Theme" id="{62F939B6-93AF-4DB8-9C6B-D6C7DFDC589F}" vid="{4A3C46E8-61CC-4603-A589-7422A47A8E4A}"/>
     </a:ext>
   </a:extLst>
 </a:theme>
@@ -33049,7 +33069,7 @@
   <a:extraClrSchemeLst/>
   <a:extLst>
     <a:ext uri="{05A4C25C-085E-4340-85A3-A5531E510DB2}">
-      <thm15:themeFamily xmlns="" xmlns:thm15="http://schemas.microsoft.com/office/thememl/2012/main" name="Office Theme" id="{62F939B6-93AF-4DB8-9C6B-D6C7DFDC589F}" vid="{4A3C46E8-61CC-4603-A589-7422A47A8E4A}"/>
+      <thm15:themeFamily xmlns:thm15="http://schemas.microsoft.com/office/thememl/2012/main" xmlns="" name="Office Theme" id="{62F939B6-93AF-4DB8-9C6B-D6C7DFDC589F}" vid="{4A3C46E8-61CC-4603-A589-7422A47A8E4A}"/>
     </a:ext>
   </a:extLst>
 </a:theme>

--- a/Documentation/종합설계_2차_설계서_발표.pptx
+++ b/Documentation/종합설계_2차_설계서_발표.pptx
@@ -9584,7 +9584,7 @@
       </p:sp>
       <p:pic>
         <p:nvPicPr>
-          <p:cNvPr id="1026" name="Picture 2" descr="C:\Users\win10\Downloads\furrystmas\execution_process.png"/>
+          <p:cNvPr id="3" name="Picture 2"/>
           <p:cNvPicPr>
             <a:picLocks noChangeAspect="1" noChangeArrowheads="1"/>
           </p:cNvPicPr>
@@ -9605,20 +9605,43 @@
         </p:blipFill>
         <p:spPr bwMode="auto">
           <a:xfrm>
-            <a:off x="1178718" y="2433469"/>
-            <a:ext cx="9834563" cy="2719859"/>
+            <a:off x="614361" y="1576388"/>
+            <a:ext cx="10963275" cy="4238625"/>
           </a:xfrm>
           <a:prstGeom prst="rect">
             <a:avLst/>
           </a:prstGeom>
           <a:noFill/>
+          <a:ln>
+            <a:noFill/>
+          </a:ln>
+          <a:effectLst/>
           <a:extLst>
             <a:ext uri="{909E8E84-426E-40DD-AFC4-6F175D3DCCD1}">
               <a14:hiddenFill xmlns:a14="http://schemas.microsoft.com/office/drawing/2010/main">
                 <a:solidFill>
-                  <a:srgbClr val="FFFFFF"/>
+                  <a:schemeClr val="accent1"/>
                 </a:solidFill>
               </a14:hiddenFill>
+            </a:ext>
+            <a:ext uri="{91240B29-F687-4F45-9708-019B960494DF}">
+              <a14:hiddenLine xmlns:a14="http://schemas.microsoft.com/office/drawing/2010/main" w="9525">
+                <a:solidFill>
+                  <a:schemeClr val="tx1"/>
+                </a:solidFill>
+                <a:miter lim="800000"/>
+                <a:headEnd/>
+                <a:tailEnd/>
+              </a14:hiddenLine>
+            </a:ext>
+            <a:ext uri="{AF507438-7753-43E0-B8FC-AC1667EBCBE1}">
+              <a14:hiddenEffects xmlns:a14="http://schemas.microsoft.com/office/drawing/2010/main">
+                <a:effectLst>
+                  <a:outerShdw dist="35921" dir="2700000" algn="ctr" rotWithShape="0">
+                    <a:schemeClr val="bg2"/>
+                  </a:outerShdw>
+                </a:effectLst>
+              </a14:hiddenEffects>
             </a:ext>
           </a:extLst>
         </p:spPr>
@@ -24409,7 +24432,11 @@
             </a:r>
             <a:r>
               <a:rPr lang="ko-KR" altLang="en-US" sz="1600" smtClean="0"/>
-              <a:t>음성데이터 송신</a:t>
+              <a:t>음성데이터 </a:t>
+            </a:r>
+            <a:r>
+              <a:rPr lang="ko-KR" altLang="en-US" sz="1600" smtClean="0"/>
+              <a:t>송신</a:t>
             </a:r>
             <a:endParaRPr lang="en-US" altLang="ko-KR" sz="1600"/>
           </a:p>
